--- a/Qanything Results Presentation.pptx
+++ b/Qanything Results Presentation.pptx
@@ -18,8 +18,9 @@
     <p:sldId id="272" r:id="rId12"/>
     <p:sldId id="275" r:id="rId13"/>
     <p:sldId id="269" r:id="rId14"/>
-    <p:sldId id="280" r:id="rId15"/>
-    <p:sldId id="270" r:id="rId16"/>
+    <p:sldId id="283" r:id="rId15"/>
+    <p:sldId id="280" r:id="rId16"/>
+    <p:sldId id="284" r:id="rId17"/>
   </p:sldIdLst>
   <p:sldSz cx="12192000" cy="6858000"/>
   <p:notesSz cx="6858000" cy="9144000"/>
@@ -3441,125 +3442,6 @@
           </a:p>
         </p:txBody>
       </p:sp>
-      <p:sp>
-        <p:nvSpPr>
-          <p:cNvPr id="6" name="TextBox 5">
-            <a:extLst>
-              <a:ext uri="{FF2B5EF4-FFF2-40B4-BE49-F238E27FC236}">
-                <a16:creationId xmlns:a16="http://schemas.microsoft.com/office/drawing/2014/main" id="{C6FF6777-636C-FE42-82C6-0E8DB2C5FAA4}"/>
-              </a:ext>
-            </a:extLst>
-          </p:cNvPr>
-          <p:cNvSpPr txBox="1"/>
-          <p:nvPr/>
-        </p:nvSpPr>
-        <p:spPr>
-          <a:xfrm>
-            <a:off x="130629" y="4429919"/>
-            <a:ext cx="7977052" cy="1754326"/>
-          </a:xfrm>
-          <a:prstGeom prst="rect">
-            <a:avLst/>
-          </a:prstGeom>
-          <a:noFill/>
-        </p:spPr>
-        <p:txBody>
-          <a:bodyPr wrap="square" rtlCol="0">
-            <a:spAutoFit/>
-          </a:bodyPr>
-          <a:lstStyle/>
-          <a:p>
-            <a:r>
-              <a:rPr lang="en-GB" dirty="0"/>
-              <a:t>Team Members:</a:t>
-            </a:r>
-          </a:p>
-          <a:p>
-            <a:pPr marL="285750" indent="-285750">
-              <a:buFont typeface="Arial" panose="020B0604020202020204" pitchFamily="34" charset="0"/>
-              <a:buChar char="•"/>
-            </a:pPr>
-            <a:r>
-              <a:rPr lang="en-SG" dirty="0"/>
-              <a:t>Chee Chong </a:t>
-            </a:r>
-            <a:r>
-              <a:rPr lang="en-SG" dirty="0" err="1"/>
-              <a:t>Hian</a:t>
-            </a:r>
-            <a:r>
-              <a:rPr lang="en-SG" dirty="0"/>
-              <a:t> (Lead, Coder, Curator)</a:t>
-            </a:r>
-          </a:p>
-          <a:p>
-            <a:pPr marL="285750" indent="-285750">
-              <a:buFont typeface="Arial" panose="020B0604020202020204" pitchFamily="34" charset="0"/>
-              <a:buChar char="•"/>
-            </a:pPr>
-            <a:r>
-              <a:rPr lang="en-SG" dirty="0"/>
-              <a:t>Benjamin Tan (Proofreading, Curator)</a:t>
-            </a:r>
-          </a:p>
-          <a:p>
-            <a:pPr marL="285750" indent="-285750">
-              <a:buFont typeface="Arial" panose="020B0604020202020204" pitchFamily="34" charset="0"/>
-              <a:buChar char="•"/>
-            </a:pPr>
-            <a:r>
-              <a:rPr lang="en-SG" dirty="0"/>
-              <a:t>Gan </a:t>
-            </a:r>
-            <a:r>
-              <a:rPr lang="en-SG" dirty="0" err="1"/>
-              <a:t>Beng</a:t>
-            </a:r>
-            <a:r>
-              <a:rPr lang="en-SG" dirty="0"/>
-              <a:t> Yee &amp; </a:t>
-            </a:r>
-            <a:r>
-              <a:rPr lang="en-SG" dirty="0" err="1"/>
-              <a:t>Supanut</a:t>
-            </a:r>
-            <a:r>
-              <a:rPr lang="en-SG" dirty="0"/>
-              <a:t> </a:t>
-            </a:r>
-            <a:r>
-              <a:rPr lang="en-SG" dirty="0" err="1"/>
-              <a:t>Thanasilp</a:t>
-            </a:r>
-            <a:r>
-              <a:rPr lang="en-SG" dirty="0"/>
-              <a:t> (Tried in Running Our Quantum Circuit on Real IBM Devices, but it didn’t work due to Technical Issues)</a:t>
-            </a:r>
-          </a:p>
-          <a:p>
-            <a:pPr marL="285750" indent="-285750">
-              <a:buFont typeface="Arial" panose="020B0604020202020204" pitchFamily="34" charset="0"/>
-              <a:buChar char="•"/>
-            </a:pPr>
-            <a:r>
-              <a:rPr lang="en-SG" dirty="0" err="1"/>
-              <a:t>Adrain</a:t>
-            </a:r>
-            <a:r>
-              <a:rPr lang="en-SG" dirty="0"/>
-              <a:t> </a:t>
-            </a:r>
-            <a:r>
-              <a:rPr lang="en-SG" dirty="0" err="1"/>
-              <a:t>Mak</a:t>
-            </a:r>
-            <a:r>
-              <a:rPr lang="en-SG" dirty="0"/>
-              <a:t> (Proofreading)</a:t>
-            </a:r>
-          </a:p>
-        </p:txBody>
-      </p:sp>
     </p:spTree>
     <p:extLst>
       <p:ext uri="{BB962C8B-B14F-4D97-AF65-F5344CB8AC3E}">
@@ -3922,8 +3804,8 @@
           </a:prstGeom>
         </p:spPr>
       </p:pic>
-      <mc:AlternateContent xmlns:mc="http://schemas.openxmlformats.org/markup-compatibility/2006">
-        <mc:Choice xmlns:a14="http://schemas.microsoft.com/office/drawing/2010/main" Requires="a14">
+      <mc:AlternateContent xmlns:mc="http://schemas.openxmlformats.org/markup-compatibility/2006" xmlns:a14="http://schemas.microsoft.com/office/drawing/2010/main">
+        <mc:Choice Requires="a14">
           <p:sp>
             <p:nvSpPr>
               <p:cNvPr id="15" name="Title 1">
@@ -4016,7 +3898,7 @@
             </p:txBody>
           </p:sp>
         </mc:Choice>
-        <mc:Fallback>
+        <mc:Fallback xmlns="">
           <p:sp>
             <p:nvSpPr>
               <p:cNvPr id="15" name="Title 1">
@@ -4487,8 +4369,8 @@
           </a:prstGeom>
         </p:spPr>
       </p:pic>
-      <mc:AlternateContent xmlns:mc="http://schemas.openxmlformats.org/markup-compatibility/2006">
-        <mc:Choice xmlns:a14="http://schemas.microsoft.com/office/drawing/2010/main" Requires="a14">
+      <mc:AlternateContent xmlns:mc="http://schemas.openxmlformats.org/markup-compatibility/2006" xmlns:a14="http://schemas.microsoft.com/office/drawing/2010/main">
+        <mc:Choice Requires="a14">
           <p:sp>
             <p:nvSpPr>
               <p:cNvPr id="16" name="Title 1">
@@ -4581,7 +4463,7 @@
             </p:txBody>
           </p:sp>
         </mc:Choice>
-        <mc:Fallback>
+        <mc:Fallback xmlns="">
           <p:sp>
             <p:nvSpPr>
               <p:cNvPr id="16" name="Title 1">
@@ -5096,8 +4978,8 @@
           </a:prstGeom>
         </p:spPr>
       </p:pic>
-      <mc:AlternateContent xmlns:mc="http://schemas.openxmlformats.org/markup-compatibility/2006">
-        <mc:Choice xmlns:a14="http://schemas.microsoft.com/office/drawing/2010/main" Requires="a14">
+      <mc:AlternateContent xmlns:mc="http://schemas.openxmlformats.org/markup-compatibility/2006" xmlns:a14="http://schemas.microsoft.com/office/drawing/2010/main">
+        <mc:Choice Requires="a14">
           <p:sp>
             <p:nvSpPr>
               <p:cNvPr id="18" name="Title 1">
@@ -5190,7 +5072,7 @@
             </p:txBody>
           </p:sp>
         </mc:Choice>
-        <mc:Fallback>
+        <mc:Fallback xmlns="">
           <p:sp>
             <p:nvSpPr>
               <p:cNvPr id="18" name="Title 1">
@@ -5328,7 +5210,7 @@
         </p:blipFill>
         <p:spPr>
           <a:xfrm>
-            <a:off x="688286" y="1139476"/>
+            <a:off x="687609" y="861794"/>
             <a:ext cx="5235835" cy="3626262"/>
           </a:xfrm>
           <a:prstGeom prst="rect">
@@ -5350,7 +5232,7 @@
         </p:nvSpPr>
         <p:spPr>
           <a:xfrm rot="16200000">
-            <a:off x="-919362" y="2536044"/>
+            <a:off x="-920039" y="2258362"/>
             <a:ext cx="2552297" cy="307777"/>
           </a:xfrm>
           <a:prstGeom prst="rect">
@@ -5399,7 +5281,7 @@
         </p:blipFill>
         <p:spPr>
           <a:xfrm>
-            <a:off x="6948472" y="1413784"/>
+            <a:off x="6947795" y="1136102"/>
             <a:ext cx="5491845" cy="3414954"/>
           </a:xfrm>
           <a:prstGeom prst="rect">
@@ -5421,7 +5303,7 @@
         </p:nvSpPr>
         <p:spPr>
           <a:xfrm rot="16200000">
-            <a:off x="5636101" y="2528564"/>
+            <a:off x="5635424" y="2250882"/>
             <a:ext cx="2302008" cy="322735"/>
           </a:xfrm>
           <a:prstGeom prst="rect">
@@ -5480,8 +5362,8 @@
         </p:blipFill>
         <p:spPr>
           <a:xfrm>
-            <a:off x="1712637" y="1750299"/>
-            <a:ext cx="1657607" cy="1095771"/>
+            <a:off x="5233513" y="5124237"/>
+            <a:ext cx="2638108" cy="1743937"/>
           </a:xfrm>
           <a:prstGeom prst="rect">
             <a:avLst/>
@@ -5502,8 +5384,8 @@
         </p:nvSpPr>
         <p:spPr>
           <a:xfrm>
-            <a:off x="2147494" y="5173507"/>
-            <a:ext cx="7553253" cy="1200329"/>
+            <a:off x="7871621" y="5251527"/>
+            <a:ext cx="4382481" cy="1323439"/>
           </a:xfrm>
           <a:prstGeom prst="rect">
             <a:avLst/>
@@ -5516,27 +5398,31 @@
           </a:bodyPr>
           <a:lstStyle/>
           <a:p>
-            <a:pPr marL="285750" indent="-285750">
-              <a:buFont typeface="Arial" panose="020B0604020202020204" pitchFamily="34" charset="0"/>
-              <a:buChar char="•"/>
-            </a:pPr>
-            <a:r>
-              <a:rPr lang="en-SG" sz="2400" dirty="0"/>
-              <a:t>Optimizers provided by </a:t>
-            </a:r>
-            <a:r>
-              <a:rPr lang="en-SG" sz="2400" dirty="0" err="1"/>
+            <a:r>
+              <a:rPr lang="en-SG" sz="2000" dirty="0"/>
+              <a:t>Note: Optimizers provided by </a:t>
+            </a:r>
+            <a:r>
+              <a:rPr lang="en-SG" sz="2000" dirty="0" err="1"/>
               <a:t>PennyLane</a:t>
             </a:r>
             <a:r>
-              <a:rPr lang="en-SG" sz="2400" dirty="0"/>
-              <a:t> were unsuccessful in converging to the reference energy in a limited number of steps (30 Iterations Max)</a:t>
+              <a:rPr lang="en-SG" sz="2000" dirty="0"/>
+              <a:t> were unsuccessful in converging to the reference energy </a:t>
+            </a:r>
+            <a:r>
+              <a:rPr lang="en-SG" sz="2000" u="sng" dirty="0"/>
+              <a:t>exactly</a:t>
+            </a:r>
+            <a:r>
+              <a:rPr lang="en-SG" sz="2000" dirty="0"/>
+              <a:t> in a limited number of steps (30 Iterations Max)</a:t>
             </a:r>
           </a:p>
         </p:txBody>
       </p:sp>
-      <mc:AlternateContent xmlns:mc="http://schemas.openxmlformats.org/markup-compatibility/2006">
-        <mc:Choice xmlns:a14="http://schemas.microsoft.com/office/drawing/2010/main" Requires="a14">
+      <mc:AlternateContent xmlns:mc="http://schemas.openxmlformats.org/markup-compatibility/2006" xmlns:a14="http://schemas.microsoft.com/office/drawing/2010/main">
+        <mc:Choice Requires="a14">
           <p:sp>
             <p:nvSpPr>
               <p:cNvPr id="12" name="Title 1">
@@ -5638,7 +5524,7 @@
             </p:txBody>
           </p:sp>
         </mc:Choice>
-        <mc:Fallback>
+        <mc:Fallback xmlns="">
           <p:sp>
             <p:nvSpPr>
               <p:cNvPr id="12" name="Title 1">
@@ -5697,7 +5583,7 @@
         </p:nvSpPr>
         <p:spPr>
           <a:xfrm>
-            <a:off x="5187919" y="3881894"/>
+            <a:off x="5187242" y="3604212"/>
             <a:ext cx="487680" cy="696686"/>
           </a:xfrm>
           <a:prstGeom prst="rightBrace">
@@ -5749,7 +5635,7 @@
         </p:nvCxnSpPr>
         <p:spPr>
           <a:xfrm flipV="1">
-            <a:off x="5680282" y="3614057"/>
+            <a:off x="5679605" y="3336375"/>
             <a:ext cx="2157432" cy="627017"/>
           </a:xfrm>
           <a:prstGeom prst="straightConnector1">
@@ -5791,7 +5677,7 @@
         </p:nvSpPr>
         <p:spPr>
           <a:xfrm>
-            <a:off x="5765051" y="4175496"/>
+            <a:off x="5764374" y="3897814"/>
             <a:ext cx="1517210" cy="461665"/>
           </a:xfrm>
           <a:prstGeom prst="rect">
@@ -5812,12 +5698,121 @@
           </a:p>
         </p:txBody>
       </p:sp>
+      <p:pic>
+        <p:nvPicPr>
+          <p:cNvPr id="13" name="Picture 12">
+            <a:extLst>
+              <a:ext uri="{FF2B5EF4-FFF2-40B4-BE49-F238E27FC236}">
+                <a16:creationId xmlns:a16="http://schemas.microsoft.com/office/drawing/2014/main" id="{D3AB9E2C-F1A6-C542-B98C-2D56C5597812}"/>
+              </a:ext>
+            </a:extLst>
+          </p:cNvPr>
+          <p:cNvPicPr>
+            <a:picLocks noChangeAspect="1"/>
+          </p:cNvPicPr>
+          <p:nvPr/>
+        </p:nvPicPr>
+        <p:blipFill>
+          <a:blip r:embed="rId6"/>
+          <a:stretch>
+            <a:fillRect/>
+          </a:stretch>
+        </p:blipFill>
+        <p:spPr>
+          <a:xfrm>
+            <a:off x="1657657" y="4522369"/>
+            <a:ext cx="1593547" cy="918062"/>
+          </a:xfrm>
+          <a:prstGeom prst="rect">
+            <a:avLst/>
+          </a:prstGeom>
+        </p:spPr>
+      </p:pic>
       <p:sp>
         <p:nvSpPr>
-          <p:cNvPr id="9" name="TextBox 8">
-            <a:extLst>
-              <a:ext uri="{FF2B5EF4-FFF2-40B4-BE49-F238E27FC236}">
-                <a16:creationId xmlns:a16="http://schemas.microsoft.com/office/drawing/2014/main" id="{05EA7FF9-9C6E-1348-89C6-E3D1BF153F17}"/>
+          <p:cNvPr id="2" name="Rectangle 1">
+            <a:extLst>
+              <a:ext uri="{FF2B5EF4-FFF2-40B4-BE49-F238E27FC236}">
+                <a16:creationId xmlns:a16="http://schemas.microsoft.com/office/drawing/2014/main" id="{C3A3E16A-D573-3A45-B970-C0FFBF054ACE}"/>
+              </a:ext>
+            </a:extLst>
+          </p:cNvPr>
+          <p:cNvSpPr/>
+          <p:nvPr/>
+        </p:nvSpPr>
+        <p:spPr>
+          <a:xfrm>
+            <a:off x="-22614" y="5008085"/>
+            <a:ext cx="4246105" cy="1815882"/>
+          </a:xfrm>
+          <a:prstGeom prst="rect">
+            <a:avLst/>
+          </a:prstGeom>
+        </p:spPr>
+        <p:txBody>
+          <a:bodyPr wrap="square">
+            <a:spAutoFit/>
+          </a:bodyPr>
+          <a:lstStyle/>
+          <a:p>
+            <a:r>
+              <a:rPr lang="en-SG" sz="1600" dirty="0"/>
+              <a:t>No. of Electrons: 4 </a:t>
+            </a:r>
+          </a:p>
+          <a:p>
+            <a:r>
+              <a:rPr lang="en-SG" sz="1600" dirty="0"/>
+              <a:t>No. of Qubits: 8 </a:t>
+            </a:r>
+          </a:p>
+          <a:p>
+            <a:r>
+              <a:rPr lang="en-SG" sz="1600" dirty="0"/>
+              <a:t>No. of Pauli Strings (to measure): 185 </a:t>
+            </a:r>
+          </a:p>
+          <a:p>
+            <a:r>
+              <a:rPr lang="en-SG" sz="1600" dirty="0"/>
+              <a:t>No. of Single Excitations Rotation Gate: 16 </a:t>
+            </a:r>
+          </a:p>
+          <a:p>
+            <a:r>
+              <a:rPr lang="en-SG" sz="1600" dirty="0"/>
+              <a:t>No. of Double Excitations Rotations Gate: 36 </a:t>
+            </a:r>
+          </a:p>
+          <a:p>
+            <a:r>
+              <a:rPr lang="en-SG" sz="1600" dirty="0"/>
+              <a:t>Total No. of Excitations Rotation Parameter: 52 </a:t>
+            </a:r>
+          </a:p>
+          <a:p>
+            <a:r>
+              <a:rPr lang="en-SG" sz="1600" dirty="0"/>
+              <a:t>Hartree-</a:t>
+            </a:r>
+            <a:r>
+              <a:rPr lang="en-SG" sz="1600" dirty="0" err="1"/>
+              <a:t>Fock</a:t>
+            </a:r>
+            <a:r>
+              <a:rPr lang="en-SG" sz="1600" dirty="0"/>
+              <a:t> State: |1 1 1 1 0 0 0 0&gt;</a:t>
+            </a:r>
+            <a:endParaRPr lang="en-GB" sz="1600" dirty="0"/>
+          </a:p>
+        </p:txBody>
+      </p:sp>
+      <p:sp>
+        <p:nvSpPr>
+          <p:cNvPr id="19" name="TextBox 18">
+            <a:extLst>
+              <a:ext uri="{FF2B5EF4-FFF2-40B4-BE49-F238E27FC236}">
+                <a16:creationId xmlns:a16="http://schemas.microsoft.com/office/drawing/2014/main" id="{BB990A6C-D4F2-E345-88DF-826F83D4E79A}"/>
               </a:ext>
             </a:extLst>
           </p:cNvPr>
@@ -5826,8 +5821,8 @@
         </p:nvSpPr>
         <p:spPr>
           <a:xfrm>
-            <a:off x="3467260" y="1725855"/>
-            <a:ext cx="1764201" cy="523220"/>
+            <a:off x="1971226" y="3105834"/>
+            <a:ext cx="2865208" cy="646331"/>
           </a:xfrm>
           <a:prstGeom prst="rect">
             <a:avLst/>
@@ -5841,13 +5836,347 @@
           <a:lstStyle/>
           <a:p>
             <a:r>
-              <a:rPr lang="en-GB" sz="2800" dirty="0" err="1"/>
-              <a:t>PennyLane</a:t>
-            </a:r>
-            <a:endParaRPr lang="en-GB" sz="2800" dirty="0"/>
+              <a:rPr lang="en-GB" dirty="0"/>
+              <a:t>Max Optimiser Iterations: 30</a:t>
+            </a:r>
+          </a:p>
+          <a:p>
+            <a:r>
+              <a:rPr lang="en-GB" dirty="0"/>
+              <a:t>Total Runtime: ~1 Hour</a:t>
+            </a:r>
           </a:p>
         </p:txBody>
       </p:sp>
+      <p:sp>
+        <p:nvSpPr>
+          <p:cNvPr id="23" name="TextBox 22">
+            <a:extLst>
+              <a:ext uri="{FF2B5EF4-FFF2-40B4-BE49-F238E27FC236}">
+                <a16:creationId xmlns:a16="http://schemas.microsoft.com/office/drawing/2014/main" id="{A199F007-5FFF-AE4C-B409-C272549F564E}"/>
+              </a:ext>
+            </a:extLst>
+          </p:cNvPr>
+          <p:cNvSpPr txBox="1"/>
+          <p:nvPr/>
+        </p:nvSpPr>
+        <p:spPr>
+          <a:xfrm>
+            <a:off x="1301660" y="1559416"/>
+            <a:ext cx="1810028" cy="1200329"/>
+          </a:xfrm>
+          <a:prstGeom prst="rect">
+            <a:avLst/>
+          </a:prstGeom>
+          <a:noFill/>
+        </p:spPr>
+        <p:txBody>
+          <a:bodyPr wrap="square" rtlCol="0">
+            <a:spAutoFit/>
+          </a:bodyPr>
+          <a:lstStyle/>
+          <a:p>
+            <a:pPr algn="ctr"/>
+            <a:r>
+              <a:rPr lang="en-GB" sz="2400" dirty="0" err="1"/>
+              <a:t>PennyLane</a:t>
+            </a:r>
+            <a:r>
+              <a:rPr lang="en-GB" sz="2400" dirty="0"/>
+              <a:t> with Our Ansatz</a:t>
+            </a:r>
+          </a:p>
+        </p:txBody>
+      </p:sp>
+      <mc:AlternateContent xmlns:mc="http://schemas.openxmlformats.org/markup-compatibility/2006">
+        <mc:Choice xmlns:a14="http://schemas.microsoft.com/office/drawing/2010/main" Requires="a14">
+          <p:sp>
+            <p:nvSpPr>
+              <p:cNvPr id="10" name="TextBox 9">
+                <a:extLst>
+                  <a:ext uri="{FF2B5EF4-FFF2-40B4-BE49-F238E27FC236}">
+                    <a16:creationId xmlns:a16="http://schemas.microsoft.com/office/drawing/2014/main" id="{1FCD4659-8A01-C04F-B4C7-79DC3FB98B25}"/>
+                  </a:ext>
+                </a:extLst>
+              </p:cNvPr>
+              <p:cNvSpPr txBox="1"/>
+              <p:nvPr/>
+            </p:nvSpPr>
+            <p:spPr>
+              <a:xfrm>
+                <a:off x="5233513" y="4756076"/>
+                <a:ext cx="3687291" cy="369332"/>
+              </a:xfrm>
+              <a:prstGeom prst="rect">
+                <a:avLst/>
+              </a:prstGeom>
+              <a:noFill/>
+            </p:spPr>
+            <p:txBody>
+              <a:bodyPr wrap="none" rtlCol="0">
+                <a:spAutoFit/>
+              </a:bodyPr>
+              <a:lstStyle/>
+              <a:p>
+                <a:r>
+                  <a:rPr lang="en-GB" dirty="0"/>
+                  <a:t>Energy Optimisation of </a:t>
+                </a:r>
+                <a14:m>
+                  <m:oMath xmlns:m="http://schemas.openxmlformats.org/officeDocument/2006/math">
+                    <m:sSub>
+                      <m:sSubPr>
+                        <m:ctrlPr>
+                          <a:rPr lang="en-SG" i="1">
+                            <a:latin typeface="Cambria Math" panose="02040503050406030204" pitchFamily="18" charset="0"/>
+                          </a:rPr>
+                        </m:ctrlPr>
+                      </m:sSubPr>
+                      <m:e>
+                        <m:r>
+                          <m:rPr>
+                            <m:nor/>
+                          </m:rPr>
+                          <a:rPr lang="en-SG">
+                            <a:latin typeface="Cambria Math" panose="02040503050406030204" pitchFamily="18" charset="0"/>
+                          </a:rPr>
+                          <m:t>H</m:t>
+                        </m:r>
+                        <m:r>
+                          <m:rPr>
+                            <m:nor/>
+                          </m:rPr>
+                          <a:rPr lang="en-US">
+                            <a:latin typeface="Cambria Math" panose="02040503050406030204" pitchFamily="18" charset="0"/>
+                          </a:rPr>
+                          <m:t>e</m:t>
+                        </m:r>
+                      </m:e>
+                      <m:sub>
+                        <m:r>
+                          <a:rPr lang="en-SG" i="1">
+                            <a:latin typeface="Cambria Math" panose="02040503050406030204" pitchFamily="18" charset="0"/>
+                          </a:rPr>
+                          <m:t>2</m:t>
+                        </m:r>
+                      </m:sub>
+                    </m:sSub>
+                    <m:r>
+                      <a:rPr lang="en-US" b="0" i="0" smtClean="0">
+                        <a:latin typeface="Cambria Math" panose="02040503050406030204" pitchFamily="18" charset="0"/>
+                      </a:rPr>
+                      <m:t>@ 6</m:t>
+                    </m:r>
+                    <m:r>
+                      <m:rPr>
+                        <m:sty m:val="p"/>
+                      </m:rPr>
+                      <a:rPr lang="en-US" b="0" i="0" smtClean="0">
+                        <a:latin typeface="Cambria Math" panose="02040503050406030204" pitchFamily="18" charset="0"/>
+                      </a:rPr>
+                      <m:t>Bohr</m:t>
+                    </m:r>
+                  </m:oMath>
+                </a14:m>
+                <a:r>
+                  <a:rPr lang="en-GB" dirty="0"/>
+                  <a:t> </a:t>
+                </a:r>
+              </a:p>
+            </p:txBody>
+          </p:sp>
+        </mc:Choice>
+        <mc:Fallback>
+          <p:sp>
+            <p:nvSpPr>
+              <p:cNvPr id="10" name="TextBox 9">
+                <a:extLst>
+                  <a:ext uri="{FF2B5EF4-FFF2-40B4-BE49-F238E27FC236}">
+                    <a16:creationId xmlns:a16="http://schemas.microsoft.com/office/drawing/2014/main" id="{1FCD4659-8A01-C04F-B4C7-79DC3FB98B25}"/>
+                  </a:ext>
+                </a:extLst>
+              </p:cNvPr>
+              <p:cNvSpPr txBox="1">
+                <a:spLocks noRot="1" noChangeAspect="1" noMove="1" noResize="1" noEditPoints="1" noAdjustHandles="1" noChangeArrowheads="1" noChangeShapeType="1" noTextEdit="1"/>
+              </p:cNvSpPr>
+              <p:nvPr/>
+            </p:nvSpPr>
+            <p:spPr>
+              <a:xfrm>
+                <a:off x="5233513" y="4756076"/>
+                <a:ext cx="3687291" cy="369332"/>
+              </a:xfrm>
+              <a:prstGeom prst="rect">
+                <a:avLst/>
+              </a:prstGeom>
+              <a:blipFill>
+                <a:blip r:embed="rId7"/>
+                <a:stretch>
+                  <a:fillRect l="-1375" t="-6667" b="-26667"/>
+                </a:stretch>
+              </a:blipFill>
+            </p:spPr>
+            <p:txBody>
+              <a:bodyPr/>
+              <a:lstStyle/>
+              <a:p>
+                <a:r>
+                  <a:rPr lang="en-GB">
+                    <a:noFill/>
+                  </a:rPr>
+                  <a:t> </a:t>
+                </a:r>
+              </a:p>
+            </p:txBody>
+          </p:sp>
+        </mc:Fallback>
+      </mc:AlternateContent>
+      <mc:AlternateContent xmlns:mc="http://schemas.openxmlformats.org/markup-compatibility/2006">
+        <mc:Choice xmlns:a14="http://schemas.microsoft.com/office/drawing/2010/main" Requires="a14">
+          <p:sp>
+            <p:nvSpPr>
+              <p:cNvPr id="24" name="TextBox 23">
+                <a:extLst>
+                  <a:ext uri="{FF2B5EF4-FFF2-40B4-BE49-F238E27FC236}">
+                    <a16:creationId xmlns:a16="http://schemas.microsoft.com/office/drawing/2014/main" id="{7DC328FB-C8C4-DE47-B1F3-314DB9812B7B}"/>
+                  </a:ext>
+                </a:extLst>
+              </p:cNvPr>
+              <p:cNvSpPr txBox="1"/>
+              <p:nvPr/>
+            </p:nvSpPr>
+            <p:spPr>
+              <a:xfrm>
+                <a:off x="2706840" y="4756076"/>
+                <a:ext cx="2415238" cy="707886"/>
+              </a:xfrm>
+              <a:prstGeom prst="rect">
+                <a:avLst/>
+              </a:prstGeom>
+              <a:noFill/>
+            </p:spPr>
+            <p:txBody>
+              <a:bodyPr wrap="square">
+                <a:spAutoFit/>
+              </a:bodyPr>
+              <a:lstStyle/>
+              <a:p>
+                <a:pPr algn="ctr"/>
+                <a:r>
+                  <a:rPr lang="en-SG" sz="2000" dirty="0"/>
+                  <a:t>Distance: </a:t>
+                </a:r>
+                <a:endParaRPr lang="en-US" sz="2000" b="0" i="0" dirty="0">
+                  <a:latin typeface="Cambria Math" panose="02040503050406030204" pitchFamily="18" charset="0"/>
+                </a:endParaRPr>
+              </a:p>
+              <a:p>
+                <a:pPr algn="ctr"/>
+                <a14:m>
+                  <m:oMath xmlns:m="http://schemas.openxmlformats.org/officeDocument/2006/math">
+                    <m:r>
+                      <m:rPr>
+                        <m:sty m:val="p"/>
+                      </m:rPr>
+                      <a:rPr lang="en-SG" sz="2000" b="0" i="0" smtClean="0">
+                        <a:latin typeface="Cambria Math" panose="02040503050406030204" pitchFamily="18" charset="0"/>
+                      </a:rPr>
+                      <m:t>r</m:t>
+                    </m:r>
+                    <m:r>
+                      <a:rPr lang="en-SG" sz="2000" b="0" i="0" smtClean="0">
+                        <a:latin typeface="Cambria Math" panose="02040503050406030204" pitchFamily="18" charset="0"/>
+                      </a:rPr>
+                      <m:t>=</m:t>
+                    </m:r>
+                    <m:r>
+                      <a:rPr lang="en-US" sz="2000" b="0" i="1" smtClean="0">
+                        <a:latin typeface="Cambria Math" panose="02040503050406030204" pitchFamily="18" charset="0"/>
+                      </a:rPr>
+                      <m:t>5</m:t>
+                    </m:r>
+                    <m:r>
+                      <a:rPr lang="en-SG" sz="2000" b="0" i="1" smtClean="0">
+                        <a:latin typeface="Cambria Math" panose="02040503050406030204" pitchFamily="18" charset="0"/>
+                      </a:rPr>
+                      <m:t>.</m:t>
+                    </m:r>
+                    <m:r>
+                      <a:rPr lang="en-US" sz="2000" b="0" i="1" smtClean="0">
+                        <a:latin typeface="Cambria Math" panose="02040503050406030204" pitchFamily="18" charset="0"/>
+                      </a:rPr>
+                      <m:t>4</m:t>
+                    </m:r>
+                  </m:oMath>
+                </a14:m>
+                <a:r>
+                  <a:rPr lang="en-SG" sz="2000" dirty="0"/>
+                  <a:t> to </a:t>
+                </a:r>
+                <a14:m>
+                  <m:oMath xmlns:m="http://schemas.openxmlformats.org/officeDocument/2006/math">
+                    <m:r>
+                      <a:rPr lang="en-US" sz="2000" b="0" i="1" smtClean="0">
+                        <a:latin typeface="Cambria Math" panose="02040503050406030204" pitchFamily="18" charset="0"/>
+                      </a:rPr>
+                      <m:t>6.8</m:t>
+                    </m:r>
+                  </m:oMath>
+                </a14:m>
+                <a:r>
+                  <a:rPr lang="en-SG" sz="2000" dirty="0"/>
+                  <a:t> Bohr</a:t>
+                </a:r>
+                <a:endParaRPr lang="en-GB" sz="2000" dirty="0"/>
+              </a:p>
+            </p:txBody>
+          </p:sp>
+        </mc:Choice>
+        <mc:Fallback>
+          <p:sp>
+            <p:nvSpPr>
+              <p:cNvPr id="24" name="TextBox 23">
+                <a:extLst>
+                  <a:ext uri="{FF2B5EF4-FFF2-40B4-BE49-F238E27FC236}">
+                    <a16:creationId xmlns:a16="http://schemas.microsoft.com/office/drawing/2014/main" id="{7DC328FB-C8C4-DE47-B1F3-314DB9812B7B}"/>
+                  </a:ext>
+                </a:extLst>
+              </p:cNvPr>
+              <p:cNvSpPr txBox="1">
+                <a:spLocks noRot="1" noChangeAspect="1" noMove="1" noResize="1" noEditPoints="1" noAdjustHandles="1" noChangeArrowheads="1" noChangeShapeType="1" noTextEdit="1"/>
+              </p:cNvSpPr>
+              <p:nvPr/>
+            </p:nvSpPr>
+            <p:spPr>
+              <a:xfrm>
+                <a:off x="2706840" y="4756076"/>
+                <a:ext cx="2415238" cy="707886"/>
+              </a:xfrm>
+              <a:prstGeom prst="rect">
+                <a:avLst/>
+              </a:prstGeom>
+              <a:blipFill>
+                <a:blip r:embed="rId8"/>
+                <a:stretch>
+                  <a:fillRect t="-3509" b="-14035"/>
+                </a:stretch>
+              </a:blipFill>
+            </p:spPr>
+            <p:txBody>
+              <a:bodyPr/>
+              <a:lstStyle/>
+              <a:p>
+                <a:r>
+                  <a:rPr lang="en-GB">
+                    <a:noFill/>
+                  </a:rPr>
+                  <a:t> </a:t>
+                </a:r>
+              </a:p>
+            </p:txBody>
+          </p:sp>
+        </mc:Fallback>
+      </mc:AlternateContent>
     </p:spTree>
     <p:extLst>
       <p:ext uri="{BB962C8B-B14F-4D97-AF65-F5344CB8AC3E}">
@@ -5878,248 +6207,6 @@
           <a:chExt cx="0" cy="0"/>
         </a:xfrm>
       </p:grpSpPr>
-      <p:pic>
-        <p:nvPicPr>
-          <p:cNvPr id="4" name="Picture 3">
-            <a:extLst>
-              <a:ext uri="{FF2B5EF4-FFF2-40B4-BE49-F238E27FC236}">
-                <a16:creationId xmlns:a16="http://schemas.microsoft.com/office/drawing/2014/main" id="{7B9D5B3C-D0C9-461B-82BC-48DDB86D0AAC}"/>
-              </a:ext>
-            </a:extLst>
-          </p:cNvPr>
-          <p:cNvPicPr>
-            <a:picLocks noChangeAspect="1"/>
-          </p:cNvPicPr>
-          <p:nvPr/>
-        </p:nvPicPr>
-        <p:blipFill>
-          <a:blip r:embed="rId2"/>
-          <a:stretch>
-            <a:fillRect/>
-          </a:stretch>
-        </p:blipFill>
-        <p:spPr>
-          <a:xfrm>
-            <a:off x="2142308" y="993769"/>
-            <a:ext cx="7036479" cy="5015557"/>
-          </a:xfrm>
-          <a:prstGeom prst="rect">
-            <a:avLst/>
-          </a:prstGeom>
-        </p:spPr>
-      </p:pic>
-      <p:sp>
-        <p:nvSpPr>
-          <p:cNvPr id="5" name="TextBox 4">
-            <a:extLst>
-              <a:ext uri="{FF2B5EF4-FFF2-40B4-BE49-F238E27FC236}">
-                <a16:creationId xmlns:a16="http://schemas.microsoft.com/office/drawing/2014/main" id="{A45E554D-386A-1B46-8CB8-009386B9696D}"/>
-              </a:ext>
-            </a:extLst>
-          </p:cNvPr>
-          <p:cNvSpPr txBox="1"/>
-          <p:nvPr/>
-        </p:nvSpPr>
-        <p:spPr>
-          <a:xfrm>
-            <a:off x="5213899" y="2500917"/>
-            <a:ext cx="1764201" cy="523220"/>
-          </a:xfrm>
-          <a:prstGeom prst="rect">
-            <a:avLst/>
-          </a:prstGeom>
-          <a:noFill/>
-        </p:spPr>
-        <p:txBody>
-          <a:bodyPr wrap="none" rtlCol="0">
-            <a:spAutoFit/>
-          </a:bodyPr>
-          <a:lstStyle/>
-          <a:p>
-            <a:r>
-              <a:rPr lang="en-GB" sz="2800" dirty="0" err="1"/>
-              <a:t>PennyLane</a:t>
-            </a:r>
-            <a:endParaRPr lang="en-GB" sz="2800" dirty="0"/>
-          </a:p>
-        </p:txBody>
-      </p:sp>
-      <mc:AlternateContent xmlns:mc="http://schemas.openxmlformats.org/markup-compatibility/2006">
-        <mc:Choice xmlns:a14="http://schemas.microsoft.com/office/drawing/2010/main" Requires="a14">
-          <p:sp>
-            <p:nvSpPr>
-              <p:cNvPr id="8" name="Title 1">
-                <a:extLst>
-                  <a:ext uri="{FF2B5EF4-FFF2-40B4-BE49-F238E27FC236}">
-                    <a16:creationId xmlns:a16="http://schemas.microsoft.com/office/drawing/2014/main" id="{AE5B583B-7A03-0E48-B474-16B205F5CFF1}"/>
-                  </a:ext>
-                </a:extLst>
-              </p:cNvPr>
-              <p:cNvSpPr txBox="1">
-                <a:spLocks/>
-              </p:cNvSpPr>
-              <p:nvPr/>
-            </p:nvSpPr>
-            <p:spPr>
-              <a:xfrm>
-                <a:off x="173959" y="282058"/>
-                <a:ext cx="11051390" cy="442743"/>
-              </a:xfrm>
-              <a:prstGeom prst="rect">
-                <a:avLst/>
-              </a:prstGeom>
-            </p:spPr>
-            <p:txBody>
-              <a:bodyPr vert="horz" lIns="91440" tIns="45720" rIns="91440" bIns="45720" rtlCol="0" anchor="ctr">
-                <a:noAutofit/>
-              </a:bodyPr>
-              <a:lstStyle>
-                <a:lvl1pPr algn="l" defTabSz="914400" rtl="0" eaLnBrk="1" latinLnBrk="0" hangingPunct="1">
-                  <a:lnSpc>
-                    <a:spcPct val="90000"/>
-                  </a:lnSpc>
-                  <a:spcBef>
-                    <a:spcPct val="0"/>
-                  </a:spcBef>
-                  <a:buNone/>
-                  <a:defRPr sz="4400" kern="1200">
-                    <a:solidFill>
-                      <a:schemeClr val="tx1"/>
-                    </a:solidFill>
-                    <a:latin typeface="+mj-lt"/>
-                    <a:ea typeface="+mj-ea"/>
-                    <a:cs typeface="+mj-cs"/>
-                  </a:defRPr>
-                </a:lvl1pPr>
-              </a:lstStyle>
-              <a:p>
-                <a:r>
-                  <a:rPr lang="en-SG" sz="3200" dirty="0"/>
-                  <a:t>Potential Energy Surface for </a:t>
-                </a:r>
-                <a14:m>
-                  <m:oMath xmlns:m="http://schemas.openxmlformats.org/officeDocument/2006/math">
-                    <m:r>
-                      <a:rPr lang="en-US" sz="3200" b="0" i="1" smtClean="0">
-                        <a:latin typeface="Cambria Math" panose="02040503050406030204" pitchFamily="18" charset="0"/>
-                      </a:rPr>
-                      <m:t>𝐿𝑖𝐻</m:t>
-                    </m:r>
-                  </m:oMath>
-                </a14:m>
-                <a:r>
-                  <a:rPr lang="en-SG" sz="3200" dirty="0"/>
-                  <a:t> using Exact Quantum simulator</a:t>
-                </a:r>
-                <a:endParaRPr lang="en-GB" sz="3200" dirty="0"/>
-              </a:p>
-            </p:txBody>
-          </p:sp>
-        </mc:Choice>
-        <mc:Fallback>
-          <p:sp>
-            <p:nvSpPr>
-              <p:cNvPr id="8" name="Title 1">
-                <a:extLst>
-                  <a:ext uri="{FF2B5EF4-FFF2-40B4-BE49-F238E27FC236}">
-                    <a16:creationId xmlns:a16="http://schemas.microsoft.com/office/drawing/2014/main" id="{AE5B583B-7A03-0E48-B474-16B205F5CFF1}"/>
-                  </a:ext>
-                </a:extLst>
-              </p:cNvPr>
-              <p:cNvSpPr txBox="1">
-                <a:spLocks noRot="1" noChangeAspect="1" noMove="1" noResize="1" noEditPoints="1" noAdjustHandles="1" noChangeArrowheads="1" noChangeShapeType="1" noTextEdit="1"/>
-              </p:cNvSpPr>
-              <p:nvPr/>
-            </p:nvSpPr>
-            <p:spPr>
-              <a:xfrm>
-                <a:off x="173959" y="282058"/>
-                <a:ext cx="11051390" cy="442743"/>
-              </a:xfrm>
-              <a:prstGeom prst="rect">
-                <a:avLst/>
-              </a:prstGeom>
-              <a:blipFill>
-                <a:blip r:embed="rId3"/>
-                <a:stretch>
-                  <a:fillRect l="-1378" t="-38889" b="-50000"/>
-                </a:stretch>
-              </a:blipFill>
-            </p:spPr>
-            <p:txBody>
-              <a:bodyPr/>
-              <a:lstStyle/>
-              <a:p>
-                <a:r>
-                  <a:rPr lang="en-GB">
-                    <a:noFill/>
-                  </a:rPr>
-                  <a:t> </a:t>
-                </a:r>
-              </a:p>
-            </p:txBody>
-          </p:sp>
-        </mc:Fallback>
-      </mc:AlternateContent>
-    </p:spTree>
-    <p:extLst>
-      <p:ext uri="{BB962C8B-B14F-4D97-AF65-F5344CB8AC3E}">
-        <p14:creationId xmlns:p14="http://schemas.microsoft.com/office/powerpoint/2010/main" val="950458762"/>
-      </p:ext>
-    </p:extLst>
-  </p:cSld>
-  <p:clrMapOvr>
-    <a:masterClrMapping/>
-  </p:clrMapOvr>
-</p:sld>
-</file>
-
-<file path=ppt/slides/slide15.xml><?xml version="1.0" encoding="utf-8"?>
-<p:sld xmlns:a="http://schemas.openxmlformats.org/drawingml/2006/main" xmlns:r="http://schemas.openxmlformats.org/officeDocument/2006/relationships" xmlns:p="http://schemas.openxmlformats.org/presentationml/2006/main">
-  <p:cSld>
-    <p:spTree>
-      <p:nvGrpSpPr>
-        <p:cNvPr id="1" name=""/>
-        <p:cNvGrpSpPr/>
-        <p:nvPr/>
-      </p:nvGrpSpPr>
-      <p:grpSpPr>
-        <a:xfrm>
-          <a:off x="0" y="0"/>
-          <a:ext cx="0" cy="0"/>
-          <a:chOff x="0" y="0"/>
-          <a:chExt cx="0" cy="0"/>
-        </a:xfrm>
-      </p:grpSpPr>
-      <p:pic>
-        <p:nvPicPr>
-          <p:cNvPr id="14" name="Picture 13">
-            <a:extLst>
-              <a:ext uri="{FF2B5EF4-FFF2-40B4-BE49-F238E27FC236}">
-                <a16:creationId xmlns:a16="http://schemas.microsoft.com/office/drawing/2014/main" id="{170F33E9-4306-47D5-974A-7933598C378A}"/>
-              </a:ext>
-            </a:extLst>
-          </p:cNvPr>
-          <p:cNvPicPr>
-            <a:picLocks noChangeAspect="1"/>
-          </p:cNvPicPr>
-          <p:nvPr/>
-        </p:nvPicPr>
-        <p:blipFill rotWithShape="1">
-          <a:blip r:embed="rId2"/>
-          <a:srcRect l="3435"/>
-          <a:stretch/>
-        </p:blipFill>
-        <p:spPr>
-          <a:xfrm>
-            <a:off x="5949586" y="1703165"/>
-            <a:ext cx="4647033" cy="3451670"/>
-          </a:xfrm>
-          <a:prstGeom prst="rect">
-            <a:avLst/>
-          </a:prstGeom>
-        </p:spPr>
-      </p:pic>
       <mc:AlternateContent xmlns:mc="http://schemas.openxmlformats.org/markup-compatibility/2006">
         <mc:Choice xmlns:a14="http://schemas.microsoft.com/office/drawing/2010/main" Requires="a14">
           <p:sp>
@@ -6141,7 +6228,7 @@
             <p:spPr>
               <a:xfrm>
                 <a:off x="178184" y="195207"/>
-                <a:ext cx="11586866" cy="864797"/>
+                <a:ext cx="11926730" cy="864797"/>
               </a:xfrm>
             </p:spPr>
             <p:txBody>
@@ -6150,10 +6237,7 @@
               </a:bodyPr>
               <a:lstStyle/>
               <a:p>
-                <a:r>
-                  <a:rPr lang="en-SG" sz="2900" dirty="0"/>
-                  <a:t>(BONUS) </a:t>
-                </a:r>
+                <a:pPr algn="ctr"/>
                 <a:r>
                   <a:rPr lang="en-SG" sz="2800" dirty="0"/>
                   <a:t>Potential Energy Surface for </a:t>
@@ -6189,21 +6273,11 @@
                 </a14:m>
                 <a:r>
                   <a:rPr lang="en-SG" sz="2800" dirty="0"/>
-                  <a:t> and </a:t>
+                  <a:t> </a:t>
                 </a:r>
-                <a14:m>
-                  <m:oMath xmlns:m="http://schemas.openxmlformats.org/officeDocument/2006/math">
-                    <m:r>
-                      <a:rPr lang="en-US" sz="2800" i="1">
-                        <a:latin typeface="Cambria Math" panose="02040503050406030204" pitchFamily="18" charset="0"/>
-                      </a:rPr>
-                      <m:t>𝐿𝑖𝐻</m:t>
-                    </m:r>
-                  </m:oMath>
-                </a14:m>
                 <a:r>
                   <a:rPr lang="en-SG" sz="2900" dirty="0"/>
-                  <a:t> with QAMUY using their UCCSD Ansatz</a:t>
+                  <a:t>with QAMUY</a:t>
                 </a:r>
                 <a:endParaRPr lang="en-GB" sz="2900" dirty="0"/>
               </a:p>
@@ -6230,12 +6304,12 @@
             <p:spPr>
               <a:xfrm>
                 <a:off x="178184" y="195207"/>
-                <a:ext cx="11586866" cy="864797"/>
+                <a:ext cx="11926730" cy="864797"/>
               </a:xfrm>
               <a:blipFill>
-                <a:blip r:embed="rId3"/>
+                <a:blip r:embed="rId2"/>
                 <a:stretch>
-                  <a:fillRect l="-1094" t="-13043" b="-21739"/>
+                  <a:fillRect/>
                 </a:stretch>
               </a:blipFill>
             </p:spPr>
@@ -6268,7 +6342,7 @@
         </p:nvGrpSpPr>
         <p:grpSpPr>
           <a:xfrm>
-            <a:off x="1197779" y="1563977"/>
+            <a:off x="3749390" y="1237355"/>
             <a:ext cx="4847058" cy="3590858"/>
             <a:chOff x="4783999" y="2290332"/>
             <a:chExt cx="5257277" cy="3742412"/>
@@ -6289,7 +6363,7 @@
             <p:nvPr/>
           </p:nvPicPr>
           <p:blipFill rotWithShape="1">
-            <a:blip r:embed="rId4">
+            <a:blip r:embed="rId3">
               <a:extLst>
                 <a:ext uri="{28A0092B-C50C-407E-A947-70E740481C1C}">
                   <a14:useLocalDpi xmlns:a14="http://schemas.microsoft.com/office/drawing/2010/main" val="0"/>
@@ -6430,8 +6504,8 @@
             </p:nvSpPr>
             <p:spPr>
               <a:xfrm>
-                <a:off x="2108993" y="1546315"/>
-                <a:ext cx="2500493" cy="307777"/>
+                <a:off x="4798229" y="1105196"/>
+                <a:ext cx="2838982" cy="400110"/>
               </a:xfrm>
               <a:prstGeom prst="rect">
                 <a:avLst/>
@@ -6449,7 +6523,7 @@
                     <m:sSub>
                       <m:sSubPr>
                         <m:ctrlPr>
-                          <a:rPr lang="en-SG" sz="1400" i="1" smtClean="0">
+                          <a:rPr lang="en-SG" sz="2000" i="1" smtClean="0">
                             <a:latin typeface="Cambria Math" panose="02040503050406030204" pitchFamily="18" charset="0"/>
                           </a:rPr>
                         </m:ctrlPr>
@@ -6459,7 +6533,7 @@
                           <m:rPr>
                             <m:nor/>
                           </m:rPr>
-                          <a:rPr lang="en-SG" sz="1400" b="0" i="0" smtClean="0">
+                          <a:rPr lang="en-SG" sz="2000" b="0" i="0" smtClean="0">
                             <a:latin typeface="Cambria Math" panose="02040503050406030204" pitchFamily="18" charset="0"/>
                           </a:rPr>
                           <m:t>He</m:t>
@@ -6467,7 +6541,7 @@
                       </m:e>
                       <m:sub>
                         <m:r>
-                          <a:rPr lang="en-SG" sz="1400" b="0" i="1" smtClean="0">
+                          <a:rPr lang="en-SG" sz="2000" b="0" i="1" smtClean="0">
                             <a:latin typeface="Cambria Math" panose="02040503050406030204" pitchFamily="18" charset="0"/>
                           </a:rPr>
                           <m:t>2</m:t>
@@ -6477,8 +6551,8 @@
                   </m:oMath>
                 </a14:m>
                 <a:r>
-                  <a:rPr lang="en-GB" sz="1400" dirty="0"/>
-                  <a:t> Morse Curve using QAMUY</a:t>
+                  <a:rPr lang="en-GB" sz="2000" dirty="0"/>
+                  <a:t> Morse Curve (6-31G)</a:t>
                 </a:r>
               </a:p>
             </p:txBody>
@@ -6501,16 +6575,16 @@
             </p:nvSpPr>
             <p:spPr>
               <a:xfrm>
-                <a:off x="2108993" y="1546315"/>
-                <a:ext cx="2500493" cy="307777"/>
+                <a:off x="4798229" y="1105196"/>
+                <a:ext cx="2838982" cy="400110"/>
               </a:xfrm>
               <a:prstGeom prst="rect">
                 <a:avLst/>
               </a:prstGeom>
               <a:blipFill>
-                <a:blip r:embed="rId5"/>
+                <a:blip r:embed="rId4"/>
                 <a:stretch>
-                  <a:fillRect t="-4000" b="-24000"/>
+                  <a:fillRect t="-6061" r="-1333" b="-24242"/>
                 </a:stretch>
               </a:blipFill>
             </p:spPr>
@@ -6543,7 +6617,7 @@
         </p:nvSpPr>
         <p:spPr>
           <a:xfrm rot="16200000">
-            <a:off x="-9819" y="3167578"/>
+            <a:off x="2541792" y="2840956"/>
             <a:ext cx="2302008" cy="322735"/>
           </a:xfrm>
           <a:prstGeom prst="rect">
@@ -6565,12 +6639,42 @@
           </a:p>
         </p:txBody>
       </p:sp>
+      <p:pic>
+        <p:nvPicPr>
+          <p:cNvPr id="12" name="Picture 11">
+            <a:extLst>
+              <a:ext uri="{FF2B5EF4-FFF2-40B4-BE49-F238E27FC236}">
+                <a16:creationId xmlns:a16="http://schemas.microsoft.com/office/drawing/2014/main" id="{2A9050BC-7E21-0143-8855-A70CE740B7F9}"/>
+              </a:ext>
+            </a:extLst>
+          </p:cNvPr>
+          <p:cNvPicPr>
+            <a:picLocks noChangeAspect="1"/>
+          </p:cNvPicPr>
+          <p:nvPr/>
+        </p:nvPicPr>
+        <p:blipFill>
+          <a:blip r:embed="rId5"/>
+          <a:stretch>
+            <a:fillRect/>
+          </a:stretch>
+        </p:blipFill>
+        <p:spPr>
+          <a:xfrm>
+            <a:off x="2910099" y="5061528"/>
+            <a:ext cx="1888130" cy="1087775"/>
+          </a:xfrm>
+          <a:prstGeom prst="rect">
+            <a:avLst/>
+          </a:prstGeom>
+        </p:spPr>
+      </p:pic>
       <p:sp>
         <p:nvSpPr>
-          <p:cNvPr id="24" name="TextBox 23">
-            <a:extLst>
-              <a:ext uri="{FF2B5EF4-FFF2-40B4-BE49-F238E27FC236}">
-                <a16:creationId xmlns:a16="http://schemas.microsoft.com/office/drawing/2014/main" id="{1CB63208-860D-4AAC-9DC0-8BD09AE04558}"/>
+          <p:cNvPr id="13" name="TextBox 12">
+            <a:extLst>
+              <a:ext uri="{FF2B5EF4-FFF2-40B4-BE49-F238E27FC236}">
+                <a16:creationId xmlns:a16="http://schemas.microsoft.com/office/drawing/2014/main" id="{93908456-8CCB-0942-AA2F-F56AE10386A8}"/>
               </a:ext>
             </a:extLst>
           </p:cNvPr>
@@ -6578,9 +6682,88 @@
           <p:nvPr/>
         </p:nvSpPr>
         <p:spPr>
-          <a:xfrm rot="16200000">
-            <a:off x="4798582" y="3167579"/>
-            <a:ext cx="2302008" cy="322735"/>
+          <a:xfrm>
+            <a:off x="5493100" y="6112053"/>
+            <a:ext cx="3976711" cy="923330"/>
+          </a:xfrm>
+          <a:prstGeom prst="rect">
+            <a:avLst/>
+          </a:prstGeom>
+          <a:noFill/>
+        </p:spPr>
+        <p:txBody>
+          <a:bodyPr wrap="square" rtlCol="0">
+            <a:spAutoFit/>
+          </a:bodyPr>
+          <a:lstStyle/>
+          <a:p>
+            <a:r>
+              <a:rPr lang="en-GB" dirty="0"/>
+              <a:t>There should be no Helium Bond as the energy depth is too shallow to support it. </a:t>
+            </a:r>
+          </a:p>
+        </p:txBody>
+      </p:sp>
+      <p:cxnSp>
+        <p:nvCxnSpPr>
+          <p:cNvPr id="15" name="Straight Arrow Connector 14">
+            <a:extLst>
+              <a:ext uri="{FF2B5EF4-FFF2-40B4-BE49-F238E27FC236}">
+                <a16:creationId xmlns:a16="http://schemas.microsoft.com/office/drawing/2014/main" id="{4C4288FA-4B2D-FD44-BA14-DC940BD3636B}"/>
+              </a:ext>
+            </a:extLst>
+          </p:cNvPr>
+          <p:cNvCxnSpPr>
+            <a:cxnSpLocks/>
+          </p:cNvCxnSpPr>
+          <p:nvPr/>
+        </p:nvCxnSpPr>
+        <p:spPr>
+          <a:xfrm flipH="1" flipV="1">
+            <a:off x="4112548" y="6020816"/>
+            <a:ext cx="1371362" cy="361802"/>
+          </a:xfrm>
+          <a:prstGeom prst="straightConnector1">
+            <a:avLst/>
+          </a:prstGeom>
+          <a:ln w="38100">
+            <a:solidFill>
+              <a:schemeClr val="tx1"/>
+            </a:solidFill>
+            <a:tailEnd type="triangle"/>
+          </a:ln>
+        </p:spPr>
+        <p:style>
+          <a:lnRef idx="1">
+            <a:schemeClr val="accent1"/>
+          </a:lnRef>
+          <a:fillRef idx="0">
+            <a:schemeClr val="accent1"/>
+          </a:fillRef>
+          <a:effectRef idx="0">
+            <a:schemeClr val="accent1"/>
+          </a:effectRef>
+          <a:fontRef idx="minor">
+            <a:schemeClr val="tx1"/>
+          </a:fontRef>
+        </p:style>
+      </p:cxnSp>
+      <p:sp>
+        <p:nvSpPr>
+          <p:cNvPr id="3" name="TextBox 2">
+            <a:extLst>
+              <a:ext uri="{FF2B5EF4-FFF2-40B4-BE49-F238E27FC236}">
+                <a16:creationId xmlns:a16="http://schemas.microsoft.com/office/drawing/2014/main" id="{A0E4962F-AB74-C746-9106-8EFA31FA41AC}"/>
+              </a:ext>
+            </a:extLst>
+          </p:cNvPr>
+          <p:cNvSpPr txBox="1"/>
+          <p:nvPr/>
+        </p:nvSpPr>
+        <p:spPr>
+          <a:xfrm>
+            <a:off x="5493100" y="2975542"/>
+            <a:ext cx="1882951" cy="369332"/>
           </a:xfrm>
           <a:prstGeom prst="rect">
             <a:avLst/>
@@ -6594,19 +6777,278 @@
           <a:lstStyle/>
           <a:p>
             <a:r>
-              <a:rPr lang="en-SG" sz="1400" dirty="0"/>
-              <a:t>Electronic energy (Hartree)</a:t>
-            </a:r>
-            <a:endParaRPr lang="en-GB" sz="1400" dirty="0"/>
+              <a:rPr lang="en-GB" dirty="0"/>
+              <a:t>Shallow Minimum</a:t>
+            </a:r>
+          </a:p>
+        </p:txBody>
+      </p:sp>
+      <p:cxnSp>
+        <p:nvCxnSpPr>
+          <p:cNvPr id="26" name="Straight Arrow Connector 25">
+            <a:extLst>
+              <a:ext uri="{FF2B5EF4-FFF2-40B4-BE49-F238E27FC236}">
+                <a16:creationId xmlns:a16="http://schemas.microsoft.com/office/drawing/2014/main" id="{F23E088A-7F07-324B-AC8A-E7636ADA9917}"/>
+              </a:ext>
+            </a:extLst>
+          </p:cNvPr>
+          <p:cNvCxnSpPr>
+            <a:cxnSpLocks/>
+          </p:cNvCxnSpPr>
+          <p:nvPr/>
+        </p:nvCxnSpPr>
+        <p:spPr>
+          <a:xfrm flipH="1">
+            <a:off x="5951829" y="3357203"/>
+            <a:ext cx="227717" cy="668608"/>
+          </a:xfrm>
+          <a:prstGeom prst="straightConnector1">
+            <a:avLst/>
+          </a:prstGeom>
+          <a:ln w="38100">
+            <a:solidFill>
+              <a:schemeClr val="tx1"/>
+            </a:solidFill>
+            <a:tailEnd type="triangle"/>
+          </a:ln>
+        </p:spPr>
+        <p:style>
+          <a:lnRef idx="1">
+            <a:schemeClr val="accent1"/>
+          </a:lnRef>
+          <a:fillRef idx="0">
+            <a:schemeClr val="accent1"/>
+          </a:fillRef>
+          <a:effectRef idx="0">
+            <a:schemeClr val="accent1"/>
+          </a:effectRef>
+          <a:fontRef idx="minor">
+            <a:schemeClr val="tx1"/>
+          </a:fontRef>
+        </p:style>
+      </p:cxnSp>
+      <p:cxnSp>
+        <p:nvCxnSpPr>
+          <p:cNvPr id="7" name="Straight Arrow Connector 6">
+            <a:extLst>
+              <a:ext uri="{FF2B5EF4-FFF2-40B4-BE49-F238E27FC236}">
+                <a16:creationId xmlns:a16="http://schemas.microsoft.com/office/drawing/2014/main" id="{C02BC4C0-9C1C-AA4A-99C8-2DA43ED0E11A}"/>
+              </a:ext>
+            </a:extLst>
+          </p:cNvPr>
+          <p:cNvCxnSpPr>
+            <a:cxnSpLocks/>
+          </p:cNvCxnSpPr>
+          <p:nvPr/>
+        </p:nvCxnSpPr>
+        <p:spPr>
+          <a:xfrm>
+            <a:off x="8186058" y="3987866"/>
+            <a:ext cx="0" cy="334619"/>
+          </a:xfrm>
+          <a:prstGeom prst="straightConnector1">
+            <a:avLst/>
+          </a:prstGeom>
+          <a:ln w="12700">
+            <a:solidFill>
+              <a:schemeClr val="tx1"/>
+            </a:solidFill>
+            <a:headEnd type="arrow"/>
+            <a:tailEnd type="arrow"/>
+          </a:ln>
+        </p:spPr>
+        <p:style>
+          <a:lnRef idx="1">
+            <a:schemeClr val="accent1"/>
+          </a:lnRef>
+          <a:fillRef idx="0">
+            <a:schemeClr val="accent1"/>
+          </a:fillRef>
+          <a:effectRef idx="0">
+            <a:schemeClr val="accent1"/>
+          </a:effectRef>
+          <a:fontRef idx="minor">
+            <a:schemeClr val="tx1"/>
+          </a:fontRef>
+        </p:style>
+      </p:cxnSp>
+      <mc:AlternateContent xmlns:mc="http://schemas.openxmlformats.org/markup-compatibility/2006">
+        <mc:Choice xmlns:a14="http://schemas.microsoft.com/office/drawing/2010/main" Requires="a14">
+          <p:sp>
+            <p:nvSpPr>
+              <p:cNvPr id="10" name="TextBox 9">
+                <a:extLst>
+                  <a:ext uri="{FF2B5EF4-FFF2-40B4-BE49-F238E27FC236}">
+                    <a16:creationId xmlns:a16="http://schemas.microsoft.com/office/drawing/2014/main" id="{D51F97C5-757A-EC46-8AE0-6B5AC76EF4A0}"/>
+                  </a:ext>
+                </a:extLst>
+              </p:cNvPr>
+              <p:cNvSpPr txBox="1"/>
+              <p:nvPr/>
+            </p:nvSpPr>
+            <p:spPr>
+              <a:xfrm>
+                <a:off x="8290832" y="4045486"/>
+                <a:ext cx="1847814" cy="276999"/>
+              </a:xfrm>
+              <a:prstGeom prst="rect">
+                <a:avLst/>
+              </a:prstGeom>
+              <a:noFill/>
+            </p:spPr>
+            <p:txBody>
+              <a:bodyPr wrap="none" lIns="0" tIns="0" rIns="0" bIns="0" rtlCol="0">
+                <a:spAutoFit/>
+              </a:bodyPr>
+              <a:lstStyle/>
+              <a:p>
+                <a14:m>
+                  <m:oMath xmlns:m="http://schemas.openxmlformats.org/officeDocument/2006/math">
+                    <m:r>
+                      <a:rPr lang="en-GB" i="1" smtClean="0">
+                        <a:latin typeface="Cambria Math" panose="02040503050406030204" pitchFamily="18" charset="0"/>
+                        <a:ea typeface="Cambria Math" panose="02040503050406030204" pitchFamily="18" charset="0"/>
+                      </a:rPr>
+                      <m:t>∆</m:t>
+                    </m:r>
+                    <m:r>
+                      <a:rPr lang="en-US" b="0" i="1" smtClean="0">
+                        <a:latin typeface="Cambria Math" panose="02040503050406030204" pitchFamily="18" charset="0"/>
+                        <a:ea typeface="Cambria Math" panose="02040503050406030204" pitchFamily="18" charset="0"/>
+                      </a:rPr>
+                      <m:t>𝐸</m:t>
+                    </m:r>
+                    <m:r>
+                      <a:rPr lang="en-US" b="0" i="1" smtClean="0">
+                        <a:latin typeface="Cambria Math" panose="02040503050406030204" pitchFamily="18" charset="0"/>
+                        <a:ea typeface="Cambria Math" panose="02040503050406030204" pitchFamily="18" charset="0"/>
+                      </a:rPr>
+                      <m:t>≈</m:t>
+                    </m:r>
+                    <m:sSup>
+                      <m:sSupPr>
+                        <m:ctrlPr>
+                          <a:rPr lang="en-US" b="0" i="1" smtClean="0">
+                            <a:latin typeface="Cambria Math" panose="02040503050406030204" pitchFamily="18" charset="0"/>
+                            <a:ea typeface="Cambria Math" panose="02040503050406030204" pitchFamily="18" charset="0"/>
+                          </a:rPr>
+                        </m:ctrlPr>
+                      </m:sSupPr>
+                      <m:e>
+                        <m:r>
+                          <a:rPr lang="en-US" b="0" i="1" smtClean="0">
+                            <a:latin typeface="Cambria Math" panose="02040503050406030204" pitchFamily="18" charset="0"/>
+                            <a:ea typeface="Cambria Math" panose="02040503050406030204" pitchFamily="18" charset="0"/>
+                          </a:rPr>
+                          <m:t>10</m:t>
+                        </m:r>
+                      </m:e>
+                      <m:sup>
+                        <m:r>
+                          <a:rPr lang="en-US" b="0" i="1" smtClean="0">
+                            <a:latin typeface="Cambria Math" panose="02040503050406030204" pitchFamily="18" charset="0"/>
+                            <a:ea typeface="Cambria Math" panose="02040503050406030204" pitchFamily="18" charset="0"/>
+                          </a:rPr>
+                          <m:t>−6</m:t>
+                        </m:r>
+                      </m:sup>
+                    </m:sSup>
+                  </m:oMath>
+                </a14:m>
+                <a:r>
+                  <a:rPr lang="en-GB" dirty="0"/>
+                  <a:t> Hartree</a:t>
+                </a:r>
+              </a:p>
+            </p:txBody>
+          </p:sp>
+        </mc:Choice>
+        <mc:Fallback>
+          <p:sp>
+            <p:nvSpPr>
+              <p:cNvPr id="10" name="TextBox 9">
+                <a:extLst>
+                  <a:ext uri="{FF2B5EF4-FFF2-40B4-BE49-F238E27FC236}">
+                    <a16:creationId xmlns:a16="http://schemas.microsoft.com/office/drawing/2014/main" id="{D51F97C5-757A-EC46-8AE0-6B5AC76EF4A0}"/>
+                  </a:ext>
+                </a:extLst>
+              </p:cNvPr>
+              <p:cNvSpPr txBox="1">
+                <a:spLocks noRot="1" noChangeAspect="1" noMove="1" noResize="1" noEditPoints="1" noAdjustHandles="1" noChangeArrowheads="1" noChangeShapeType="1" noTextEdit="1"/>
+              </p:cNvSpPr>
+              <p:nvPr/>
+            </p:nvSpPr>
+            <p:spPr>
+              <a:xfrm>
+                <a:off x="8290832" y="4045486"/>
+                <a:ext cx="1847814" cy="276999"/>
+              </a:xfrm>
+              <a:prstGeom prst="rect">
+                <a:avLst/>
+              </a:prstGeom>
+              <a:blipFill>
+                <a:blip r:embed="rId6"/>
+                <a:stretch>
+                  <a:fillRect l="-4082" t="-26087" r="-6803" b="-47826"/>
+                </a:stretch>
+              </a:blipFill>
+            </p:spPr>
+            <p:txBody>
+              <a:bodyPr/>
+              <a:lstStyle/>
+              <a:p>
+                <a:r>
+                  <a:rPr lang="en-GB">
+                    <a:noFill/>
+                  </a:rPr>
+                  <a:t> </a:t>
+                </a:r>
+              </a:p>
+            </p:txBody>
+          </p:sp>
+        </mc:Fallback>
+      </mc:AlternateContent>
+      <p:sp>
+        <p:nvSpPr>
+          <p:cNvPr id="27" name="TextBox 26">
+            <a:extLst>
+              <a:ext uri="{FF2B5EF4-FFF2-40B4-BE49-F238E27FC236}">
+                <a16:creationId xmlns:a16="http://schemas.microsoft.com/office/drawing/2014/main" id="{9FCC429A-28CA-4E48-905D-A24B149C9C58}"/>
+              </a:ext>
+            </a:extLst>
+          </p:cNvPr>
+          <p:cNvSpPr txBox="1"/>
+          <p:nvPr/>
+        </p:nvSpPr>
+        <p:spPr>
+          <a:xfrm>
+            <a:off x="5019189" y="4925121"/>
+            <a:ext cx="2244717" cy="369332"/>
+          </a:xfrm>
+          <a:prstGeom prst="rect">
+            <a:avLst/>
+          </a:prstGeom>
+          <a:noFill/>
+        </p:spPr>
+        <p:txBody>
+          <a:bodyPr wrap="none" rtlCol="0">
+            <a:spAutoFit/>
+          </a:bodyPr>
+          <a:lstStyle/>
+          <a:p>
+            <a:r>
+              <a:rPr lang="en-GB" dirty="0"/>
+              <a:t>Total Runtime: ~5 min</a:t>
+            </a:r>
           </a:p>
         </p:txBody>
       </p:sp>
       <p:sp>
         <p:nvSpPr>
-          <p:cNvPr id="25" name="TextBox 24">
-            <a:extLst>
-              <a:ext uri="{FF2B5EF4-FFF2-40B4-BE49-F238E27FC236}">
-                <a16:creationId xmlns:a16="http://schemas.microsoft.com/office/drawing/2014/main" id="{3D5A598F-1242-45BA-8125-B41042198546}"/>
+          <p:cNvPr id="28" name="TextBox 27">
+            <a:extLst>
+              <a:ext uri="{FF2B5EF4-FFF2-40B4-BE49-F238E27FC236}">
+                <a16:creationId xmlns:a16="http://schemas.microsoft.com/office/drawing/2014/main" id="{87B9D03B-FDB0-7B46-80F9-07F21DEAA201}"/>
               </a:ext>
             </a:extLst>
           </p:cNvPr>
@@ -6615,13 +7057,415 @@
         </p:nvSpPr>
         <p:spPr>
           <a:xfrm>
-            <a:off x="2889854" y="5449871"/>
-            <a:ext cx="6420697" cy="923330"/>
+            <a:off x="8189349" y="1675770"/>
+            <a:ext cx="2651840" cy="1384995"/>
           </a:xfrm>
           <a:prstGeom prst="rect">
             <a:avLst/>
           </a:prstGeom>
           <a:noFill/>
+        </p:spPr>
+        <p:txBody>
+          <a:bodyPr wrap="square" rtlCol="0">
+            <a:spAutoFit/>
+          </a:bodyPr>
+          <a:lstStyle/>
+          <a:p>
+            <a:r>
+              <a:rPr lang="en-GB" sz="2800" dirty="0"/>
+              <a:t>QAMUY</a:t>
+            </a:r>
+          </a:p>
+          <a:p>
+            <a:r>
+              <a:rPr lang="en-GB" sz="2800" dirty="0"/>
+              <a:t>with their UCCSD Ansatz</a:t>
+            </a:r>
+          </a:p>
+        </p:txBody>
+      </p:sp>
+      <mc:AlternateContent xmlns:mc="http://schemas.openxmlformats.org/markup-compatibility/2006">
+        <mc:Choice xmlns:a14="http://schemas.microsoft.com/office/drawing/2010/main" Requires="a14">
+          <p:sp>
+            <p:nvSpPr>
+              <p:cNvPr id="29" name="TextBox 28">
+                <a:extLst>
+                  <a:ext uri="{FF2B5EF4-FFF2-40B4-BE49-F238E27FC236}">
+                    <a16:creationId xmlns:a16="http://schemas.microsoft.com/office/drawing/2014/main" id="{5215091B-87CD-8546-ADC6-4B77D81C34BF}"/>
+                  </a:ext>
+                </a:extLst>
+              </p:cNvPr>
+              <p:cNvSpPr txBox="1"/>
+              <p:nvPr/>
+            </p:nvSpPr>
+            <p:spPr>
+              <a:xfrm>
+                <a:off x="2646545" y="6112053"/>
+                <a:ext cx="2415238" cy="707886"/>
+              </a:xfrm>
+              <a:prstGeom prst="rect">
+                <a:avLst/>
+              </a:prstGeom>
+              <a:noFill/>
+            </p:spPr>
+            <p:txBody>
+              <a:bodyPr wrap="square">
+                <a:spAutoFit/>
+              </a:bodyPr>
+              <a:lstStyle/>
+              <a:p>
+                <a:pPr algn="ctr"/>
+                <a:r>
+                  <a:rPr lang="en-SG" sz="2000" dirty="0"/>
+                  <a:t>Distance: </a:t>
+                </a:r>
+                <a:endParaRPr lang="en-US" sz="2000" dirty="0">
+                  <a:latin typeface="Cambria Math" panose="02040503050406030204" pitchFamily="18" charset="0"/>
+                </a:endParaRPr>
+              </a:p>
+              <a:p>
+                <a:pPr algn="ctr"/>
+                <a14:m>
+                  <m:oMath xmlns:m="http://schemas.openxmlformats.org/officeDocument/2006/math">
+                    <m:r>
+                      <m:rPr>
+                        <m:sty m:val="p"/>
+                      </m:rPr>
+                      <a:rPr lang="en-SG" sz="2000" b="0" i="0" smtClean="0">
+                        <a:latin typeface="Cambria Math" panose="02040503050406030204" pitchFamily="18" charset="0"/>
+                      </a:rPr>
+                      <m:t>r</m:t>
+                    </m:r>
+                    <m:r>
+                      <a:rPr lang="en-SG" sz="2000" b="0" i="0" smtClean="0">
+                        <a:latin typeface="Cambria Math" panose="02040503050406030204" pitchFamily="18" charset="0"/>
+                      </a:rPr>
+                      <m:t>=</m:t>
+                    </m:r>
+                    <m:r>
+                      <a:rPr lang="en-US" sz="2000" b="0" i="1" smtClean="0">
+                        <a:latin typeface="Cambria Math" panose="02040503050406030204" pitchFamily="18" charset="0"/>
+                      </a:rPr>
+                      <m:t>5</m:t>
+                    </m:r>
+                    <m:r>
+                      <a:rPr lang="en-SG" sz="2000" b="0" i="1" smtClean="0">
+                        <a:latin typeface="Cambria Math" panose="02040503050406030204" pitchFamily="18" charset="0"/>
+                      </a:rPr>
+                      <m:t>.</m:t>
+                    </m:r>
+                    <m:r>
+                      <a:rPr lang="en-US" sz="2000" b="0" i="1" smtClean="0">
+                        <a:latin typeface="Cambria Math" panose="02040503050406030204" pitchFamily="18" charset="0"/>
+                      </a:rPr>
+                      <m:t>4</m:t>
+                    </m:r>
+                  </m:oMath>
+                </a14:m>
+                <a:r>
+                  <a:rPr lang="en-SG" sz="2000" dirty="0"/>
+                  <a:t> to </a:t>
+                </a:r>
+                <a14:m>
+                  <m:oMath xmlns:m="http://schemas.openxmlformats.org/officeDocument/2006/math">
+                    <m:r>
+                      <a:rPr lang="en-US" sz="2000" b="0" i="1" smtClean="0">
+                        <a:latin typeface="Cambria Math" panose="02040503050406030204" pitchFamily="18" charset="0"/>
+                      </a:rPr>
+                      <m:t>6.8</m:t>
+                    </m:r>
+                  </m:oMath>
+                </a14:m>
+                <a:r>
+                  <a:rPr lang="en-SG" sz="2000" dirty="0"/>
+                  <a:t> Bohr</a:t>
+                </a:r>
+                <a:endParaRPr lang="en-GB" sz="2000" dirty="0"/>
+              </a:p>
+            </p:txBody>
+          </p:sp>
+        </mc:Choice>
+        <mc:Fallback>
+          <p:sp>
+            <p:nvSpPr>
+              <p:cNvPr id="29" name="TextBox 28">
+                <a:extLst>
+                  <a:ext uri="{FF2B5EF4-FFF2-40B4-BE49-F238E27FC236}">
+                    <a16:creationId xmlns:a16="http://schemas.microsoft.com/office/drawing/2014/main" id="{5215091B-87CD-8546-ADC6-4B77D81C34BF}"/>
+                  </a:ext>
+                </a:extLst>
+              </p:cNvPr>
+              <p:cNvSpPr txBox="1">
+                <a:spLocks noRot="1" noChangeAspect="1" noMove="1" noResize="1" noEditPoints="1" noAdjustHandles="1" noChangeArrowheads="1" noChangeShapeType="1" noTextEdit="1"/>
+              </p:cNvSpPr>
+              <p:nvPr/>
+            </p:nvSpPr>
+            <p:spPr>
+              <a:xfrm>
+                <a:off x="2646545" y="6112053"/>
+                <a:ext cx="2415238" cy="707886"/>
+              </a:xfrm>
+              <a:prstGeom prst="rect">
+                <a:avLst/>
+              </a:prstGeom>
+              <a:blipFill>
+                <a:blip r:embed="rId7"/>
+                <a:stretch>
+                  <a:fillRect t="-5263" b="-14035"/>
+                </a:stretch>
+              </a:blipFill>
+            </p:spPr>
+            <p:txBody>
+              <a:bodyPr/>
+              <a:lstStyle/>
+              <a:p>
+                <a:r>
+                  <a:rPr lang="en-GB">
+                    <a:noFill/>
+                  </a:rPr>
+                  <a:t> </a:t>
+                </a:r>
+              </a:p>
+            </p:txBody>
+          </p:sp>
+        </mc:Fallback>
+      </mc:AlternateContent>
+    </p:spTree>
+    <p:extLst>
+      <p:ext uri="{BB962C8B-B14F-4D97-AF65-F5344CB8AC3E}">
+        <p14:creationId xmlns:p14="http://schemas.microsoft.com/office/powerpoint/2010/main" val="1034787331"/>
+      </p:ext>
+    </p:extLst>
+  </p:cSld>
+  <p:clrMapOvr>
+    <a:masterClrMapping/>
+  </p:clrMapOvr>
+</p:sld>
+</file>
+
+<file path=ppt/slides/slide15.xml><?xml version="1.0" encoding="utf-8"?>
+<p:sld xmlns:a="http://schemas.openxmlformats.org/drawingml/2006/main" xmlns:r="http://schemas.openxmlformats.org/officeDocument/2006/relationships" xmlns:p="http://schemas.openxmlformats.org/presentationml/2006/main">
+  <p:cSld>
+    <p:spTree>
+      <p:nvGrpSpPr>
+        <p:cNvPr id="1" name=""/>
+        <p:cNvGrpSpPr/>
+        <p:nvPr/>
+      </p:nvGrpSpPr>
+      <p:grpSpPr>
+        <a:xfrm>
+          <a:off x="0" y="0"/>
+          <a:ext cx="0" cy="0"/>
+          <a:chOff x="0" y="0"/>
+          <a:chExt cx="0" cy="0"/>
+        </a:xfrm>
+      </p:grpSpPr>
+      <p:pic>
+        <p:nvPicPr>
+          <p:cNvPr id="4" name="Picture 3">
+            <a:extLst>
+              <a:ext uri="{FF2B5EF4-FFF2-40B4-BE49-F238E27FC236}">
+                <a16:creationId xmlns:a16="http://schemas.microsoft.com/office/drawing/2014/main" id="{7B9D5B3C-D0C9-461B-82BC-48DDB86D0AAC}"/>
+              </a:ext>
+            </a:extLst>
+          </p:cNvPr>
+          <p:cNvPicPr>
+            <a:picLocks noChangeAspect="1"/>
+          </p:cNvPicPr>
+          <p:nvPr/>
+        </p:nvPicPr>
+        <p:blipFill>
+          <a:blip r:embed="rId2"/>
+          <a:stretch>
+            <a:fillRect/>
+          </a:stretch>
+        </p:blipFill>
+        <p:spPr>
+          <a:xfrm>
+            <a:off x="574976" y="1067440"/>
+            <a:ext cx="4827699" cy="3441153"/>
+          </a:xfrm>
+          <a:prstGeom prst="rect">
+            <a:avLst/>
+          </a:prstGeom>
+        </p:spPr>
+      </p:pic>
+      <p:sp>
+        <p:nvSpPr>
+          <p:cNvPr id="5" name="TextBox 4">
+            <a:extLst>
+              <a:ext uri="{FF2B5EF4-FFF2-40B4-BE49-F238E27FC236}">
+                <a16:creationId xmlns:a16="http://schemas.microsoft.com/office/drawing/2014/main" id="{A45E554D-386A-1B46-8CB8-009386B9696D}"/>
+              </a:ext>
+            </a:extLst>
+          </p:cNvPr>
+          <p:cNvSpPr txBox="1"/>
+          <p:nvPr/>
+        </p:nvSpPr>
+        <p:spPr>
+          <a:xfrm>
+            <a:off x="2236925" y="2083928"/>
+            <a:ext cx="2623993" cy="954107"/>
+          </a:xfrm>
+          <a:prstGeom prst="rect">
+            <a:avLst/>
+          </a:prstGeom>
+          <a:noFill/>
+        </p:spPr>
+        <p:txBody>
+          <a:bodyPr wrap="square" rtlCol="0">
+            <a:spAutoFit/>
+          </a:bodyPr>
+          <a:lstStyle/>
+          <a:p>
+            <a:r>
+              <a:rPr lang="en-GB" sz="2800" dirty="0" err="1"/>
+              <a:t>PennyLane</a:t>
+            </a:r>
+            <a:r>
+              <a:rPr lang="en-GB" sz="2800" dirty="0"/>
+              <a:t> with Our Ansatz</a:t>
+            </a:r>
+          </a:p>
+        </p:txBody>
+      </p:sp>
+      <mc:AlternateContent xmlns:mc="http://schemas.openxmlformats.org/markup-compatibility/2006" xmlns:a14="http://schemas.microsoft.com/office/drawing/2010/main">
+        <mc:Choice Requires="a14">
+          <p:sp>
+            <p:nvSpPr>
+              <p:cNvPr id="8" name="Title 1">
+                <a:extLst>
+                  <a:ext uri="{FF2B5EF4-FFF2-40B4-BE49-F238E27FC236}">
+                    <a16:creationId xmlns:a16="http://schemas.microsoft.com/office/drawing/2014/main" id="{AE5B583B-7A03-0E48-B474-16B205F5CFF1}"/>
+                  </a:ext>
+                </a:extLst>
+              </p:cNvPr>
+              <p:cNvSpPr txBox="1">
+                <a:spLocks/>
+              </p:cNvSpPr>
+              <p:nvPr/>
+            </p:nvSpPr>
+            <p:spPr>
+              <a:xfrm>
+                <a:off x="173959" y="282058"/>
+                <a:ext cx="11051390" cy="442743"/>
+              </a:xfrm>
+              <a:prstGeom prst="rect">
+                <a:avLst/>
+              </a:prstGeom>
+            </p:spPr>
+            <p:txBody>
+              <a:bodyPr vert="horz" lIns="91440" tIns="45720" rIns="91440" bIns="45720" rtlCol="0" anchor="ctr">
+                <a:noAutofit/>
+              </a:bodyPr>
+              <a:lstStyle>
+                <a:lvl1pPr algn="l" defTabSz="914400" rtl="0" eaLnBrk="1" latinLnBrk="0" hangingPunct="1">
+                  <a:lnSpc>
+                    <a:spcPct val="90000"/>
+                  </a:lnSpc>
+                  <a:spcBef>
+                    <a:spcPct val="0"/>
+                  </a:spcBef>
+                  <a:buNone/>
+                  <a:defRPr sz="4400" kern="1200">
+                    <a:solidFill>
+                      <a:schemeClr val="tx1"/>
+                    </a:solidFill>
+                    <a:latin typeface="+mj-lt"/>
+                    <a:ea typeface="+mj-ea"/>
+                    <a:cs typeface="+mj-cs"/>
+                  </a:defRPr>
+                </a:lvl1pPr>
+              </a:lstStyle>
+              <a:p>
+                <a:r>
+                  <a:rPr lang="en-SG" sz="3200" dirty="0"/>
+                  <a:t>Potential Energy Surface for </a:t>
+                </a:r>
+                <a14:m>
+                  <m:oMath xmlns:m="http://schemas.openxmlformats.org/officeDocument/2006/math">
+                    <m:r>
+                      <a:rPr lang="en-US" sz="3200" b="0" i="1" smtClean="0">
+                        <a:latin typeface="Cambria Math" panose="02040503050406030204" pitchFamily="18" charset="0"/>
+                      </a:rPr>
+                      <m:t>𝐿𝑖𝐻</m:t>
+                    </m:r>
+                  </m:oMath>
+                </a14:m>
+                <a:r>
+                  <a:rPr lang="en-SG" sz="3200" dirty="0"/>
+                  <a:t> using Exact Quantum simulator</a:t>
+                </a:r>
+                <a:endParaRPr lang="en-GB" sz="3200" dirty="0"/>
+              </a:p>
+            </p:txBody>
+          </p:sp>
+        </mc:Choice>
+        <mc:Fallback xmlns="">
+          <p:sp>
+            <p:nvSpPr>
+              <p:cNvPr id="8" name="Title 1">
+                <a:extLst>
+                  <a:ext uri="{FF2B5EF4-FFF2-40B4-BE49-F238E27FC236}">
+                    <a16:creationId xmlns:a16="http://schemas.microsoft.com/office/drawing/2014/main" id="{AE5B583B-7A03-0E48-B474-16B205F5CFF1}"/>
+                  </a:ext>
+                </a:extLst>
+              </p:cNvPr>
+              <p:cNvSpPr txBox="1">
+                <a:spLocks noRot="1" noChangeAspect="1" noMove="1" noResize="1" noEditPoints="1" noAdjustHandles="1" noChangeArrowheads="1" noChangeShapeType="1" noTextEdit="1"/>
+              </p:cNvSpPr>
+              <p:nvPr/>
+            </p:nvSpPr>
+            <p:spPr>
+              <a:xfrm>
+                <a:off x="173959" y="282058"/>
+                <a:ext cx="11051390" cy="442743"/>
+              </a:xfrm>
+              <a:prstGeom prst="rect">
+                <a:avLst/>
+              </a:prstGeom>
+              <a:blipFill>
+                <a:blip r:embed="rId3"/>
+                <a:stretch>
+                  <a:fillRect l="-1378" t="-38889" b="-50000"/>
+                </a:stretch>
+              </a:blipFill>
+            </p:spPr>
+            <p:txBody>
+              <a:bodyPr/>
+              <a:lstStyle/>
+              <a:p>
+                <a:r>
+                  <a:rPr lang="en-GB">
+                    <a:noFill/>
+                  </a:rPr>
+                  <a:t> </a:t>
+                </a:r>
+              </a:p>
+            </p:txBody>
+          </p:sp>
+        </mc:Fallback>
+      </mc:AlternateContent>
+      <p:sp>
+        <p:nvSpPr>
+          <p:cNvPr id="2" name="Rectangle 1">
+            <a:extLst>
+              <a:ext uri="{FF2B5EF4-FFF2-40B4-BE49-F238E27FC236}">
+                <a16:creationId xmlns:a16="http://schemas.microsoft.com/office/drawing/2014/main" id="{9511255E-8892-DA42-85D5-EB97AA020D3F}"/>
+              </a:ext>
+            </a:extLst>
+          </p:cNvPr>
+          <p:cNvSpPr/>
+          <p:nvPr/>
+        </p:nvSpPr>
+        <p:spPr>
+          <a:xfrm>
+            <a:off x="114747" y="4866413"/>
+            <a:ext cx="4746171" cy="2031325"/>
+          </a:xfrm>
+          <a:prstGeom prst="rect">
+            <a:avLst/>
+          </a:prstGeom>
         </p:spPr>
         <p:txBody>
           <a:bodyPr wrap="square">
@@ -6629,10 +7473,559 @@
           </a:bodyPr>
           <a:lstStyle/>
           <a:p>
-            <a:pPr algn="ctr"/>
             <a:r>
               <a:rPr lang="en-SG" dirty="0"/>
-              <a:t>PES curves for Helium Dimer and Lithium Hydride obtained using the optimizers provided with QAMUY compared with their reference values</a:t>
+              <a:t>No. of Electrons: 4 </a:t>
+            </a:r>
+          </a:p>
+          <a:p>
+            <a:r>
+              <a:rPr lang="en-SG" dirty="0"/>
+              <a:t>No. of Qubits: 12 </a:t>
+            </a:r>
+          </a:p>
+          <a:p>
+            <a:r>
+              <a:rPr lang="en-SG" dirty="0"/>
+              <a:t>No. of Pauli Strings (to measure): 631 </a:t>
+            </a:r>
+          </a:p>
+          <a:p>
+            <a:r>
+              <a:rPr lang="en-SG" dirty="0"/>
+              <a:t>No. of Single Excitations Rotations Gate : 32 </a:t>
+            </a:r>
+          </a:p>
+          <a:p>
+            <a:r>
+              <a:rPr lang="en-SG" dirty="0"/>
+              <a:t>No. of Double Excitations Rotations Gate: 168 </a:t>
+            </a:r>
+          </a:p>
+          <a:p>
+            <a:r>
+              <a:rPr lang="en-SG" dirty="0"/>
+              <a:t>Total No. of Excitations Rotation Parameter: 200</a:t>
+            </a:r>
+          </a:p>
+          <a:p>
+            <a:r>
+              <a:rPr lang="en-SG" dirty="0"/>
+              <a:t>Hartree-</a:t>
+            </a:r>
+            <a:r>
+              <a:rPr lang="en-SG" dirty="0" err="1"/>
+              <a:t>Fock</a:t>
+            </a:r>
+            <a:r>
+              <a:rPr lang="en-SG" dirty="0"/>
+              <a:t> State: |1 1 1 1 0 0 0 0 0 0 0 0&gt;</a:t>
+            </a:r>
+            <a:endParaRPr lang="en-GB" dirty="0"/>
+          </a:p>
+        </p:txBody>
+      </p:sp>
+      <p:pic>
+        <p:nvPicPr>
+          <p:cNvPr id="6" name="Picture 5">
+            <a:extLst>
+              <a:ext uri="{FF2B5EF4-FFF2-40B4-BE49-F238E27FC236}">
+                <a16:creationId xmlns:a16="http://schemas.microsoft.com/office/drawing/2014/main" id="{03F25174-5165-4845-A279-2BA0CA4286A6}"/>
+              </a:ext>
+            </a:extLst>
+          </p:cNvPr>
+          <p:cNvPicPr>
+            <a:picLocks noChangeAspect="1"/>
+          </p:cNvPicPr>
+          <p:nvPr/>
+        </p:nvPicPr>
+        <p:blipFill>
+          <a:blip r:embed="rId4">
+            <a:clrChange>
+              <a:clrFrom>
+                <a:srgbClr val="FFFFFF"/>
+              </a:clrFrom>
+              <a:clrTo>
+                <a:srgbClr val="FFFFFF">
+                  <a:alpha val="0"/>
+                </a:srgbClr>
+              </a:clrTo>
+            </a:clrChange>
+          </a:blip>
+          <a:stretch>
+            <a:fillRect/>
+          </a:stretch>
+        </p:blipFill>
+        <p:spPr>
+          <a:xfrm>
+            <a:off x="4804361" y="5130973"/>
+            <a:ext cx="2034601" cy="1613203"/>
+          </a:xfrm>
+          <a:prstGeom prst="rect">
+            <a:avLst/>
+          </a:prstGeom>
+        </p:spPr>
+      </p:pic>
+      <p:pic>
+        <p:nvPicPr>
+          <p:cNvPr id="9" name="Picture 8">
+            <a:extLst>
+              <a:ext uri="{FF2B5EF4-FFF2-40B4-BE49-F238E27FC236}">
+                <a16:creationId xmlns:a16="http://schemas.microsoft.com/office/drawing/2014/main" id="{801D823A-7EB1-864F-96CC-7DE6B3934560}"/>
+              </a:ext>
+            </a:extLst>
+          </p:cNvPr>
+          <p:cNvPicPr>
+            <a:picLocks noChangeAspect="1"/>
+          </p:cNvPicPr>
+          <p:nvPr/>
+        </p:nvPicPr>
+        <p:blipFill rotWithShape="1">
+          <a:blip r:embed="rId5"/>
+          <a:srcRect l="3435"/>
+          <a:stretch/>
+        </p:blipFill>
+        <p:spPr>
+          <a:xfrm>
+            <a:off x="6164891" y="1142923"/>
+            <a:ext cx="4647033" cy="3451670"/>
+          </a:xfrm>
+          <a:prstGeom prst="rect">
+            <a:avLst/>
+          </a:prstGeom>
+        </p:spPr>
+      </p:pic>
+      <p:sp>
+        <p:nvSpPr>
+          <p:cNvPr id="10" name="TextBox 9">
+            <a:extLst>
+              <a:ext uri="{FF2B5EF4-FFF2-40B4-BE49-F238E27FC236}">
+                <a16:creationId xmlns:a16="http://schemas.microsoft.com/office/drawing/2014/main" id="{F4E1E977-34CF-394F-8CB4-5DABA2CA0FB7}"/>
+              </a:ext>
+            </a:extLst>
+          </p:cNvPr>
+          <p:cNvSpPr txBox="1"/>
+          <p:nvPr/>
+        </p:nvSpPr>
+        <p:spPr>
+          <a:xfrm>
+            <a:off x="7496337" y="1653040"/>
+            <a:ext cx="2651840" cy="1384995"/>
+          </a:xfrm>
+          <a:prstGeom prst="rect">
+            <a:avLst/>
+          </a:prstGeom>
+          <a:noFill/>
+        </p:spPr>
+        <p:txBody>
+          <a:bodyPr wrap="square" rtlCol="0">
+            <a:spAutoFit/>
+          </a:bodyPr>
+          <a:lstStyle/>
+          <a:p>
+            <a:r>
+              <a:rPr lang="en-GB" sz="2800" dirty="0"/>
+              <a:t>QAMUY</a:t>
+            </a:r>
+          </a:p>
+          <a:p>
+            <a:r>
+              <a:rPr lang="en-GB" sz="2800" dirty="0"/>
+              <a:t>with their UCCSD Ansatz</a:t>
+            </a:r>
+          </a:p>
+        </p:txBody>
+      </p:sp>
+      <p:sp>
+        <p:nvSpPr>
+          <p:cNvPr id="3" name="TextBox 2">
+            <a:extLst>
+              <a:ext uri="{FF2B5EF4-FFF2-40B4-BE49-F238E27FC236}">
+                <a16:creationId xmlns:a16="http://schemas.microsoft.com/office/drawing/2014/main" id="{A7069FC2-8129-6C4D-9DE3-76448FE04889}"/>
+              </a:ext>
+            </a:extLst>
+          </p:cNvPr>
+          <p:cNvSpPr txBox="1"/>
+          <p:nvPr/>
+        </p:nvSpPr>
+        <p:spPr>
+          <a:xfrm>
+            <a:off x="2487832" y="4484642"/>
+            <a:ext cx="2865208" cy="646331"/>
+          </a:xfrm>
+          <a:prstGeom prst="rect">
+            <a:avLst/>
+          </a:prstGeom>
+          <a:noFill/>
+        </p:spPr>
+        <p:txBody>
+          <a:bodyPr wrap="none" rtlCol="0">
+            <a:spAutoFit/>
+          </a:bodyPr>
+          <a:lstStyle/>
+          <a:p>
+            <a:r>
+              <a:rPr lang="en-GB" dirty="0"/>
+              <a:t>Max Optimiser Iterations: 20</a:t>
+            </a:r>
+          </a:p>
+          <a:p>
+            <a:r>
+              <a:rPr lang="en-GB" dirty="0"/>
+              <a:t>Total Runtime: ~5 Hours</a:t>
+            </a:r>
+          </a:p>
+        </p:txBody>
+      </p:sp>
+      <p:sp>
+        <p:nvSpPr>
+          <p:cNvPr id="11" name="TextBox 10">
+            <a:extLst>
+              <a:ext uri="{FF2B5EF4-FFF2-40B4-BE49-F238E27FC236}">
+                <a16:creationId xmlns:a16="http://schemas.microsoft.com/office/drawing/2014/main" id="{FCC4C8B1-33C9-884E-8FC4-6F2E5A5DE418}"/>
+              </a:ext>
+            </a:extLst>
+          </p:cNvPr>
+          <p:cNvSpPr txBox="1"/>
+          <p:nvPr/>
+        </p:nvSpPr>
+        <p:spPr>
+          <a:xfrm>
+            <a:off x="7496337" y="4699615"/>
+            <a:ext cx="2439514" cy="369332"/>
+          </a:xfrm>
+          <a:prstGeom prst="rect">
+            <a:avLst/>
+          </a:prstGeom>
+          <a:noFill/>
+        </p:spPr>
+        <p:txBody>
+          <a:bodyPr wrap="none" rtlCol="0">
+            <a:spAutoFit/>
+          </a:bodyPr>
+          <a:lstStyle/>
+          <a:p>
+            <a:r>
+              <a:rPr lang="en-GB" dirty="0"/>
+              <a:t>Total Runtime: ~2 Hours</a:t>
+            </a:r>
+          </a:p>
+        </p:txBody>
+      </p:sp>
+      <mc:AlternateContent xmlns:mc="http://schemas.openxmlformats.org/markup-compatibility/2006">
+        <mc:Choice xmlns:a14="http://schemas.microsoft.com/office/drawing/2010/main" Requires="a14">
+          <p:sp>
+            <p:nvSpPr>
+              <p:cNvPr id="12" name="TextBox 11">
+                <a:extLst>
+                  <a:ext uri="{FF2B5EF4-FFF2-40B4-BE49-F238E27FC236}">
+                    <a16:creationId xmlns:a16="http://schemas.microsoft.com/office/drawing/2014/main" id="{8E68B7CC-C3F3-5A44-8C86-1396ADDEFF1F}"/>
+                  </a:ext>
+                </a:extLst>
+              </p:cNvPr>
+              <p:cNvSpPr txBox="1"/>
+              <p:nvPr/>
+            </p:nvSpPr>
+            <p:spPr>
+              <a:xfrm>
+                <a:off x="6090200" y="5872327"/>
+                <a:ext cx="2173594" cy="646331"/>
+              </a:xfrm>
+              <a:prstGeom prst="rect">
+                <a:avLst/>
+              </a:prstGeom>
+              <a:noFill/>
+            </p:spPr>
+            <p:txBody>
+              <a:bodyPr wrap="square">
+                <a:spAutoFit/>
+              </a:bodyPr>
+              <a:lstStyle/>
+              <a:p>
+                <a:pPr algn="ctr"/>
+                <a:r>
+                  <a:rPr lang="en-SG" dirty="0"/>
+                  <a:t>Bond lengths: </a:t>
+                </a:r>
+                <a:endParaRPr lang="en-US" b="0" i="0" dirty="0">
+                  <a:latin typeface="Cambria Math" panose="02040503050406030204" pitchFamily="18" charset="0"/>
+                </a:endParaRPr>
+              </a:p>
+              <a:p>
+                <a:pPr algn="ctr"/>
+                <a14:m>
+                  <m:oMath xmlns:m="http://schemas.openxmlformats.org/officeDocument/2006/math">
+                    <m:r>
+                      <m:rPr>
+                        <m:sty m:val="p"/>
+                      </m:rPr>
+                      <a:rPr lang="en-SG" b="0" i="0" smtClean="0">
+                        <a:latin typeface="Cambria Math" panose="02040503050406030204" pitchFamily="18" charset="0"/>
+                      </a:rPr>
+                      <m:t>r</m:t>
+                    </m:r>
+                    <m:r>
+                      <a:rPr lang="en-SG" b="0" i="0" smtClean="0">
+                        <a:latin typeface="Cambria Math" panose="02040503050406030204" pitchFamily="18" charset="0"/>
+                      </a:rPr>
+                      <m:t>=</m:t>
+                    </m:r>
+                    <m:r>
+                      <a:rPr lang="en-US" b="0" i="1" smtClean="0">
+                        <a:latin typeface="Cambria Math" panose="02040503050406030204" pitchFamily="18" charset="0"/>
+                      </a:rPr>
+                      <m:t>2.1</m:t>
+                    </m:r>
+                  </m:oMath>
+                </a14:m>
+                <a:r>
+                  <a:rPr lang="en-SG" dirty="0"/>
+                  <a:t> to </a:t>
+                </a:r>
+                <a14:m>
+                  <m:oMath xmlns:m="http://schemas.openxmlformats.org/officeDocument/2006/math">
+                    <m:r>
+                      <a:rPr lang="en-US" b="0" i="1" smtClean="0">
+                        <a:latin typeface="Cambria Math" panose="02040503050406030204" pitchFamily="18" charset="0"/>
+                      </a:rPr>
+                      <m:t>3.9</m:t>
+                    </m:r>
+                  </m:oMath>
+                </a14:m>
+                <a:r>
+                  <a:rPr lang="en-SG" dirty="0"/>
+                  <a:t> Bohr</a:t>
+                </a:r>
+                <a:endParaRPr lang="en-GB" dirty="0"/>
+              </a:p>
+            </p:txBody>
+          </p:sp>
+        </mc:Choice>
+        <mc:Fallback>
+          <p:sp>
+            <p:nvSpPr>
+              <p:cNvPr id="12" name="TextBox 11">
+                <a:extLst>
+                  <a:ext uri="{FF2B5EF4-FFF2-40B4-BE49-F238E27FC236}">
+                    <a16:creationId xmlns:a16="http://schemas.microsoft.com/office/drawing/2014/main" id="{8E68B7CC-C3F3-5A44-8C86-1396ADDEFF1F}"/>
+                  </a:ext>
+                </a:extLst>
+              </p:cNvPr>
+              <p:cNvSpPr txBox="1">
+                <a:spLocks noRot="1" noChangeAspect="1" noMove="1" noResize="1" noEditPoints="1" noAdjustHandles="1" noChangeArrowheads="1" noChangeShapeType="1" noTextEdit="1"/>
+              </p:cNvSpPr>
+              <p:nvPr/>
+            </p:nvSpPr>
+            <p:spPr>
+              <a:xfrm>
+                <a:off x="6090200" y="5872327"/>
+                <a:ext cx="2173594" cy="646331"/>
+              </a:xfrm>
+              <a:prstGeom prst="rect">
+                <a:avLst/>
+              </a:prstGeom>
+              <a:blipFill>
+                <a:blip r:embed="rId6"/>
+                <a:stretch>
+                  <a:fillRect t="-3846" b="-15385"/>
+                </a:stretch>
+              </a:blipFill>
+            </p:spPr>
+            <p:txBody>
+              <a:bodyPr/>
+              <a:lstStyle/>
+              <a:p>
+                <a:r>
+                  <a:rPr lang="en-GB">
+                    <a:noFill/>
+                  </a:rPr>
+                  <a:t> </a:t>
+                </a:r>
+              </a:p>
+            </p:txBody>
+          </p:sp>
+        </mc:Fallback>
+      </mc:AlternateContent>
+    </p:spTree>
+    <p:extLst>
+      <p:ext uri="{BB962C8B-B14F-4D97-AF65-F5344CB8AC3E}">
+        <p14:creationId xmlns:p14="http://schemas.microsoft.com/office/powerpoint/2010/main" val="950458762"/>
+      </p:ext>
+    </p:extLst>
+  </p:cSld>
+  <p:clrMapOvr>
+    <a:masterClrMapping/>
+  </p:clrMapOvr>
+</p:sld>
+</file>
+
+<file path=ppt/slides/slide16.xml><?xml version="1.0" encoding="utf-8"?>
+<p:sld xmlns:a="http://schemas.openxmlformats.org/drawingml/2006/main" xmlns:r="http://schemas.openxmlformats.org/officeDocument/2006/relationships" xmlns:p="http://schemas.openxmlformats.org/presentationml/2006/main">
+  <p:cSld>
+    <p:spTree>
+      <p:nvGrpSpPr>
+        <p:cNvPr id="1" name=""/>
+        <p:cNvGrpSpPr/>
+        <p:nvPr/>
+      </p:nvGrpSpPr>
+      <p:grpSpPr>
+        <a:xfrm>
+          <a:off x="0" y="0"/>
+          <a:ext cx="0" cy="0"/>
+          <a:chOff x="0" y="0"/>
+          <a:chExt cx="0" cy="0"/>
+        </a:xfrm>
+      </p:grpSpPr>
+      <p:sp>
+        <p:nvSpPr>
+          <p:cNvPr id="2" name="Title 1">
+            <a:extLst>
+              <a:ext uri="{FF2B5EF4-FFF2-40B4-BE49-F238E27FC236}">
+                <a16:creationId xmlns:a16="http://schemas.microsoft.com/office/drawing/2014/main" id="{55F73595-E097-004D-943A-2E30C160D07E}"/>
+              </a:ext>
+            </a:extLst>
+          </p:cNvPr>
+          <p:cNvSpPr>
+            <a:spLocks noGrp="1"/>
+          </p:cNvSpPr>
+          <p:nvPr>
+            <p:ph type="title"/>
+          </p:nvPr>
+        </p:nvSpPr>
+        <p:spPr/>
+        <p:txBody>
+          <a:bodyPr/>
+          <a:lstStyle/>
+          <a:p>
+            <a:r>
+              <a:rPr lang="en-GB" dirty="0"/>
+              <a:t>Contributing Members</a:t>
+            </a:r>
+          </a:p>
+        </p:txBody>
+      </p:sp>
+      <p:sp>
+        <p:nvSpPr>
+          <p:cNvPr id="4" name="Content Placeholder 3">
+            <a:extLst>
+              <a:ext uri="{FF2B5EF4-FFF2-40B4-BE49-F238E27FC236}">
+                <a16:creationId xmlns:a16="http://schemas.microsoft.com/office/drawing/2014/main" id="{5BAAD271-064D-394C-ADA6-ECAE6A8199B2}"/>
+              </a:ext>
+            </a:extLst>
+          </p:cNvPr>
+          <p:cNvSpPr txBox="1">
+            <a:spLocks noGrp="1"/>
+          </p:cNvSpPr>
+          <p:nvPr>
+            <p:ph idx="1"/>
+          </p:nvPr>
+        </p:nvSpPr>
+        <p:spPr>
+          <a:xfrm>
+            <a:off x="838200" y="1825625"/>
+            <a:ext cx="10515600" cy="3319883"/>
+          </a:xfrm>
+          <a:prstGeom prst="rect">
+            <a:avLst/>
+          </a:prstGeom>
+          <a:noFill/>
+        </p:spPr>
+        <p:txBody>
+          <a:bodyPr wrap="square" rtlCol="0">
+            <a:spAutoFit/>
+          </a:bodyPr>
+          <a:lstStyle/>
+          <a:p>
+            <a:pPr marL="0" indent="0">
+              <a:buNone/>
+            </a:pPr>
+            <a:r>
+              <a:rPr lang="en-GB" dirty="0"/>
+              <a:t>Team Members (NUS, CQT):</a:t>
+            </a:r>
+          </a:p>
+          <a:p>
+            <a:pPr marL="285750" indent="-285750">
+              <a:buFont typeface="Arial" panose="020B0604020202020204" pitchFamily="34" charset="0"/>
+              <a:buChar char="•"/>
+            </a:pPr>
+            <a:r>
+              <a:rPr lang="en-SG" dirty="0"/>
+              <a:t>Chee Chong </a:t>
+            </a:r>
+            <a:r>
+              <a:rPr lang="en-SG" dirty="0" err="1"/>
+              <a:t>Hian</a:t>
+            </a:r>
+            <a:r>
+              <a:rPr lang="en-SG" dirty="0"/>
+              <a:t> (Main Lead, Coder, Curator)</a:t>
+            </a:r>
+          </a:p>
+          <a:p>
+            <a:pPr marL="285750" indent="-285750">
+              <a:buFont typeface="Arial" panose="020B0604020202020204" pitchFamily="34" charset="0"/>
+              <a:buChar char="•"/>
+            </a:pPr>
+            <a:r>
+              <a:rPr lang="en-SG" dirty="0"/>
+              <a:t>Benjamin Tan (Proofreading, Curator)</a:t>
+            </a:r>
+          </a:p>
+          <a:p>
+            <a:pPr marL="285750" indent="-285750">
+              <a:buFont typeface="Arial" panose="020B0604020202020204" pitchFamily="34" charset="0"/>
+              <a:buChar char="•"/>
+            </a:pPr>
+            <a:r>
+              <a:rPr lang="en-SG" dirty="0"/>
+              <a:t>Gan </a:t>
+            </a:r>
+            <a:r>
+              <a:rPr lang="en-SG" dirty="0" err="1"/>
+              <a:t>Beng</a:t>
+            </a:r>
+            <a:r>
+              <a:rPr lang="en-SG" dirty="0"/>
+              <a:t> Yee &amp; </a:t>
+            </a:r>
+            <a:r>
+              <a:rPr lang="en-SG" dirty="0" err="1"/>
+              <a:t>Supanut</a:t>
+            </a:r>
+            <a:r>
+              <a:rPr lang="en-SG" dirty="0"/>
+              <a:t> </a:t>
+            </a:r>
+            <a:r>
+              <a:rPr lang="en-SG" dirty="0" err="1"/>
+              <a:t>Thanasilp</a:t>
+            </a:r>
+            <a:r>
+              <a:rPr lang="en-SG" dirty="0"/>
+              <a:t> (Tried in Running Our Quantum Circuit on Real IBM Devices, but it didn’t work due to Technical Issues)</a:t>
+            </a:r>
+          </a:p>
+          <a:p>
+            <a:pPr marL="285750" indent="-285750">
+              <a:buFont typeface="Arial" panose="020B0604020202020204" pitchFamily="34" charset="0"/>
+              <a:buChar char="•"/>
+            </a:pPr>
+            <a:r>
+              <a:rPr lang="en-SG" dirty="0" err="1"/>
+              <a:t>Adrain</a:t>
+            </a:r>
+            <a:r>
+              <a:rPr lang="en-SG" dirty="0"/>
+              <a:t> </a:t>
+            </a:r>
+            <a:r>
+              <a:rPr lang="en-SG" dirty="0" err="1"/>
+              <a:t>Mak</a:t>
+            </a:r>
+            <a:r>
+              <a:rPr lang="en-SG" dirty="0"/>
+              <a:t> (Basic Proofreading, ASTAR)</a:t>
             </a:r>
           </a:p>
         </p:txBody>
@@ -6640,7 +8033,7 @@
     </p:spTree>
     <p:extLst>
       <p:ext uri="{BB962C8B-B14F-4D97-AF65-F5344CB8AC3E}">
-        <p14:creationId xmlns:p14="http://schemas.microsoft.com/office/powerpoint/2010/main" val="1925727449"/>
+        <p14:creationId xmlns:p14="http://schemas.microsoft.com/office/powerpoint/2010/main" val="2816099052"/>
       </p:ext>
     </p:extLst>
   </p:cSld>
@@ -7102,8 +8495,8 @@
           </p:sp>
         </mc:Fallback>
       </mc:AlternateContent>
-      <mc:AlternateContent xmlns:mc="http://schemas.openxmlformats.org/markup-compatibility/2006">
-        <mc:Choice xmlns:a14="http://schemas.microsoft.com/office/drawing/2010/main" Requires="a14">
+      <mc:AlternateContent xmlns:mc="http://schemas.openxmlformats.org/markup-compatibility/2006" xmlns:a14="http://schemas.microsoft.com/office/drawing/2010/main">
+        <mc:Choice Requires="a14">
           <p:sp>
             <p:nvSpPr>
               <p:cNvPr id="21" name="TextBox 20">
@@ -7157,7 +8550,7 @@
             </p:txBody>
           </p:sp>
         </mc:Choice>
-        <mc:Fallback>
+        <mc:Fallback xmlns="">
           <p:sp>
             <p:nvSpPr>
               <p:cNvPr id="21" name="TextBox 20">
@@ -7202,8 +8595,8 @@
           </p:sp>
         </mc:Fallback>
       </mc:AlternateContent>
-      <mc:AlternateContent xmlns:mc="http://schemas.openxmlformats.org/markup-compatibility/2006">
-        <mc:Choice xmlns:a14="http://schemas.microsoft.com/office/drawing/2010/main" Requires="a14">
+      <mc:AlternateContent xmlns:mc="http://schemas.openxmlformats.org/markup-compatibility/2006" xmlns:a14="http://schemas.microsoft.com/office/drawing/2010/main">
+        <mc:Choice Requires="a14">
           <p:sp>
             <p:nvSpPr>
               <p:cNvPr id="11" name="Content Placeholder 2">
@@ -7591,7 +8984,7 @@
             </p:txBody>
           </p:sp>
         </mc:Choice>
-        <mc:Fallback>
+        <mc:Fallback xmlns="">
           <p:sp>
             <p:nvSpPr>
               <p:cNvPr id="11" name="Content Placeholder 2">
@@ -7822,7 +9215,7 @@
         </p:blipFill>
         <p:spPr>
           <a:xfrm>
-            <a:off x="514350" y="5492351"/>
+            <a:off x="514350" y="5591886"/>
             <a:ext cx="11163300" cy="1045598"/>
           </a:xfrm>
           <a:prstGeom prst="rect">
@@ -7889,8 +9282,8 @@
           </a:p>
         </p:txBody>
       </p:sp>
-      <mc:AlternateContent xmlns:mc="http://schemas.openxmlformats.org/markup-compatibility/2006">
-        <mc:Choice xmlns:a14="http://schemas.microsoft.com/office/drawing/2010/main" Requires="a14">
+      <mc:AlternateContent xmlns:mc="http://schemas.openxmlformats.org/markup-compatibility/2006" xmlns:a14="http://schemas.microsoft.com/office/drawing/2010/main">
+        <mc:Choice Requires="a14">
           <p:sp>
             <p:nvSpPr>
               <p:cNvPr id="17" name="TextBox 16">
@@ -8013,7 +9406,7 @@
             </p:txBody>
           </p:sp>
         </mc:Choice>
-        <mc:Fallback>
+        <mc:Fallback xmlns="">
           <p:sp>
             <p:nvSpPr>
               <p:cNvPr id="17" name="TextBox 16">
@@ -8091,7 +9484,7 @@
         </p:blipFill>
         <p:spPr>
           <a:xfrm>
-            <a:off x="514350" y="5482133"/>
+            <a:off x="514350" y="5581668"/>
             <a:ext cx="11163300" cy="1045598"/>
           </a:xfrm>
           <a:prstGeom prst="rect">
@@ -8099,8 +9492,8 @@
           </a:prstGeom>
         </p:spPr>
       </p:pic>
-      <mc:AlternateContent xmlns:mc="http://schemas.openxmlformats.org/markup-compatibility/2006" xmlns:a14="http://schemas.microsoft.com/office/drawing/2010/main">
-        <mc:Choice Requires="a14">
+      <mc:AlternateContent xmlns:mc="http://schemas.openxmlformats.org/markup-compatibility/2006">
+        <mc:Choice xmlns:a14="http://schemas.microsoft.com/office/drawing/2010/main" Requires="a14">
           <p:sp>
             <p:nvSpPr>
               <p:cNvPr id="20" name="TextBox 19">
@@ -8115,8 +9508,8 @@
             </p:nvSpPr>
             <p:spPr>
               <a:xfrm>
-                <a:off x="10547762" y="4789233"/>
-                <a:ext cx="1644238" cy="646331"/>
+                <a:off x="10567304" y="4366296"/>
+                <a:ext cx="1644238" cy="701731"/>
               </a:xfrm>
               <a:prstGeom prst="rect">
                 <a:avLst/>
@@ -8177,11 +9570,29 @@
                       </m:e>
                       <m:e>
                         <m:r>
-                          <a:rPr lang="en-SG" b="0" i="1" smtClean="0">
+                          <a:rPr lang="en-US" b="0" i="1" smtClean="0">
                             <a:latin typeface="Cambria Math" panose="02040503050406030204" pitchFamily="18" charset="0"/>
                           </a:rPr>
-                          <m:t>𝐻</m:t>
+                          <m:t> </m:t>
                         </m:r>
+                        <m:acc>
+                          <m:accPr>
+                            <m:chr m:val="̂"/>
+                            <m:ctrlPr>
+                              <a:rPr lang="en-US" b="0" i="1" smtClean="0">
+                                <a:latin typeface="Cambria Math" panose="02040503050406030204" pitchFamily="18" charset="0"/>
+                              </a:rPr>
+                            </m:ctrlPr>
+                          </m:accPr>
+                          <m:e>
+                            <m:r>
+                              <a:rPr lang="en-SG" i="1">
+                                <a:latin typeface="Cambria Math" panose="02040503050406030204" pitchFamily="18" charset="0"/>
+                              </a:rPr>
+                              <m:t>𝐻</m:t>
+                            </m:r>
+                          </m:e>
+                        </m:acc>
                       </m:e>
                       <m:e>
                         <m:sSub>
@@ -8219,7 +9630,7 @@
             </p:txBody>
           </p:sp>
         </mc:Choice>
-        <mc:Fallback xmlns="">
+        <mc:Fallback>
           <p:sp>
             <p:nvSpPr>
               <p:cNvPr id="20" name="TextBox 19">
@@ -8236,8 +9647,8 @@
             </p:nvSpPr>
             <p:spPr>
               <a:xfrm>
-                <a:off x="10547762" y="4789233"/>
-                <a:ext cx="1644238" cy="646331"/>
+                <a:off x="10567304" y="4366296"/>
+                <a:ext cx="1644238" cy="701731"/>
               </a:xfrm>
               <a:prstGeom prst="rect">
                 <a:avLst/>
@@ -8245,7 +9656,7 @@
               <a:blipFill>
                 <a:blip r:embed="rId7"/>
                 <a:stretch>
-                  <a:fillRect l="-2963" t="-5660" b="-6604"/>
+                  <a:fillRect l="-2290" t="-3571" b="-3571"/>
                 </a:stretch>
               </a:blipFill>
             </p:spPr>
@@ -8316,7 +9727,7 @@
         </p:nvSpPr>
         <p:spPr>
           <a:xfrm>
-            <a:off x="399873" y="5245608"/>
+            <a:off x="1729648" y="5023146"/>
             <a:ext cx="1997869" cy="369332"/>
           </a:xfrm>
           <a:prstGeom prst="rect">
@@ -8390,8 +9801,8 @@
           </a:p>
         </p:txBody>
       </p:sp>
-      <mc:AlternateContent xmlns:mc="http://schemas.openxmlformats.org/markup-compatibility/2006">
-        <mc:Choice xmlns:a14="http://schemas.microsoft.com/office/drawing/2010/main" Requires="a14">
+      <mc:AlternateContent xmlns:mc="http://schemas.openxmlformats.org/markup-compatibility/2006" xmlns:a14="http://schemas.microsoft.com/office/drawing/2010/main">
+        <mc:Choice Requires="a14">
           <p:sp>
             <p:nvSpPr>
               <p:cNvPr id="25" name="TextBox 24">
@@ -8456,7 +9867,7 @@
             </p:txBody>
           </p:sp>
         </mc:Choice>
-        <mc:Fallback>
+        <mc:Fallback xmlns="">
           <p:sp>
             <p:nvSpPr>
               <p:cNvPr id="25" name="TextBox 24">
@@ -8607,15 +10018,15 @@
         </p:nvSpPr>
         <p:spPr>
           <a:xfrm>
-            <a:off x="75441" y="2749062"/>
-            <a:ext cx="2479333" cy="369332"/>
+            <a:off x="696701" y="2605816"/>
+            <a:ext cx="1858073" cy="646331"/>
           </a:xfrm>
           <a:prstGeom prst="rect">
             <a:avLst/>
           </a:prstGeom>
         </p:spPr>
         <p:txBody>
-          <a:bodyPr wrap="none">
+          <a:bodyPr wrap="square">
             <a:spAutoFit/>
           </a:bodyPr>
           <a:lstStyle/>
@@ -8624,14 +10035,14 @@
               <a:rPr lang="en-GB" dirty="0">
                 <a:latin typeface="-apple-system"/>
               </a:rPr>
-              <a:t>Problem-Inspired Ansatz</a:t>
+              <a:t>Our Problem-Inspired Ansatz</a:t>
             </a:r>
             <a:endParaRPr lang="en-GB" dirty="0"/>
           </a:p>
         </p:txBody>
       </p:sp>
-      <mc:AlternateContent xmlns:mc="http://schemas.openxmlformats.org/markup-compatibility/2006">
-        <mc:Choice xmlns:a14="http://schemas.microsoft.com/office/drawing/2010/main" Requires="a14">
+      <mc:AlternateContent xmlns:mc="http://schemas.openxmlformats.org/markup-compatibility/2006" xmlns:a14="http://schemas.microsoft.com/office/drawing/2010/main">
+        <mc:Choice Requires="a14">
           <p:sp>
             <p:nvSpPr>
               <p:cNvPr id="3" name="TextBox 2">
@@ -8679,7 +10090,7 @@
             </p:txBody>
           </p:sp>
         </mc:Choice>
-        <mc:Fallback>
+        <mc:Fallback xmlns="">
           <p:sp>
             <p:nvSpPr>
               <p:cNvPr id="3" name="TextBox 2">
@@ -8724,6 +10135,214 @@
           </p:sp>
         </mc:Fallback>
       </mc:AlternateContent>
+      <p:cxnSp>
+        <p:nvCxnSpPr>
+          <p:cNvPr id="24" name="Straight Arrow Connector 23">
+            <a:extLst>
+              <a:ext uri="{FF2B5EF4-FFF2-40B4-BE49-F238E27FC236}">
+                <a16:creationId xmlns:a16="http://schemas.microsoft.com/office/drawing/2014/main" id="{68B271D5-E4A3-4243-9ACC-4C1F447A361D}"/>
+              </a:ext>
+            </a:extLst>
+          </p:cNvPr>
+          <p:cNvCxnSpPr>
+            <a:cxnSpLocks/>
+          </p:cNvCxnSpPr>
+          <p:nvPr/>
+        </p:nvCxnSpPr>
+        <p:spPr>
+          <a:xfrm flipH="1">
+            <a:off x="1233043" y="5211933"/>
+            <a:ext cx="496605" cy="405496"/>
+          </a:xfrm>
+          <a:prstGeom prst="straightConnector1">
+            <a:avLst/>
+          </a:prstGeom>
+          <a:ln w="38100">
+            <a:solidFill>
+              <a:schemeClr val="tx1"/>
+            </a:solidFill>
+            <a:tailEnd type="triangle"/>
+          </a:ln>
+        </p:spPr>
+        <p:style>
+          <a:lnRef idx="1">
+            <a:schemeClr val="accent1"/>
+          </a:lnRef>
+          <a:fillRef idx="0">
+            <a:schemeClr val="accent1"/>
+          </a:fillRef>
+          <a:effectRef idx="0">
+            <a:schemeClr val="accent1"/>
+          </a:effectRef>
+          <a:fontRef idx="minor">
+            <a:schemeClr val="tx1"/>
+          </a:fontRef>
+        </p:style>
+      </p:cxnSp>
+      <mc:AlternateContent xmlns:mc="http://schemas.openxmlformats.org/markup-compatibility/2006">
+        <mc:Choice xmlns:a14="http://schemas.microsoft.com/office/drawing/2010/main" Requires="a14">
+          <p:sp>
+            <p:nvSpPr>
+              <p:cNvPr id="6" name="TextBox 5">
+                <a:extLst>
+                  <a:ext uri="{FF2B5EF4-FFF2-40B4-BE49-F238E27FC236}">
+                    <a16:creationId xmlns:a16="http://schemas.microsoft.com/office/drawing/2014/main" id="{1C15C21E-CB0B-FA4B-A5A5-D01DB102BEF7}"/>
+                  </a:ext>
+                </a:extLst>
+              </p:cNvPr>
+              <p:cNvSpPr txBox="1"/>
+              <p:nvPr/>
+            </p:nvSpPr>
+            <p:spPr>
+              <a:xfrm>
+                <a:off x="4545600" y="5182467"/>
+                <a:ext cx="3851760" cy="400110"/>
+              </a:xfrm>
+              <a:prstGeom prst="rect">
+                <a:avLst/>
+              </a:prstGeom>
+              <a:noFill/>
+            </p:spPr>
+            <p:txBody>
+              <a:bodyPr wrap="none" rtlCol="0">
+                <a:spAutoFit/>
+              </a:bodyPr>
+              <a:lstStyle/>
+              <a:p>
+                <a:r>
+                  <a:rPr lang="en-GB" sz="2000" dirty="0" err="1"/>
+                  <a:t>PennyLane</a:t>
+                </a:r>
+                <a:r>
+                  <a:rPr lang="en-GB" sz="2000" dirty="0"/>
+                  <a:t> Quantum Circuit for </a:t>
+                </a:r>
+                <a14:m>
+                  <m:oMath xmlns:m="http://schemas.openxmlformats.org/officeDocument/2006/math">
+                    <m:sSub>
+                      <m:sSubPr>
+                        <m:ctrlPr>
+                          <a:rPr lang="en-SG" sz="2000" i="1">
+                            <a:latin typeface="Cambria Math" panose="02040503050406030204" pitchFamily="18" charset="0"/>
+                          </a:rPr>
+                        </m:ctrlPr>
+                      </m:sSubPr>
+                      <m:e>
+                        <m:r>
+                          <m:rPr>
+                            <m:nor/>
+                          </m:rPr>
+                          <a:rPr lang="en-SG" sz="2000">
+                            <a:latin typeface="Cambria Math" panose="02040503050406030204" pitchFamily="18" charset="0"/>
+                          </a:rPr>
+                          <m:t>H</m:t>
+                        </m:r>
+                      </m:e>
+                      <m:sub>
+                        <m:r>
+                          <a:rPr lang="en-SG" sz="2000" i="1">
+                            <a:latin typeface="Cambria Math" panose="02040503050406030204" pitchFamily="18" charset="0"/>
+                          </a:rPr>
+                          <m:t>2</m:t>
+                        </m:r>
+                      </m:sub>
+                    </m:sSub>
+                  </m:oMath>
+                </a14:m>
+                <a:endParaRPr lang="en-GB" sz="2000" dirty="0"/>
+              </a:p>
+            </p:txBody>
+          </p:sp>
+        </mc:Choice>
+        <mc:Fallback>
+          <p:sp>
+            <p:nvSpPr>
+              <p:cNvPr id="6" name="TextBox 5">
+                <a:extLst>
+                  <a:ext uri="{FF2B5EF4-FFF2-40B4-BE49-F238E27FC236}">
+                    <a16:creationId xmlns:a16="http://schemas.microsoft.com/office/drawing/2014/main" id="{1C15C21E-CB0B-FA4B-A5A5-D01DB102BEF7}"/>
+                  </a:ext>
+                </a:extLst>
+              </p:cNvPr>
+              <p:cNvSpPr txBox="1">
+                <a:spLocks noRot="1" noChangeAspect="1" noMove="1" noResize="1" noEditPoints="1" noAdjustHandles="1" noChangeArrowheads="1" noChangeShapeType="1" noTextEdit="1"/>
+              </p:cNvSpPr>
+              <p:nvPr/>
+            </p:nvSpPr>
+            <p:spPr>
+              <a:xfrm>
+                <a:off x="4545600" y="5182467"/>
+                <a:ext cx="3851760" cy="400110"/>
+              </a:xfrm>
+              <a:prstGeom prst="rect">
+                <a:avLst/>
+              </a:prstGeom>
+              <a:blipFill>
+                <a:blip r:embed="rId10"/>
+                <a:stretch>
+                  <a:fillRect l="-1974" t="-9375" b="-25000"/>
+                </a:stretch>
+              </a:blipFill>
+            </p:spPr>
+            <p:txBody>
+              <a:bodyPr/>
+              <a:lstStyle/>
+              <a:p>
+                <a:r>
+                  <a:rPr lang="en-GB">
+                    <a:noFill/>
+                  </a:rPr>
+                  <a:t> </a:t>
+                </a:r>
+              </a:p>
+            </p:txBody>
+          </p:sp>
+        </mc:Fallback>
+      </mc:AlternateContent>
+      <p:cxnSp>
+        <p:nvCxnSpPr>
+          <p:cNvPr id="27" name="Straight Arrow Connector 26">
+            <a:extLst>
+              <a:ext uri="{FF2B5EF4-FFF2-40B4-BE49-F238E27FC236}">
+                <a16:creationId xmlns:a16="http://schemas.microsoft.com/office/drawing/2014/main" id="{9FC7AC6C-7B7A-0B47-9CFB-6010571E66DC}"/>
+              </a:ext>
+            </a:extLst>
+          </p:cNvPr>
+          <p:cNvCxnSpPr>
+            <a:cxnSpLocks/>
+          </p:cNvCxnSpPr>
+          <p:nvPr/>
+        </p:nvCxnSpPr>
+        <p:spPr>
+          <a:xfrm>
+            <a:off x="11538938" y="5078791"/>
+            <a:ext cx="0" cy="502877"/>
+          </a:xfrm>
+          <a:prstGeom prst="straightConnector1">
+            <a:avLst/>
+          </a:prstGeom>
+          <a:ln w="38100">
+            <a:solidFill>
+              <a:schemeClr val="tx1"/>
+            </a:solidFill>
+            <a:tailEnd type="triangle"/>
+          </a:ln>
+        </p:spPr>
+        <p:style>
+          <a:lnRef idx="1">
+            <a:schemeClr val="accent1"/>
+          </a:lnRef>
+          <a:fillRef idx="0">
+            <a:schemeClr val="accent1"/>
+          </a:fillRef>
+          <a:effectRef idx="0">
+            <a:schemeClr val="accent1"/>
+          </a:effectRef>
+          <a:fontRef idx="minor">
+            <a:schemeClr val="tx1"/>
+          </a:fontRef>
+        </p:style>
+      </p:cxnSp>
     </p:spTree>
     <p:extLst>
       <p:ext uri="{BB962C8B-B14F-4D97-AF65-F5344CB8AC3E}">
@@ -9146,7 +10765,7 @@
             </p:nvSpPr>
             <p:spPr>
               <a:xfrm>
-                <a:off x="6524168" y="2452516"/>
+                <a:off x="5884122" y="2041711"/>
                 <a:ext cx="1841174" cy="707886"/>
               </a:xfrm>
               <a:prstGeom prst="rect">
@@ -9220,7 +10839,7 @@
             </p:nvSpPr>
             <p:spPr>
               <a:xfrm>
-                <a:off x="6524168" y="2452516"/>
+                <a:off x="5884122" y="2041711"/>
                 <a:ext cx="1841174" cy="707886"/>
               </a:xfrm>
               <a:prstGeom prst="rect">
@@ -9229,7 +10848,7 @@
               <a:blipFill>
                 <a:blip r:embed="rId3"/>
                 <a:stretch>
-                  <a:fillRect l="-3425" t="-3509" b="-14035"/>
+                  <a:fillRect l="-3425" t="-5263" b="-14035"/>
                 </a:stretch>
               </a:blipFill>
             </p:spPr>
@@ -9262,8 +10881,8 @@
         </p:nvSpPr>
         <p:spPr>
           <a:xfrm>
-            <a:off x="6015921" y="3351641"/>
-            <a:ext cx="5867400" cy="646331"/>
+            <a:off x="5783424" y="2853062"/>
+            <a:ext cx="4339124" cy="646331"/>
           </a:xfrm>
           <a:prstGeom prst="rect">
             <a:avLst/>
@@ -9282,13 +10901,13 @@
             </a:pPr>
             <a:r>
               <a:rPr lang="en-SG" dirty="0"/>
-              <a:t>Parameters are Optimized using Gradient Descent Using Default Settings</a:t>
+              <a:t>Parameters are Optimized using Gradient Descent with Default Settings</a:t>
             </a:r>
           </a:p>
         </p:txBody>
       </p:sp>
-      <mc:AlternateContent xmlns:mc="http://schemas.openxmlformats.org/markup-compatibility/2006">
-        <mc:Choice xmlns:a14="http://schemas.microsoft.com/office/drawing/2010/main" Requires="a14">
+      <mc:AlternateContent xmlns:mc="http://schemas.openxmlformats.org/markup-compatibility/2006" xmlns:a14="http://schemas.microsoft.com/office/drawing/2010/main">
+        <mc:Choice Requires="a14">
           <p:sp>
             <p:nvSpPr>
               <p:cNvPr id="19" name="TextBox 18">
@@ -9364,7 +10983,7 @@
             </p:txBody>
           </p:sp>
         </mc:Choice>
-        <mc:Fallback>
+        <mc:Fallback xmlns="">
           <p:sp>
             <p:nvSpPr>
               <p:cNvPr id="19" name="TextBox 18">
@@ -9442,7 +11061,7 @@
         </p:blipFill>
         <p:spPr>
           <a:xfrm>
-            <a:off x="514350" y="5482133"/>
+            <a:off x="511448" y="5580590"/>
             <a:ext cx="11163300" cy="1045598"/>
           </a:xfrm>
           <a:prstGeom prst="rect">
@@ -9483,7 +11102,7 @@
         </p:blipFill>
         <p:spPr>
           <a:xfrm>
-            <a:off x="6231672" y="1332577"/>
+            <a:off x="5675027" y="854996"/>
             <a:ext cx="1709913" cy="1140689"/>
           </a:xfrm>
           <a:prstGeom prst="rect">
@@ -9507,7 +11126,7 @@
             </p:nvSpPr>
             <p:spPr>
               <a:xfrm>
-                <a:off x="7941585" y="1959813"/>
+                <a:off x="7392133" y="1486744"/>
                 <a:ext cx="2730415" cy="369332"/>
               </a:xfrm>
               <a:prstGeom prst="rect">
@@ -9578,7 +11197,7 @@
             </p:nvSpPr>
             <p:spPr>
               <a:xfrm>
-                <a:off x="7941585" y="1959813"/>
+                <a:off x="7392133" y="1486744"/>
                 <a:ext cx="2730415" cy="369332"/>
               </a:xfrm>
               <a:prstGeom prst="rect">
@@ -9587,7 +11206,7 @@
               <a:blipFill>
                 <a:blip r:embed="rId7"/>
                 <a:stretch>
-                  <a:fillRect t="-6667" b="-26667"/>
+                  <a:fillRect t="-10345" b="-31034"/>
                 </a:stretch>
               </a:blipFill>
             </p:spPr>
@@ -9606,6 +11225,111 @@
           </p:sp>
         </mc:Fallback>
       </mc:AlternateContent>
+      <p:sp>
+        <p:nvSpPr>
+          <p:cNvPr id="20" name="TextBox 19">
+            <a:extLst>
+              <a:ext uri="{FF2B5EF4-FFF2-40B4-BE49-F238E27FC236}">
+                <a16:creationId xmlns:a16="http://schemas.microsoft.com/office/drawing/2014/main" id="{209696F3-D70C-0F4A-ACED-1A6A982A5CBD}"/>
+              </a:ext>
+            </a:extLst>
+          </p:cNvPr>
+          <p:cNvSpPr txBox="1"/>
+          <p:nvPr/>
+        </p:nvSpPr>
+        <p:spPr>
+          <a:xfrm>
+            <a:off x="1695943" y="1777182"/>
+            <a:ext cx="1810028" cy="1200329"/>
+          </a:xfrm>
+          <a:prstGeom prst="rect">
+            <a:avLst/>
+          </a:prstGeom>
+          <a:noFill/>
+        </p:spPr>
+        <p:txBody>
+          <a:bodyPr wrap="square" rtlCol="0">
+            <a:spAutoFit/>
+          </a:bodyPr>
+          <a:lstStyle/>
+          <a:p>
+            <a:pPr algn="ctr"/>
+            <a:r>
+              <a:rPr lang="en-GB" sz="2400" dirty="0" err="1"/>
+              <a:t>PennyLane</a:t>
+            </a:r>
+            <a:r>
+              <a:rPr lang="en-GB" sz="2400" dirty="0"/>
+              <a:t> with Our Ansatz</a:t>
+            </a:r>
+          </a:p>
+        </p:txBody>
+      </p:sp>
+      <p:sp>
+        <p:nvSpPr>
+          <p:cNvPr id="2" name="Rectangle 1">
+            <a:extLst>
+              <a:ext uri="{FF2B5EF4-FFF2-40B4-BE49-F238E27FC236}">
+                <a16:creationId xmlns:a16="http://schemas.microsoft.com/office/drawing/2014/main" id="{09D4FF7E-5387-6F49-B902-5DFB1369E0C9}"/>
+              </a:ext>
+            </a:extLst>
+          </p:cNvPr>
+          <p:cNvSpPr/>
+          <p:nvPr/>
+        </p:nvSpPr>
+        <p:spPr>
+          <a:xfrm>
+            <a:off x="6096000" y="3602858"/>
+            <a:ext cx="4555450" cy="1754326"/>
+          </a:xfrm>
+          <a:prstGeom prst="rect">
+            <a:avLst/>
+          </a:prstGeom>
+        </p:spPr>
+        <p:txBody>
+          <a:bodyPr wrap="square">
+            <a:spAutoFit/>
+          </a:bodyPr>
+          <a:lstStyle/>
+          <a:p>
+            <a:r>
+              <a:rPr lang="en-SG" dirty="0"/>
+              <a:t>No. of Electrons: 2 </a:t>
+            </a:r>
+          </a:p>
+          <a:p>
+            <a:r>
+              <a:rPr lang="en-SG" dirty="0"/>
+              <a:t>No. of Qubits: 4 </a:t>
+            </a:r>
+          </a:p>
+          <a:p>
+            <a:r>
+              <a:rPr lang="en-SG" dirty="0"/>
+              <a:t>No. of Pauli Strings (to measure): 15 </a:t>
+            </a:r>
+          </a:p>
+          <a:p>
+            <a:r>
+              <a:rPr lang="en-SG" dirty="0"/>
+              <a:t>No. of Single Excitations Rotations Gate : 4</a:t>
+            </a:r>
+          </a:p>
+          <a:p>
+            <a:r>
+              <a:rPr lang="en-SG" dirty="0"/>
+              <a:t>No. of Double Excitations Rotations Gate : 1 </a:t>
+            </a:r>
+          </a:p>
+          <a:p>
+            <a:r>
+              <a:rPr lang="en-SG" dirty="0"/>
+              <a:t>Total No. of Excitations Parameter: 5</a:t>
+            </a:r>
+            <a:endParaRPr lang="en-GB" dirty="0"/>
+          </a:p>
+        </p:txBody>
+      </p:sp>
     </p:spTree>
     <p:extLst>
       <p:ext uri="{BB962C8B-B14F-4D97-AF65-F5344CB8AC3E}">
@@ -9967,8 +11691,8 @@
           </p:txBody>
         </p:sp>
       </p:grpSp>
-      <mc:AlternateContent xmlns:mc="http://schemas.openxmlformats.org/markup-compatibility/2006">
-        <mc:Choice xmlns:a14="http://schemas.microsoft.com/office/drawing/2010/main" Requires="a14">
+      <mc:AlternateContent xmlns:mc="http://schemas.openxmlformats.org/markup-compatibility/2006" xmlns:a14="http://schemas.microsoft.com/office/drawing/2010/main">
+        <mc:Choice Requires="a14">
           <p:sp>
             <p:nvSpPr>
               <p:cNvPr id="25" name="TextBox 24">
@@ -10047,7 +11771,7 @@
             </p:txBody>
           </p:sp>
         </mc:Choice>
-        <mc:Fallback>
+        <mc:Fallback xmlns="">
           <p:sp>
             <p:nvSpPr>
               <p:cNvPr id="25" name="TextBox 24">
@@ -10128,8 +11852,8 @@
           </a:p>
         </p:txBody>
       </p:sp>
-      <mc:AlternateContent xmlns:mc="http://schemas.openxmlformats.org/markup-compatibility/2006">
-        <mc:Choice xmlns:a14="http://schemas.microsoft.com/office/drawing/2010/main" Requires="a14">
+      <mc:AlternateContent xmlns:mc="http://schemas.openxmlformats.org/markup-compatibility/2006" xmlns:a14="http://schemas.microsoft.com/office/drawing/2010/main">
+        <mc:Choice Requires="a14">
           <p:sp>
             <p:nvSpPr>
               <p:cNvPr id="36" name="TextBox 35">
@@ -10210,7 +11934,7 @@
             </p:txBody>
           </p:sp>
         </mc:Choice>
-        <mc:Fallback>
+        <mc:Fallback xmlns="">
           <p:sp>
             <p:nvSpPr>
               <p:cNvPr id="36" name="TextBox 35">
@@ -10255,8 +11979,8 @@
           </p:sp>
         </mc:Fallback>
       </mc:AlternateContent>
-      <mc:AlternateContent xmlns:mc="http://schemas.openxmlformats.org/markup-compatibility/2006">
-        <mc:Choice xmlns:a14="http://schemas.microsoft.com/office/drawing/2010/main" Requires="a14">
+      <mc:AlternateContent xmlns:mc="http://schemas.openxmlformats.org/markup-compatibility/2006" xmlns:a14="http://schemas.microsoft.com/office/drawing/2010/main">
+        <mc:Choice Requires="a14">
           <p:sp>
             <p:nvSpPr>
               <p:cNvPr id="12" name="TextBox 11">
@@ -10328,7 +12052,7 @@
             </p:txBody>
           </p:sp>
         </mc:Choice>
-        <mc:Fallback>
+        <mc:Fallback xmlns="">
           <p:sp>
             <p:nvSpPr>
               <p:cNvPr id="12" name="TextBox 11">
@@ -10414,8 +12138,8 @@
           </a:prstGeom>
         </p:spPr>
       </p:pic>
-      <mc:AlternateContent xmlns:mc="http://schemas.openxmlformats.org/markup-compatibility/2006">
-        <mc:Choice xmlns:a14="http://schemas.microsoft.com/office/drawing/2010/main" Requires="a14">
+      <mc:AlternateContent xmlns:mc="http://schemas.openxmlformats.org/markup-compatibility/2006" xmlns:a14="http://schemas.microsoft.com/office/drawing/2010/main">
+        <mc:Choice Requires="a14">
           <p:sp>
             <p:nvSpPr>
               <p:cNvPr id="14" name="TextBox 13">
@@ -10484,7 +12208,7 @@
             </p:txBody>
           </p:sp>
         </mc:Choice>
-        <mc:Fallback>
+        <mc:Fallback xmlns="">
           <p:sp>
             <p:nvSpPr>
               <p:cNvPr id="14" name="TextBox 13">
@@ -10529,6 +12253,46 @@
           </p:sp>
         </mc:Fallback>
       </mc:AlternateContent>
+      <p:sp>
+        <p:nvSpPr>
+          <p:cNvPr id="15" name="TextBox 14">
+            <a:extLst>
+              <a:ext uri="{FF2B5EF4-FFF2-40B4-BE49-F238E27FC236}">
+                <a16:creationId xmlns:a16="http://schemas.microsoft.com/office/drawing/2014/main" id="{241BE14F-C492-FC4F-9E71-4BF19D605B1F}"/>
+              </a:ext>
+            </a:extLst>
+          </p:cNvPr>
+          <p:cNvSpPr txBox="1"/>
+          <p:nvPr/>
+        </p:nvSpPr>
+        <p:spPr>
+          <a:xfrm>
+            <a:off x="3672306" y="2608329"/>
+            <a:ext cx="1810028" cy="1200329"/>
+          </a:xfrm>
+          <a:prstGeom prst="rect">
+            <a:avLst/>
+          </a:prstGeom>
+          <a:noFill/>
+        </p:spPr>
+        <p:txBody>
+          <a:bodyPr wrap="square" rtlCol="0">
+            <a:spAutoFit/>
+          </a:bodyPr>
+          <a:lstStyle/>
+          <a:p>
+            <a:pPr algn="ctr"/>
+            <a:r>
+              <a:rPr lang="en-GB" sz="2400" dirty="0" err="1"/>
+              <a:t>PennyLane</a:t>
+            </a:r>
+            <a:r>
+              <a:rPr lang="en-GB" sz="2400" dirty="0"/>
+              <a:t> with Our Ansatz</a:t>
+            </a:r>
+          </a:p>
+        </p:txBody>
+      </p:sp>
     </p:spTree>
     <p:extLst>
       <p:ext uri="{BB962C8B-B14F-4D97-AF65-F5344CB8AC3E}">
@@ -10585,13 +12349,13 @@
             </p:spPr>
             <p:txBody>
               <a:bodyPr>
-                <a:normAutofit fontScale="90000"/>
+                <a:normAutofit/>
               </a:bodyPr>
               <a:lstStyle/>
               <a:p>
                 <a:r>
                   <a:rPr lang="en-SG" sz="3200" dirty="0"/>
-                  <a:t>(Bonus) Implementing VQE </a:t>
+                  <a:t>Implementing VQE on </a:t>
                 </a:r>
                 <a14:m>
                   <m:oMath xmlns:m="http://schemas.openxmlformats.org/officeDocument/2006/math">
@@ -10663,7 +12427,7 @@
                 </a14:m>
                 <a:r>
                   <a:rPr lang="en-SG" sz="3200" dirty="0"/>
-                  <a:t> with QAMUY using their UCCSD Ansatz </a:t>
+                  <a:t> with QAMUY</a:t>
                 </a:r>
                 <a:endParaRPr lang="en-GB" sz="3200" dirty="0"/>
               </a:p>
@@ -10695,7 +12459,7 @@
               <a:blipFill>
                 <a:blip r:embed="rId2"/>
                 <a:stretch>
-                  <a:fillRect l="-1112" t="-20635" b="-28571"/>
+                  <a:fillRect l="-1335" b="-7937"/>
                 </a:stretch>
               </a:blipFill>
             </p:spPr>
@@ -10735,7 +12499,7 @@
         </p:blipFill>
         <p:spPr>
           <a:xfrm>
-            <a:off x="6367947" y="1582675"/>
+            <a:off x="5780118" y="1551086"/>
             <a:ext cx="5249369" cy="3311913"/>
           </a:xfrm>
           <a:prstGeom prst="rect">
@@ -10757,7 +12521,7 @@
         </p:nvSpPr>
         <p:spPr>
           <a:xfrm rot="16200000">
-            <a:off x="-709525" y="2791174"/>
+            <a:off x="-925253" y="2759585"/>
             <a:ext cx="2158283" cy="307777"/>
           </a:xfrm>
           <a:prstGeom prst="rect">
@@ -10795,7 +12559,7 @@
             </p:nvSpPr>
             <p:spPr>
               <a:xfrm>
-                <a:off x="6613359" y="936184"/>
+                <a:off x="6215653" y="936184"/>
                 <a:ext cx="4758543" cy="646331"/>
               </a:xfrm>
               <a:prstGeom prst="rect">
@@ -10848,7 +12612,7 @@
                 </a14:m>
                 <a:r>
                   <a:rPr lang="en-SG" dirty="0"/>
-                  <a:t> Various in QAMUY (Various Optimiser)</a:t>
+                  <a:t> Various in QAMUY (Various Optimisers)</a:t>
                 </a:r>
               </a:p>
             </p:txBody>
@@ -10871,7 +12635,7 @@
             </p:nvSpPr>
             <p:spPr>
               <a:xfrm>
-                <a:off x="6613359" y="936184"/>
+                <a:off x="6215653" y="936184"/>
                 <a:ext cx="4758543" cy="646331"/>
               </a:xfrm>
               <a:prstGeom prst="rect">
@@ -10880,7 +12644,7 @@
               <a:blipFill>
                 <a:blip r:embed="rId4"/>
                 <a:stretch>
-                  <a:fillRect t="-3846" r="-532" b="-13462"/>
+                  <a:fillRect t="-3846" r="-266" b="-13462"/>
                 </a:stretch>
               </a:blipFill>
             </p:spPr>
@@ -10926,7 +12690,7 @@
         </p:blipFill>
         <p:spPr>
           <a:xfrm>
-            <a:off x="484407" y="1582675"/>
+            <a:off x="268679" y="1551086"/>
             <a:ext cx="5339646" cy="3311913"/>
           </a:xfrm>
           <a:prstGeom prst="rect">
@@ -10948,7 +12712,7 @@
         </p:nvSpPr>
         <p:spPr>
           <a:xfrm>
-            <a:off x="2484560" y="4875573"/>
+            <a:off x="2268832" y="4843984"/>
             <a:ext cx="1741246" cy="338554"/>
           </a:xfrm>
           <a:prstGeom prst="rect">
@@ -10990,7 +12754,7 @@
             </p:nvSpPr>
             <p:spPr>
               <a:xfrm>
-                <a:off x="1624816" y="967773"/>
+                <a:off x="1409088" y="936184"/>
                 <a:ext cx="3455946" cy="646331"/>
               </a:xfrm>
               <a:prstGeom prst="rect">
@@ -11082,7 +12846,7 @@
             </p:nvSpPr>
             <p:spPr>
               <a:xfrm>
-                <a:off x="1624816" y="967773"/>
+                <a:off x="1409088" y="936184"/>
                 <a:ext cx="3455946" cy="646331"/>
               </a:xfrm>
               <a:prstGeom prst="rect">
@@ -11091,7 +12855,7 @@
               <a:blipFill>
                 <a:blip r:embed="rId6"/>
                 <a:stretch>
-                  <a:fillRect l="-1103" t="-5769" r="-1103" b="-11538"/>
+                  <a:fillRect l="-730" t="-3846" r="-730" b="-13462"/>
                 </a:stretch>
               </a:blipFill>
             </p:spPr>
@@ -11124,7 +12888,7 @@
         </p:nvSpPr>
         <p:spPr>
           <a:xfrm>
-            <a:off x="8437133" y="4875572"/>
+            <a:off x="7534179" y="4848594"/>
             <a:ext cx="1741246" cy="338554"/>
           </a:xfrm>
           <a:prstGeom prst="rect">
@@ -11164,8 +12928,8 @@
         </p:nvSpPr>
         <p:spPr>
           <a:xfrm>
-            <a:off x="3663345" y="5526432"/>
-            <a:ext cx="5168399" cy="646331"/>
+            <a:off x="3332322" y="5407842"/>
+            <a:ext cx="5168399" cy="707886"/>
           </a:xfrm>
           <a:prstGeom prst="rect">
             <a:avLst/>
@@ -11180,7 +12944,7 @@
           <a:p>
             <a:pPr algn="ctr"/>
             <a:r>
-              <a:rPr lang="en-SG" dirty="0"/>
+              <a:rPr lang="en-SG" sz="2000" dirty="0"/>
               <a:t>The optimizers from QAMUY were able to provide accurate results with quick convergence</a:t>
             </a:r>
           </a:p>
@@ -11202,7 +12966,7 @@
             </p:nvSpPr>
             <p:spPr>
               <a:xfrm>
-                <a:off x="3663345" y="3622844"/>
+                <a:off x="3447617" y="3591255"/>
                 <a:ext cx="1841174" cy="707886"/>
               </a:xfrm>
               <a:prstGeom prst="rect">
@@ -11276,7 +13040,7 @@
             </p:nvSpPr>
             <p:spPr>
               <a:xfrm>
-                <a:off x="3663345" y="3622844"/>
+                <a:off x="3447617" y="3591255"/>
                 <a:ext cx="1841174" cy="707886"/>
               </a:xfrm>
               <a:prstGeom prst="rect">
@@ -11285,7 +13049,7 @@
               <a:blipFill>
                 <a:blip r:embed="rId7"/>
                 <a:stretch>
-                  <a:fillRect l="-3425" t="-5357" b="-14286"/>
+                  <a:fillRect l="-3425" t="-3509" b="-14035"/>
                 </a:stretch>
               </a:blipFill>
             </p:spPr>
@@ -11337,7 +13101,7 @@
         </p:blipFill>
         <p:spPr>
           <a:xfrm>
-            <a:off x="3370849" y="2502905"/>
+            <a:off x="3155121" y="2471316"/>
             <a:ext cx="1709913" cy="1140689"/>
           </a:xfrm>
           <a:prstGeom prst="rect">
@@ -11374,7 +13138,7 @@
         </p:blipFill>
         <p:spPr bwMode="auto">
           <a:xfrm>
-            <a:off x="8644359" y="2537685"/>
+            <a:off x="8231734" y="2471316"/>
             <a:ext cx="1265995" cy="1284730"/>
           </a:xfrm>
           <a:prstGeom prst="rect">
@@ -11408,7 +13172,7 @@
             </p:nvSpPr>
             <p:spPr>
               <a:xfrm>
-                <a:off x="9866419" y="3641107"/>
+                <a:off x="9359521" y="3612005"/>
                 <a:ext cx="1841174" cy="707886"/>
               </a:xfrm>
               <a:prstGeom prst="rect">
@@ -11482,7 +13246,7 @@
             </p:nvSpPr>
             <p:spPr>
               <a:xfrm>
-                <a:off x="9866419" y="3641107"/>
+                <a:off x="9359521" y="3612005"/>
                 <a:ext cx="1841174" cy="707886"/>
               </a:xfrm>
               <a:prstGeom prst="rect">
@@ -11491,7 +13255,7 @@
               <a:blipFill>
                 <a:blip r:embed="rId10"/>
                 <a:stretch>
-                  <a:fillRect l="-4110" t="-3509" b="-14035"/>
+                  <a:fillRect l="-2740" t="-5263" b="-14035"/>
                 </a:stretch>
               </a:blipFill>
             </p:spPr>
@@ -11526,8 +13290,8 @@
         </p:nvCxnSpPr>
         <p:spPr>
           <a:xfrm flipH="1" flipV="1">
-            <a:off x="9368049" y="3622844"/>
-            <a:ext cx="542305" cy="496201"/>
+            <a:off x="8955424" y="3558018"/>
+            <a:ext cx="425861" cy="387180"/>
           </a:xfrm>
           <a:prstGeom prst="straightConnector1">
             <a:avLst/>
@@ -11554,6 +13318,90 @@
           </a:fontRef>
         </p:style>
       </p:cxnSp>
+      <p:sp>
+        <p:nvSpPr>
+          <p:cNvPr id="16" name="TextBox 15">
+            <a:extLst>
+              <a:ext uri="{FF2B5EF4-FFF2-40B4-BE49-F238E27FC236}">
+                <a16:creationId xmlns:a16="http://schemas.microsoft.com/office/drawing/2014/main" id="{82AE81B3-9096-C44A-8850-3605224638F5}"/>
+              </a:ext>
+            </a:extLst>
+          </p:cNvPr>
+          <p:cNvSpPr txBox="1"/>
+          <p:nvPr/>
+        </p:nvSpPr>
+        <p:spPr>
+          <a:xfrm>
+            <a:off x="1541207" y="1690673"/>
+            <a:ext cx="1741246" cy="1015663"/>
+          </a:xfrm>
+          <a:prstGeom prst="rect">
+            <a:avLst/>
+          </a:prstGeom>
+          <a:noFill/>
+        </p:spPr>
+        <p:txBody>
+          <a:bodyPr wrap="square" rtlCol="0">
+            <a:spAutoFit/>
+          </a:bodyPr>
+          <a:lstStyle/>
+          <a:p>
+            <a:pPr algn="ctr"/>
+            <a:r>
+              <a:rPr lang="en-GB" sz="2000" dirty="0"/>
+              <a:t>QAMUY</a:t>
+            </a:r>
+          </a:p>
+          <a:p>
+            <a:pPr algn="ctr"/>
+            <a:r>
+              <a:rPr lang="en-GB" sz="2000" dirty="0"/>
+              <a:t>with their UCCSD Ansatz</a:t>
+            </a:r>
+          </a:p>
+        </p:txBody>
+      </p:sp>
+      <p:sp>
+        <p:nvSpPr>
+          <p:cNvPr id="19" name="TextBox 18">
+            <a:extLst>
+              <a:ext uri="{FF2B5EF4-FFF2-40B4-BE49-F238E27FC236}">
+                <a16:creationId xmlns:a16="http://schemas.microsoft.com/office/drawing/2014/main" id="{A87CB82E-1C08-0C48-94C3-8E4AEC9CF93F}"/>
+              </a:ext>
+            </a:extLst>
+          </p:cNvPr>
+          <p:cNvSpPr txBox="1"/>
+          <p:nvPr/>
+        </p:nvSpPr>
+        <p:spPr>
+          <a:xfrm>
+            <a:off x="10897502" y="1582515"/>
+            <a:ext cx="1439624" cy="1323439"/>
+          </a:xfrm>
+          <a:prstGeom prst="rect">
+            <a:avLst/>
+          </a:prstGeom>
+          <a:noFill/>
+        </p:spPr>
+        <p:txBody>
+          <a:bodyPr wrap="square" rtlCol="0">
+            <a:spAutoFit/>
+          </a:bodyPr>
+          <a:lstStyle/>
+          <a:p>
+            <a:r>
+              <a:rPr lang="en-GB" sz="2000" dirty="0"/>
+              <a:t>QAMUY</a:t>
+            </a:r>
+          </a:p>
+          <a:p>
+            <a:r>
+              <a:rPr lang="en-GB" sz="2000" dirty="0"/>
+              <a:t>with their UCCSD Ansatz</a:t>
+            </a:r>
+          </a:p>
+        </p:txBody>
+      </p:sp>
     </p:spTree>
     <p:extLst>
       <p:ext uri="{BB962C8B-B14F-4D97-AF65-F5344CB8AC3E}">
@@ -11584,8 +13432,8 @@
           <a:chExt cx="0" cy="0"/>
         </a:xfrm>
       </p:grpSpPr>
-      <mc:AlternateContent xmlns:mc="http://schemas.openxmlformats.org/markup-compatibility/2006">
-        <mc:Choice xmlns:a14="http://schemas.microsoft.com/office/drawing/2010/main" Requires="a14">
+      <mc:AlternateContent xmlns:mc="http://schemas.openxmlformats.org/markup-compatibility/2006" xmlns:a14="http://schemas.microsoft.com/office/drawing/2010/main">
+        <mc:Choice Requires="a14">
           <p:sp>
             <p:nvSpPr>
               <p:cNvPr id="6" name="Title 1">
@@ -11659,7 +13507,7 @@
             </p:txBody>
           </p:sp>
         </mc:Choice>
-        <mc:Fallback>
+        <mc:Fallback xmlns="">
           <p:sp>
             <p:nvSpPr>
               <p:cNvPr id="6" name="Title 1">
@@ -11785,8 +13633,8 @@
           </a:prstGeom>
         </p:spPr>
       </p:pic>
-      <mc:AlternateContent xmlns:mc="http://schemas.openxmlformats.org/markup-compatibility/2006">
-        <mc:Choice xmlns:a14="http://schemas.microsoft.com/office/drawing/2010/main" Requires="a14">
+      <mc:AlternateContent xmlns:mc="http://schemas.openxmlformats.org/markup-compatibility/2006" xmlns:a14="http://schemas.microsoft.com/office/drawing/2010/main">
+        <mc:Choice Requires="a14">
           <p:sp>
             <p:nvSpPr>
               <p:cNvPr id="7" name="TextBox 6">
@@ -11892,7 +13740,7 @@
             </p:txBody>
           </p:sp>
         </mc:Choice>
-        <mc:Fallback>
+        <mc:Fallback xmlns="">
           <p:sp>
             <p:nvSpPr>
               <p:cNvPr id="7" name="TextBox 6">
@@ -11980,10 +13828,10 @@
       </p:pic>
       <p:sp>
         <p:nvSpPr>
-          <p:cNvPr id="10" name="TextBox 9">
-            <a:extLst>
-              <a:ext uri="{FF2B5EF4-FFF2-40B4-BE49-F238E27FC236}">
-                <a16:creationId xmlns:a16="http://schemas.microsoft.com/office/drawing/2014/main" id="{2AB3FCCB-035F-F942-877D-E835DD143493}"/>
+          <p:cNvPr id="12" name="TextBox 11">
+            <a:extLst>
+              <a:ext uri="{FF2B5EF4-FFF2-40B4-BE49-F238E27FC236}">
+                <a16:creationId xmlns:a16="http://schemas.microsoft.com/office/drawing/2014/main" id="{E691D673-708C-7243-BEF5-03F668F935DA}"/>
               </a:ext>
             </a:extLst>
           </p:cNvPr>
@@ -11992,8 +13840,8 @@
         </p:nvSpPr>
         <p:spPr>
           <a:xfrm>
-            <a:off x="2031600" y="2467695"/>
-            <a:ext cx="1764201" cy="523220"/>
+            <a:off x="6867095" y="2385503"/>
+            <a:ext cx="1439624" cy="1323439"/>
           </a:xfrm>
           <a:prstGeom prst="rect">
             <a:avLst/>
@@ -12001,25 +13849,30 @@
           <a:noFill/>
         </p:spPr>
         <p:txBody>
-          <a:bodyPr wrap="none" rtlCol="0">
+          <a:bodyPr wrap="square" rtlCol="0">
             <a:spAutoFit/>
           </a:bodyPr>
           <a:lstStyle/>
           <a:p>
             <a:r>
-              <a:rPr lang="en-GB" sz="2800" dirty="0" err="1"/>
-              <a:t>PennyLane</a:t>
-            </a:r>
-            <a:endParaRPr lang="en-GB" sz="2800" dirty="0"/>
+              <a:rPr lang="en-GB" sz="2000" dirty="0"/>
+              <a:t>QAMUY</a:t>
+            </a:r>
+          </a:p>
+          <a:p>
+            <a:r>
+              <a:rPr lang="en-GB" sz="2000" dirty="0"/>
+              <a:t>with their UCCSD Ansatz</a:t>
+            </a:r>
           </a:p>
         </p:txBody>
       </p:sp>
       <p:sp>
         <p:nvSpPr>
-          <p:cNvPr id="11" name="TextBox 10">
-            <a:extLst>
-              <a:ext uri="{FF2B5EF4-FFF2-40B4-BE49-F238E27FC236}">
-                <a16:creationId xmlns:a16="http://schemas.microsoft.com/office/drawing/2014/main" id="{3E1203E4-F856-6A47-9542-3992F97B31F3}"/>
+          <p:cNvPr id="13" name="TextBox 12">
+            <a:extLst>
+              <a:ext uri="{FF2B5EF4-FFF2-40B4-BE49-F238E27FC236}">
+                <a16:creationId xmlns:a16="http://schemas.microsoft.com/office/drawing/2014/main" id="{703789D8-86E4-A443-B34C-4FA76FF7C01C}"/>
               </a:ext>
             </a:extLst>
           </p:cNvPr>
@@ -12028,8 +13881,8 @@
         </p:nvSpPr>
         <p:spPr>
           <a:xfrm>
-            <a:off x="7069810" y="2467695"/>
-            <a:ext cx="1348446" cy="523220"/>
+            <a:off x="1855293" y="2447057"/>
+            <a:ext cx="1810028" cy="1200329"/>
           </a:xfrm>
           <a:prstGeom prst="rect">
             <a:avLst/>
@@ -12037,14 +13890,19 @@
           <a:noFill/>
         </p:spPr>
         <p:txBody>
-          <a:bodyPr wrap="none" rtlCol="0">
+          <a:bodyPr wrap="square" rtlCol="0">
             <a:spAutoFit/>
           </a:bodyPr>
           <a:lstStyle/>
           <a:p>
-            <a:r>
-              <a:rPr lang="en-GB" sz="2800" dirty="0"/>
-              <a:t>QAMUY</a:t>
+            <a:pPr algn="ctr"/>
+            <a:r>
+              <a:rPr lang="en-GB" sz="2400" dirty="0" err="1"/>
+              <a:t>PennyLane</a:t>
+            </a:r>
+            <a:r>
+              <a:rPr lang="en-GB" sz="2400" dirty="0"/>
+              <a:t> with Our Ansatz</a:t>
             </a:r>
           </a:p>
         </p:txBody>
@@ -12079,8 +13937,8 @@
           <a:chExt cx="0" cy="0"/>
         </a:xfrm>
       </p:grpSpPr>
-      <mc:AlternateContent xmlns:mc="http://schemas.openxmlformats.org/markup-compatibility/2006">
-        <mc:Choice xmlns:a14="http://schemas.microsoft.com/office/drawing/2010/main" Requires="a14">
+      <mc:AlternateContent xmlns:mc="http://schemas.openxmlformats.org/markup-compatibility/2006" xmlns:a14="http://schemas.microsoft.com/office/drawing/2010/main">
+        <mc:Choice Requires="a14">
           <p:sp>
             <p:nvSpPr>
               <p:cNvPr id="6" name="Title 1">
@@ -12154,7 +14012,7 @@
             </p:txBody>
           </p:sp>
         </mc:Choice>
-        <mc:Fallback>
+        <mc:Fallback xmlns="">
           <p:sp>
             <p:nvSpPr>
               <p:cNvPr id="6" name="Title 1">
@@ -12550,8 +14408,8 @@
             </p:nvSpPr>
             <p:spPr>
               <a:xfrm>
-                <a:off x="570381" y="5016875"/>
-                <a:ext cx="11051237" cy="1477328"/>
+                <a:off x="3561897" y="5613948"/>
+                <a:ext cx="7915463" cy="1200329"/>
               </a:xfrm>
               <a:prstGeom prst="rect">
                 <a:avLst/>
@@ -12650,13 +14508,6 @@
                 </a14:m>
                 <a:endParaRPr lang="en-SG" dirty="0"/>
               </a:p>
-              <a:p>
-                <a:pPr marL="285750" indent="-285750">
-                  <a:buFont typeface="Arial" panose="020B0604020202020204" pitchFamily="34" charset="0"/>
-                  <a:buChar char="•"/>
-                </a:pPr>
-                <a:endParaRPr lang="en-SG" dirty="0"/>
-              </a:p>
             </p:txBody>
           </p:sp>
         </mc:Choice>
@@ -12677,8 +14528,8 @@
             </p:nvSpPr>
             <p:spPr>
               <a:xfrm>
-                <a:off x="570381" y="5016875"/>
-                <a:ext cx="11051237" cy="1477328"/>
+                <a:off x="3561897" y="5613948"/>
+                <a:ext cx="7915463" cy="1200329"/>
               </a:xfrm>
               <a:prstGeom prst="rect">
                 <a:avLst/>
@@ -12686,7 +14537,7 @@
               <a:blipFill>
                 <a:blip r:embed="rId7"/>
                 <a:stretch>
-                  <a:fillRect l="-460" t="-1709"/>
+                  <a:fillRect l="-481" t="-3158" b="-7368"/>
                 </a:stretch>
               </a:blipFill>
             </p:spPr>
@@ -12727,7 +14578,7 @@
         </p:blipFill>
         <p:spPr>
           <a:xfrm>
-            <a:off x="4272428" y="3919899"/>
+            <a:off x="96159" y="5731870"/>
             <a:ext cx="3350268" cy="983445"/>
           </a:xfrm>
           <a:prstGeom prst="rect">
@@ -12749,8 +14600,8 @@
         </p:nvSpPr>
         <p:spPr>
           <a:xfrm>
-            <a:off x="6695699" y="5822406"/>
-            <a:ext cx="5416880" cy="923330"/>
+            <a:off x="7630851" y="3861973"/>
+            <a:ext cx="4309699" cy="1477328"/>
           </a:xfrm>
           <a:prstGeom prst="rect">
             <a:avLst/>
@@ -12795,7 +14646,7 @@
         </p:nvSpPr>
         <p:spPr>
           <a:xfrm>
-            <a:off x="1958801" y="4140412"/>
+            <a:off x="519757" y="5153116"/>
             <a:ext cx="2344547" cy="646331"/>
           </a:xfrm>
           <a:prstGeom prst="rect">
@@ -12817,6 +14668,330 @@
           </a:p>
         </p:txBody>
       </p:sp>
+      <p:sp>
+        <p:nvSpPr>
+          <p:cNvPr id="5" name="TextBox 4">
+            <a:extLst>
+              <a:ext uri="{FF2B5EF4-FFF2-40B4-BE49-F238E27FC236}">
+                <a16:creationId xmlns:a16="http://schemas.microsoft.com/office/drawing/2014/main" id="{856E2389-1350-7D4C-BEC0-3F6823D2B3D4}"/>
+              </a:ext>
+            </a:extLst>
+          </p:cNvPr>
+          <p:cNvSpPr txBox="1"/>
+          <p:nvPr/>
+        </p:nvSpPr>
+        <p:spPr>
+          <a:xfrm>
+            <a:off x="115833" y="3689474"/>
+            <a:ext cx="5271415" cy="1323439"/>
+          </a:xfrm>
+          <a:prstGeom prst="rect">
+            <a:avLst/>
+          </a:prstGeom>
+          <a:noFill/>
+        </p:spPr>
+        <p:txBody>
+          <a:bodyPr wrap="square" rtlCol="0">
+            <a:spAutoFit/>
+          </a:bodyPr>
+          <a:lstStyle/>
+          <a:p>
+            <a:r>
+              <a:rPr lang="en-GB" sz="1600" u="sng" dirty="0"/>
+              <a:t>Legend</a:t>
+            </a:r>
+          </a:p>
+          <a:p>
+            <a:r>
+              <a:rPr lang="en-GB" sz="1600" b="1" dirty="0">
+                <a:solidFill>
+                  <a:schemeClr val="bg2">
+                    <a:lumMod val="25000"/>
+                  </a:schemeClr>
+                </a:solidFill>
+              </a:rPr>
+              <a:t>GREY Dots</a:t>
+            </a:r>
+            <a:r>
+              <a:rPr lang="en-GB" sz="1600" dirty="0"/>
+              <a:t>: Our Optimised Problem Inspired Ansatz</a:t>
+            </a:r>
+          </a:p>
+          <a:p>
+            <a:r>
+              <a:rPr lang="en-GB" sz="1600" b="1" dirty="0">
+                <a:solidFill>
+                  <a:srgbClr val="FF0000"/>
+                </a:solidFill>
+              </a:rPr>
+              <a:t>+</a:t>
+            </a:r>
+            <a:r>
+              <a:rPr lang="en-GB" sz="1600" dirty="0"/>
+              <a:t> : Problem Inspired Ansatz w/ </a:t>
+            </a:r>
+            <a:r>
+              <a:rPr lang="en-GB" sz="1600" dirty="0" err="1"/>
+              <a:t>Mitiq</a:t>
+            </a:r>
+            <a:r>
+              <a:rPr lang="en-GB" sz="1600" dirty="0"/>
+              <a:t> Zero Noise Extrapolation</a:t>
+            </a:r>
+          </a:p>
+          <a:p>
+            <a:r>
+              <a:rPr lang="en-GB" sz="1600" dirty="0"/>
+              <a:t> </a:t>
+            </a:r>
+            <a:r>
+              <a:rPr lang="en-GB" sz="1600" b="1" dirty="0">
+                <a:solidFill>
+                  <a:srgbClr val="00B0F0"/>
+                </a:solidFill>
+              </a:rPr>
+              <a:t>CYAN Dots</a:t>
+            </a:r>
+            <a:r>
+              <a:rPr lang="en-GB" sz="1600" dirty="0"/>
+              <a:t>: Hartree-</a:t>
+            </a:r>
+            <a:r>
+              <a:rPr lang="en-GB" sz="1600" dirty="0" err="1"/>
+              <a:t>Fock</a:t>
+            </a:r>
+            <a:r>
+              <a:rPr lang="en-GB" sz="1600" dirty="0"/>
+              <a:t> (HF) State Only</a:t>
+            </a:r>
+          </a:p>
+          <a:p>
+            <a:r>
+              <a:rPr lang="en-GB" sz="1600" b="1" dirty="0">
+                <a:solidFill>
+                  <a:srgbClr val="C701BF"/>
+                </a:solidFill>
+              </a:rPr>
+              <a:t>X </a:t>
+            </a:r>
+            <a:r>
+              <a:rPr lang="en-GB" sz="1600" dirty="0">
+                <a:solidFill>
+                  <a:schemeClr val="bg2">
+                    <a:lumMod val="25000"/>
+                  </a:schemeClr>
+                </a:solidFill>
+              </a:rPr>
+              <a:t>: </a:t>
+            </a:r>
+            <a:r>
+              <a:rPr lang="en-GB" sz="1600" dirty="0"/>
+              <a:t>HF w/ </a:t>
+            </a:r>
+            <a:r>
+              <a:rPr lang="en-GB" sz="1600" dirty="0" err="1"/>
+              <a:t>Mitiq</a:t>
+            </a:r>
+            <a:r>
+              <a:rPr lang="en-GB" sz="1600" dirty="0"/>
+              <a:t> Zero Noise Extrapolation</a:t>
+            </a:r>
+          </a:p>
+        </p:txBody>
+      </p:sp>
+      <mc:AlternateContent xmlns:mc="http://schemas.openxmlformats.org/markup-compatibility/2006">
+        <mc:Choice xmlns:a14="http://schemas.microsoft.com/office/drawing/2010/main" Requires="a14">
+          <p:sp>
+            <p:nvSpPr>
+              <p:cNvPr id="22" name="TextBox 21">
+                <a:extLst>
+                  <a:ext uri="{FF2B5EF4-FFF2-40B4-BE49-F238E27FC236}">
+                    <a16:creationId xmlns:a16="http://schemas.microsoft.com/office/drawing/2014/main" id="{8BF783CE-6FCB-594E-A555-1E17A8B58A77}"/>
+                  </a:ext>
+                </a:extLst>
+              </p:cNvPr>
+              <p:cNvSpPr txBox="1"/>
+              <p:nvPr/>
+            </p:nvSpPr>
+            <p:spPr>
+              <a:xfrm>
+                <a:off x="5240759" y="4388613"/>
+                <a:ext cx="1788150" cy="584775"/>
+              </a:xfrm>
+              <a:prstGeom prst="rect">
+                <a:avLst/>
+              </a:prstGeom>
+              <a:noFill/>
+            </p:spPr>
+            <p:txBody>
+              <a:bodyPr wrap="square">
+                <a:spAutoFit/>
+              </a:bodyPr>
+              <a:lstStyle/>
+              <a:p>
+                <a:pPr algn="ctr"/>
+                <a:r>
+                  <a:rPr lang="en-SG" sz="1600" dirty="0"/>
+                  <a:t>Bond lengths: </a:t>
+                </a:r>
+                <a:endParaRPr lang="en-US" sz="1600" b="0" i="0" dirty="0">
+                  <a:latin typeface="Cambria Math" panose="02040503050406030204" pitchFamily="18" charset="0"/>
+                </a:endParaRPr>
+              </a:p>
+              <a:p>
+                <a:pPr algn="ctr"/>
+                <a14:m>
+                  <m:oMath xmlns:m="http://schemas.openxmlformats.org/officeDocument/2006/math">
+                    <m:r>
+                      <m:rPr>
+                        <m:sty m:val="p"/>
+                      </m:rPr>
+                      <a:rPr lang="en-SG" sz="1600" b="0" i="0" smtClean="0">
+                        <a:latin typeface="Cambria Math" panose="02040503050406030204" pitchFamily="18" charset="0"/>
+                      </a:rPr>
+                      <m:t>r</m:t>
+                    </m:r>
+                    <m:r>
+                      <a:rPr lang="en-SG" sz="1600" b="0" i="0" smtClean="0">
+                        <a:latin typeface="Cambria Math" panose="02040503050406030204" pitchFamily="18" charset="0"/>
+                      </a:rPr>
+                      <m:t>=</m:t>
+                    </m:r>
+                    <m:r>
+                      <a:rPr lang="en-SG" sz="1600" b="0" i="1" smtClean="0">
+                        <a:latin typeface="Cambria Math" panose="02040503050406030204" pitchFamily="18" charset="0"/>
+                      </a:rPr>
+                      <m:t>1.</m:t>
+                    </m:r>
+                    <m:r>
+                      <a:rPr lang="en-US" sz="1600" b="0" i="1" smtClean="0">
+                        <a:latin typeface="Cambria Math" panose="02040503050406030204" pitchFamily="18" charset="0"/>
+                      </a:rPr>
+                      <m:t>0</m:t>
+                    </m:r>
+                  </m:oMath>
+                </a14:m>
+                <a:r>
+                  <a:rPr lang="en-SG" sz="1600" dirty="0"/>
+                  <a:t> to </a:t>
+                </a:r>
+                <a14:m>
+                  <m:oMath xmlns:m="http://schemas.openxmlformats.org/officeDocument/2006/math">
+                    <m:r>
+                      <a:rPr lang="en-SG" sz="1600" i="1" dirty="0" smtClean="0">
+                        <a:latin typeface="Cambria Math" panose="02040503050406030204" pitchFamily="18" charset="0"/>
+                      </a:rPr>
+                      <m:t>4</m:t>
+                    </m:r>
+                    <m:r>
+                      <a:rPr lang="en-SG" sz="1600" i="1">
+                        <a:latin typeface="Cambria Math" panose="02040503050406030204" pitchFamily="18" charset="0"/>
+                      </a:rPr>
+                      <m:t>.</m:t>
+                    </m:r>
+                    <m:r>
+                      <a:rPr lang="en-US" sz="1600" i="1">
+                        <a:latin typeface="Cambria Math" panose="02040503050406030204" pitchFamily="18" charset="0"/>
+                      </a:rPr>
+                      <m:t>0</m:t>
+                    </m:r>
+                  </m:oMath>
+                </a14:m>
+                <a:r>
+                  <a:rPr lang="en-SG" sz="1600" dirty="0"/>
+                  <a:t> Bohr</a:t>
+                </a:r>
+                <a:endParaRPr lang="en-GB" sz="1600" dirty="0"/>
+              </a:p>
+            </p:txBody>
+          </p:sp>
+        </mc:Choice>
+        <mc:Fallback>
+          <p:sp>
+            <p:nvSpPr>
+              <p:cNvPr id="22" name="TextBox 21">
+                <a:extLst>
+                  <a:ext uri="{FF2B5EF4-FFF2-40B4-BE49-F238E27FC236}">
+                    <a16:creationId xmlns:a16="http://schemas.microsoft.com/office/drawing/2014/main" id="{8BF783CE-6FCB-594E-A555-1E17A8B58A77}"/>
+                  </a:ext>
+                </a:extLst>
+              </p:cNvPr>
+              <p:cNvSpPr txBox="1">
+                <a:spLocks noRot="1" noChangeAspect="1" noMove="1" noResize="1" noEditPoints="1" noAdjustHandles="1" noChangeArrowheads="1" noChangeShapeType="1" noTextEdit="1"/>
+              </p:cNvSpPr>
+              <p:nvPr/>
+            </p:nvSpPr>
+            <p:spPr>
+              <a:xfrm>
+                <a:off x="5240759" y="4388613"/>
+                <a:ext cx="1788150" cy="584775"/>
+              </a:xfrm>
+              <a:prstGeom prst="rect">
+                <a:avLst/>
+              </a:prstGeom>
+              <a:blipFill>
+                <a:blip r:embed="rId9"/>
+                <a:stretch>
+                  <a:fillRect t="-2128" r="-1408" b="-10638"/>
+                </a:stretch>
+              </a:blipFill>
+            </p:spPr>
+            <p:txBody>
+              <a:bodyPr/>
+              <a:lstStyle/>
+              <a:p>
+                <a:r>
+                  <a:rPr lang="en-GB">
+                    <a:noFill/>
+                  </a:rPr>
+                  <a:t> </a:t>
+                </a:r>
+              </a:p>
+            </p:txBody>
+          </p:sp>
+        </mc:Fallback>
+      </mc:AlternateContent>
+      <p:pic>
+        <p:nvPicPr>
+          <p:cNvPr id="23" name="Picture 22">
+            <a:extLst>
+              <a:ext uri="{FF2B5EF4-FFF2-40B4-BE49-F238E27FC236}">
+                <a16:creationId xmlns:a16="http://schemas.microsoft.com/office/drawing/2014/main" id="{5CCDB745-8895-2046-80EA-A556F9CC70E1}"/>
+              </a:ext>
+            </a:extLst>
+          </p:cNvPr>
+          <p:cNvPicPr>
+            <a:picLocks noChangeAspect="1"/>
+          </p:cNvPicPr>
+          <p:nvPr/>
+        </p:nvPicPr>
+        <p:blipFill>
+          <a:blip r:embed="rId10">
+            <a:clrChange>
+              <a:clrFrom>
+                <a:srgbClr val="FFFFFF"/>
+              </a:clrFrom>
+              <a:clrTo>
+                <a:srgbClr val="FFFFFF">
+                  <a:alpha val="0"/>
+                </a:srgbClr>
+              </a:clrTo>
+            </a:clrChange>
+          </a:blip>
+          <a:stretch>
+            <a:fillRect/>
+          </a:stretch>
+        </p:blipFill>
+        <p:spPr>
+          <a:xfrm>
+            <a:off x="5599530" y="3674406"/>
+            <a:ext cx="1070608" cy="714207"/>
+          </a:xfrm>
+          <a:prstGeom prst="rect">
+            <a:avLst/>
+          </a:prstGeom>
+        </p:spPr>
+      </p:pic>
     </p:spTree>
     <p:extLst>
       <p:ext uri="{BB962C8B-B14F-4D97-AF65-F5344CB8AC3E}">
@@ -13327,8 +15502,8 @@
           </a:prstGeom>
         </p:spPr>
       </p:pic>
-      <mc:AlternateContent xmlns:mc="http://schemas.openxmlformats.org/markup-compatibility/2006">
-        <mc:Choice xmlns:a14="http://schemas.microsoft.com/office/drawing/2010/main" Requires="a14">
+      <mc:AlternateContent xmlns:mc="http://schemas.openxmlformats.org/markup-compatibility/2006" xmlns:a14="http://schemas.microsoft.com/office/drawing/2010/main">
+        <mc:Choice Requires="a14">
           <p:sp>
             <p:nvSpPr>
               <p:cNvPr id="22" name="Title 1">
@@ -13421,7 +15596,7 @@
             </p:txBody>
           </p:sp>
         </mc:Choice>
-        <mc:Fallback>
+        <mc:Fallback xmlns="">
           <p:sp>
             <p:nvSpPr>
               <p:cNvPr id="22" name="Title 1">
@@ -13466,6 +15641,41 @@
           </p:sp>
         </mc:Fallback>
       </mc:AlternateContent>
+      <p:sp>
+        <p:nvSpPr>
+          <p:cNvPr id="2" name="TextBox 1">
+            <a:extLst>
+              <a:ext uri="{FF2B5EF4-FFF2-40B4-BE49-F238E27FC236}">
+                <a16:creationId xmlns:a16="http://schemas.microsoft.com/office/drawing/2014/main" id="{D7E689D9-D762-9E47-85D5-6AA71CA7FDC8}"/>
+              </a:ext>
+            </a:extLst>
+          </p:cNvPr>
+          <p:cNvSpPr txBox="1"/>
+          <p:nvPr/>
+        </p:nvSpPr>
+        <p:spPr>
+          <a:xfrm>
+            <a:off x="2888951" y="5948517"/>
+            <a:ext cx="6712671" cy="523220"/>
+          </a:xfrm>
+          <a:prstGeom prst="rect">
+            <a:avLst/>
+          </a:prstGeom>
+          <a:noFill/>
+        </p:spPr>
+        <p:txBody>
+          <a:bodyPr wrap="none" rtlCol="0">
+            <a:spAutoFit/>
+          </a:bodyPr>
+          <a:lstStyle/>
+          <a:p>
+            <a:r>
+              <a:rPr lang="en-GB" sz="2800" dirty="0"/>
+              <a:t>Simulated IBM Quantum Devices Noise Map </a:t>
+            </a:r>
+          </a:p>
+        </p:txBody>
+      </p:sp>
     </p:spTree>
     <p:extLst>
       <p:ext uri="{BB962C8B-B14F-4D97-AF65-F5344CB8AC3E}">

--- a/Qanything Results Presentation.pptx
+++ b/Qanything Results Presentation.pptx
@@ -5888,8 +5888,8 @@
           </a:p>
         </p:txBody>
       </p:sp>
-      <mc:AlternateContent xmlns:mc="http://schemas.openxmlformats.org/markup-compatibility/2006">
-        <mc:Choice xmlns:a14="http://schemas.microsoft.com/office/drawing/2010/main" Requires="a14">
+      <mc:AlternateContent xmlns:mc="http://schemas.openxmlformats.org/markup-compatibility/2006" xmlns:a14="http://schemas.microsoft.com/office/drawing/2010/main">
+        <mc:Choice Requires="a14">
           <p:sp>
             <p:nvSpPr>
               <p:cNvPr id="10" name="TextBox 9">
@@ -5986,7 +5986,7 @@
             </p:txBody>
           </p:sp>
         </mc:Choice>
-        <mc:Fallback>
+        <mc:Fallback xmlns="">
           <p:sp>
             <p:nvSpPr>
               <p:cNvPr id="10" name="TextBox 9">
@@ -6031,8 +6031,8 @@
           </p:sp>
         </mc:Fallback>
       </mc:AlternateContent>
-      <mc:AlternateContent xmlns:mc="http://schemas.openxmlformats.org/markup-compatibility/2006">
-        <mc:Choice xmlns:a14="http://schemas.microsoft.com/office/drawing/2010/main" Requires="a14">
+      <mc:AlternateContent xmlns:mc="http://schemas.openxmlformats.org/markup-compatibility/2006" xmlns:a14="http://schemas.microsoft.com/office/drawing/2010/main">
+        <mc:Choice Requires="a14">
           <p:sp>
             <p:nvSpPr>
               <p:cNvPr id="24" name="TextBox 23">
@@ -6132,7 +6132,7 @@
             </p:txBody>
           </p:sp>
         </mc:Choice>
-        <mc:Fallback>
+        <mc:Fallback xmlns="">
           <p:sp>
             <p:nvSpPr>
               <p:cNvPr id="24" name="TextBox 23">
@@ -6207,8 +6207,8 @@
           <a:chExt cx="0" cy="0"/>
         </a:xfrm>
       </p:grpSpPr>
-      <mc:AlternateContent xmlns:mc="http://schemas.openxmlformats.org/markup-compatibility/2006">
-        <mc:Choice xmlns:a14="http://schemas.microsoft.com/office/drawing/2010/main" Requires="a14">
+      <mc:AlternateContent xmlns:mc="http://schemas.openxmlformats.org/markup-compatibility/2006" xmlns:a14="http://schemas.microsoft.com/office/drawing/2010/main">
+        <mc:Choice Requires="a14">
           <p:sp>
             <p:nvSpPr>
               <p:cNvPr id="17" name="Title 1">
@@ -6284,7 +6284,7 @@
             </p:txBody>
           </p:sp>
         </mc:Choice>
-        <mc:Fallback>
+        <mc:Fallback xmlns="">
           <p:sp>
             <p:nvSpPr>
               <p:cNvPr id="17" name="Title 1">
@@ -6488,8 +6488,8 @@
           </p:txBody>
         </p:sp>
       </p:grpSp>
-      <mc:AlternateContent xmlns:mc="http://schemas.openxmlformats.org/markup-compatibility/2006">
-        <mc:Choice xmlns:a14="http://schemas.microsoft.com/office/drawing/2010/main" Requires="a14">
+      <mc:AlternateContent xmlns:mc="http://schemas.openxmlformats.org/markup-compatibility/2006" xmlns:a14="http://schemas.microsoft.com/office/drawing/2010/main">
+        <mc:Choice Requires="a14">
           <p:sp>
             <p:nvSpPr>
               <p:cNvPr id="22" name="TextBox 21">
@@ -6558,7 +6558,7 @@
             </p:txBody>
           </p:sp>
         </mc:Choice>
-        <mc:Fallback>
+        <mc:Fallback xmlns="">
           <p:sp>
             <p:nvSpPr>
               <p:cNvPr id="22" name="TextBox 21">
@@ -6872,8 +6872,8 @@
           </a:fontRef>
         </p:style>
       </p:cxnSp>
-      <mc:AlternateContent xmlns:mc="http://schemas.openxmlformats.org/markup-compatibility/2006">
-        <mc:Choice xmlns:a14="http://schemas.microsoft.com/office/drawing/2010/main" Requires="a14">
+      <mc:AlternateContent xmlns:mc="http://schemas.openxmlformats.org/markup-compatibility/2006" xmlns:a14="http://schemas.microsoft.com/office/drawing/2010/main">
+        <mc:Choice Requires="a14">
           <p:sp>
             <p:nvSpPr>
               <p:cNvPr id="10" name="TextBox 9">
@@ -6963,7 +6963,7 @@
             </p:txBody>
           </p:sp>
         </mc:Choice>
-        <mc:Fallback>
+        <mc:Fallback xmlns="">
           <p:sp>
             <p:nvSpPr>
               <p:cNvPr id="10" name="TextBox 9">
@@ -7084,8 +7084,8 @@
           </a:p>
         </p:txBody>
       </p:sp>
-      <mc:AlternateContent xmlns:mc="http://schemas.openxmlformats.org/markup-compatibility/2006">
-        <mc:Choice xmlns:a14="http://schemas.microsoft.com/office/drawing/2010/main" Requires="a14">
+      <mc:AlternateContent xmlns:mc="http://schemas.openxmlformats.org/markup-compatibility/2006" xmlns:a14="http://schemas.microsoft.com/office/drawing/2010/main">
+        <mc:Choice Requires="a14">
           <p:sp>
             <p:nvSpPr>
               <p:cNvPr id="29" name="TextBox 28">
@@ -7185,7 +7185,7 @@
             </p:txBody>
           </p:sp>
         </mc:Choice>
-        <mc:Fallback>
+        <mc:Fallback xmlns="">
           <p:sp>
             <p:nvSpPr>
               <p:cNvPr id="29" name="TextBox 28">
@@ -7712,8 +7712,8 @@
           </a:p>
         </p:txBody>
       </p:sp>
-      <mc:AlternateContent xmlns:mc="http://schemas.openxmlformats.org/markup-compatibility/2006">
-        <mc:Choice xmlns:a14="http://schemas.microsoft.com/office/drawing/2010/main" Requires="a14">
+      <mc:AlternateContent xmlns:mc="http://schemas.openxmlformats.org/markup-compatibility/2006" xmlns:a14="http://schemas.microsoft.com/office/drawing/2010/main">
+        <mc:Choice Requires="a14">
           <p:sp>
             <p:nvSpPr>
               <p:cNvPr id="12" name="TextBox 11">
@@ -7801,7 +7801,7 @@
             </p:txBody>
           </p:sp>
         </mc:Choice>
-        <mc:Fallback>
+        <mc:Fallback xmlns="">
           <p:sp>
             <p:nvSpPr>
               <p:cNvPr id="12" name="TextBox 11">
@@ -8112,7 +8112,7 @@
         </p:blipFill>
         <p:spPr>
           <a:xfrm>
-            <a:off x="409696" y="370994"/>
+            <a:off x="411291" y="370994"/>
             <a:ext cx="6648079" cy="4248390"/>
           </a:xfrm>
           <a:prstGeom prst="rect">
@@ -9029,6 +9029,61 @@
           </p:sp>
         </mc:Fallback>
       </mc:AlternateContent>
+      <p:sp>
+        <p:nvSpPr>
+          <p:cNvPr id="2" name="Rectangle 1">
+            <a:extLst>
+              <a:ext uri="{FF2B5EF4-FFF2-40B4-BE49-F238E27FC236}">
+                <a16:creationId xmlns:a16="http://schemas.microsoft.com/office/drawing/2014/main" id="{BD866EED-2AE0-DF45-9F2D-DDD09A835B5F}"/>
+              </a:ext>
+            </a:extLst>
+          </p:cNvPr>
+          <p:cNvSpPr/>
+          <p:nvPr/>
+        </p:nvSpPr>
+        <p:spPr>
+          <a:xfrm>
+            <a:off x="1636186" y="3994261"/>
+            <a:ext cx="3339226" cy="461665"/>
+          </a:xfrm>
+          <a:prstGeom prst="rect">
+            <a:avLst/>
+          </a:prstGeom>
+        </p:spPr>
+        <p:txBody>
+          <a:bodyPr wrap="square">
+            <a:spAutoFit/>
+          </a:bodyPr>
+          <a:lstStyle/>
+          <a:p>
+            <a:r>
+              <a:rPr lang="en-GB" sz="800" dirty="0"/>
+              <a:t>Image Source: https://</a:t>
+            </a:r>
+            <a:r>
+              <a:rPr lang="en-GB" sz="800" dirty="0" err="1"/>
+              <a:t>en.wikipedia.org</a:t>
+            </a:r>
+            <a:r>
+              <a:rPr lang="en-GB" sz="800" dirty="0"/>
+              <a:t>/wiki/</a:t>
+            </a:r>
+            <a:r>
+              <a:rPr lang="en-GB" sz="800" dirty="0" err="1"/>
+              <a:t>Potential_energy_surface</a:t>
+            </a:r>
+            <a:r>
+              <a:rPr lang="en-GB" sz="800" dirty="0"/>
+              <a:t>#/media/</a:t>
+            </a:r>
+            <a:r>
+              <a:rPr lang="en-GB" sz="800" dirty="0" err="1"/>
+              <a:t>File:Potential_Energy_Surface_for_Water.png</a:t>
+            </a:r>
+            <a:endParaRPr lang="en-GB" sz="800" dirty="0"/>
+          </a:p>
+        </p:txBody>
+      </p:sp>
     </p:spTree>
     <p:extLst>
       <p:ext uri="{BB962C8B-B14F-4D97-AF65-F5344CB8AC3E}">
@@ -9492,8 +9547,8 @@
           </a:prstGeom>
         </p:spPr>
       </p:pic>
-      <mc:AlternateContent xmlns:mc="http://schemas.openxmlformats.org/markup-compatibility/2006">
-        <mc:Choice xmlns:a14="http://schemas.microsoft.com/office/drawing/2010/main" Requires="a14">
+      <mc:AlternateContent xmlns:mc="http://schemas.openxmlformats.org/markup-compatibility/2006" xmlns:a14="http://schemas.microsoft.com/office/drawing/2010/main">
+        <mc:Choice Requires="a14">
           <p:sp>
             <p:nvSpPr>
               <p:cNvPr id="20" name="TextBox 19">
@@ -9630,7 +9685,7 @@
             </p:txBody>
           </p:sp>
         </mc:Choice>
-        <mc:Fallback>
+        <mc:Fallback xmlns="">
           <p:sp>
             <p:nvSpPr>
               <p:cNvPr id="20" name="TextBox 19">
@@ -9928,7 +9983,7 @@
         </p:nvSpPr>
         <p:spPr>
           <a:xfrm>
-            <a:off x="83597" y="62523"/>
+            <a:off x="83595" y="269726"/>
             <a:ext cx="11832177" cy="442743"/>
           </a:xfrm>
           <a:prstGeom prst="rect">
@@ -9959,6 +10014,7 @@
             </a:lvl1pPr>
           </a:lstStyle>
           <a:p>
+            <a:pPr algn="ctr"/>
             <a:r>
               <a:rPr lang="en-SG" sz="3200" dirty="0"/>
               <a:t>Molecular Hamiltonian and the Problem-Inspired Ansatz</a:t>
@@ -10179,8 +10235,8 @@
           </a:fontRef>
         </p:style>
       </p:cxnSp>
-      <mc:AlternateContent xmlns:mc="http://schemas.openxmlformats.org/markup-compatibility/2006">
-        <mc:Choice xmlns:a14="http://schemas.microsoft.com/office/drawing/2010/main" Requires="a14">
+      <mc:AlternateContent xmlns:mc="http://schemas.openxmlformats.org/markup-compatibility/2006" xmlns:a14="http://schemas.microsoft.com/office/drawing/2010/main">
+        <mc:Choice Requires="a14">
           <p:sp>
             <p:nvSpPr>
               <p:cNvPr id="6" name="TextBox 5">
@@ -10254,7 +10310,7 @@
             </p:txBody>
           </p:sp>
         </mc:Choice>
-        <mc:Fallback>
+        <mc:Fallback xmlns="">
           <p:sp>
             <p:nvSpPr>
               <p:cNvPr id="6" name="TextBox 5">
@@ -10391,7 +10447,7 @@
         </p:nvSpPr>
         <p:spPr>
           <a:xfrm>
-            <a:off x="135850" y="315006"/>
+            <a:off x="244799" y="356269"/>
             <a:ext cx="10515600" cy="442743"/>
           </a:xfrm>
         </p:spPr>
@@ -10749,8 +10805,8 @@
           </a:p>
         </p:txBody>
       </p:sp>
-      <mc:AlternateContent xmlns:mc="http://schemas.openxmlformats.org/markup-compatibility/2006">
-        <mc:Choice xmlns:a14="http://schemas.microsoft.com/office/drawing/2010/main" Requires="a14">
+      <mc:AlternateContent xmlns:mc="http://schemas.openxmlformats.org/markup-compatibility/2006" xmlns:a14="http://schemas.microsoft.com/office/drawing/2010/main">
+        <mc:Choice Requires="a14">
           <p:sp>
             <p:nvSpPr>
               <p:cNvPr id="23" name="TextBox 22">
@@ -10822,7 +10878,7 @@
             </p:txBody>
           </p:sp>
         </mc:Choice>
-        <mc:Fallback>
+        <mc:Fallback xmlns="">
           <p:sp>
             <p:nvSpPr>
               <p:cNvPr id="23" name="TextBox 22">
@@ -11110,8 +11166,8 @@
           </a:prstGeom>
         </p:spPr>
       </p:pic>
-      <mc:AlternateContent xmlns:mc="http://schemas.openxmlformats.org/markup-compatibility/2006">
-        <mc:Choice xmlns:a14="http://schemas.microsoft.com/office/drawing/2010/main" Requires="a14">
+      <mc:AlternateContent xmlns:mc="http://schemas.openxmlformats.org/markup-compatibility/2006" xmlns:a14="http://schemas.microsoft.com/office/drawing/2010/main">
+        <mc:Choice Requires="a14">
           <p:sp>
             <p:nvSpPr>
               <p:cNvPr id="18" name="TextBox 17">
@@ -11180,7 +11236,7 @@
             </p:txBody>
           </p:sp>
         </mc:Choice>
-        <mc:Fallback>
+        <mc:Fallback xmlns="">
           <p:sp>
             <p:nvSpPr>
               <p:cNvPr id="18" name="TextBox 17">
@@ -11413,7 +11469,7 @@
         </p:nvSpPr>
         <p:spPr>
           <a:xfrm>
-            <a:off x="1088404" y="404660"/>
+            <a:off x="1473429" y="374044"/>
             <a:ext cx="10515600" cy="442743"/>
           </a:xfrm>
         </p:spPr>
@@ -11433,7 +11489,7 @@
             </a:r>
             <a:r>
               <a:rPr lang="en-SG" sz="3200" dirty="0"/>
-              <a:t> Built-in Classical Optimizer </a:t>
+              <a:t> Built-in Classical Optimizers </a:t>
             </a:r>
             <a:endParaRPr lang="en-GB" sz="3200" dirty="0"/>
           </a:p>
@@ -12323,8 +12379,8 @@
           <a:chExt cx="0" cy="0"/>
         </a:xfrm>
       </p:grpSpPr>
-      <mc:AlternateContent xmlns:mc="http://schemas.openxmlformats.org/markup-compatibility/2006">
-        <mc:Choice xmlns:a14="http://schemas.microsoft.com/office/drawing/2010/main" Requires="a14">
+      <mc:AlternateContent xmlns:mc="http://schemas.openxmlformats.org/markup-compatibility/2006" xmlns:a14="http://schemas.microsoft.com/office/drawing/2010/main">
+        <mc:Choice Requires="a14">
           <p:sp>
             <p:nvSpPr>
               <p:cNvPr id="6" name="Title 1">
@@ -12434,7 +12490,7 @@
             </p:txBody>
           </p:sp>
         </mc:Choice>
-        <mc:Fallback>
+        <mc:Fallback xmlns="">
           <p:sp>
             <p:nvSpPr>
               <p:cNvPr id="6" name="Title 1">
@@ -12543,8 +12599,8 @@
           </a:p>
         </p:txBody>
       </p:sp>
-      <mc:AlternateContent xmlns:mc="http://schemas.openxmlformats.org/markup-compatibility/2006">
-        <mc:Choice xmlns:a14="http://schemas.microsoft.com/office/drawing/2010/main" Requires="a14">
+      <mc:AlternateContent xmlns:mc="http://schemas.openxmlformats.org/markup-compatibility/2006" xmlns:a14="http://schemas.microsoft.com/office/drawing/2010/main">
+        <mc:Choice Requires="a14">
           <p:sp>
             <p:nvSpPr>
               <p:cNvPr id="28" name="TextBox 27">
@@ -12618,7 +12674,7 @@
             </p:txBody>
           </p:sp>
         </mc:Choice>
-        <mc:Fallback>
+        <mc:Fallback xmlns="">
           <p:sp>
             <p:nvSpPr>
               <p:cNvPr id="28" name="TextBox 27">
@@ -12738,8 +12794,8 @@
           </a:p>
         </p:txBody>
       </p:sp>
-      <mc:AlternateContent xmlns:mc="http://schemas.openxmlformats.org/markup-compatibility/2006">
-        <mc:Choice xmlns:a14="http://schemas.microsoft.com/office/drawing/2010/main" Requires="a14">
+      <mc:AlternateContent xmlns:mc="http://schemas.openxmlformats.org/markup-compatibility/2006" xmlns:a14="http://schemas.microsoft.com/office/drawing/2010/main">
+        <mc:Choice Requires="a14">
           <p:sp>
             <p:nvSpPr>
               <p:cNvPr id="33" name="TextBox 32">
@@ -12829,7 +12885,7 @@
             </p:txBody>
           </p:sp>
         </mc:Choice>
-        <mc:Fallback>
+        <mc:Fallback xmlns="">
           <p:sp>
             <p:nvSpPr>
               <p:cNvPr id="33" name="TextBox 32">
@@ -12950,8 +13006,8 @@
           </a:p>
         </p:txBody>
       </p:sp>
-      <mc:AlternateContent xmlns:mc="http://schemas.openxmlformats.org/markup-compatibility/2006">
-        <mc:Choice xmlns:a14="http://schemas.microsoft.com/office/drawing/2010/main" Requires="a14">
+      <mc:AlternateContent xmlns:mc="http://schemas.openxmlformats.org/markup-compatibility/2006" xmlns:a14="http://schemas.microsoft.com/office/drawing/2010/main">
+        <mc:Choice Requires="a14">
           <p:sp>
             <p:nvSpPr>
               <p:cNvPr id="12" name="TextBox 11">
@@ -13023,7 +13079,7 @@
             </p:txBody>
           </p:sp>
         </mc:Choice>
-        <mc:Fallback>
+        <mc:Fallback xmlns="">
           <p:sp>
             <p:nvSpPr>
               <p:cNvPr id="12" name="TextBox 11">
@@ -13156,8 +13212,8 @@
           </a:extLst>
         </p:spPr>
       </p:pic>
-      <mc:AlternateContent xmlns:mc="http://schemas.openxmlformats.org/markup-compatibility/2006">
-        <mc:Choice xmlns:a14="http://schemas.microsoft.com/office/drawing/2010/main" Requires="a14">
+      <mc:AlternateContent xmlns:mc="http://schemas.openxmlformats.org/markup-compatibility/2006" xmlns:a14="http://schemas.microsoft.com/office/drawing/2010/main">
+        <mc:Choice Requires="a14">
           <p:sp>
             <p:nvSpPr>
               <p:cNvPr id="17" name="TextBox 16">
@@ -13229,7 +13285,7 @@
             </p:txBody>
           </p:sp>
         </mc:Choice>
-        <mc:Fallback>
+        <mc:Fallback xmlns="">
           <p:sp>
             <p:nvSpPr>
               <p:cNvPr id="17" name="TextBox 16">
@@ -13402,6 +13458,148 @@
           </a:p>
         </p:txBody>
       </p:sp>
+      <mc:AlternateContent xmlns:mc="http://schemas.openxmlformats.org/markup-compatibility/2006">
+        <mc:Choice xmlns:a14="http://schemas.microsoft.com/office/drawing/2010/main" Requires="a14">
+          <p:sp>
+            <p:nvSpPr>
+              <p:cNvPr id="2" name="Rectangle 1">
+                <a:extLst>
+                  <a:ext uri="{FF2B5EF4-FFF2-40B4-BE49-F238E27FC236}">
+                    <a16:creationId xmlns:a16="http://schemas.microsoft.com/office/drawing/2014/main" id="{E583652D-3D87-F24D-9CB1-D8CAF6FBFBAE}"/>
+                  </a:ext>
+                </a:extLst>
+              </p:cNvPr>
+              <p:cNvSpPr/>
+              <p:nvPr/>
+            </p:nvSpPr>
+            <p:spPr>
+              <a:xfrm>
+                <a:off x="5893453" y="6550223"/>
+                <a:ext cx="6383671" cy="307777"/>
+              </a:xfrm>
+              <a:prstGeom prst="rect">
+                <a:avLst/>
+              </a:prstGeom>
+            </p:spPr>
+            <p:txBody>
+              <a:bodyPr wrap="none">
+                <a:spAutoFit/>
+              </a:bodyPr>
+              <a:lstStyle/>
+              <a:p>
+                <a:r>
+                  <a:rPr lang="en-GB" sz="1400" dirty="0"/>
+                  <a:t>Image Source </a:t>
+                </a:r>
+                <a14:m>
+                  <m:oMath xmlns:m="http://schemas.openxmlformats.org/officeDocument/2006/math">
+                    <m:sSub>
+                      <m:sSubPr>
+                        <m:ctrlPr>
+                          <a:rPr lang="en-SG" sz="1400" i="1">
+                            <a:latin typeface="Cambria Math" panose="02040503050406030204" pitchFamily="18" charset="0"/>
+                          </a:rPr>
+                        </m:ctrlPr>
+                      </m:sSubPr>
+                      <m:e>
+                        <m:r>
+                          <m:rPr>
+                            <m:nor/>
+                          </m:rPr>
+                          <a:rPr lang="en-SG" sz="1400">
+                            <a:latin typeface="Cambria Math" panose="02040503050406030204" pitchFamily="18" charset="0"/>
+                          </a:rPr>
+                          <m:t>H</m:t>
+                        </m:r>
+                      </m:e>
+                      <m:sub>
+                        <m:r>
+                          <a:rPr lang="en-SG" sz="1400" i="1">
+                            <a:latin typeface="Cambria Math" panose="02040503050406030204" pitchFamily="18" charset="0"/>
+                          </a:rPr>
+                          <m:t>4</m:t>
+                        </m:r>
+                      </m:sub>
+                    </m:sSub>
+                  </m:oMath>
+                </a14:m>
+                <a:r>
+                  <a:rPr lang="en-GB" sz="1400" dirty="0"/>
+                  <a:t>: Henry </a:t>
+                </a:r>
+                <a:r>
+                  <a:rPr lang="en-GB" sz="1400" dirty="0" err="1"/>
+                  <a:t>Rzepa</a:t>
+                </a:r>
+                <a:r>
+                  <a:rPr lang="en-GB" sz="1400" dirty="0"/>
+                  <a:t>, https://</a:t>
+                </a:r>
+                <a:r>
+                  <a:rPr lang="en-GB" sz="1400" dirty="0" err="1"/>
+                  <a:t>www.ch.imperial.ac.uk</a:t>
+                </a:r>
+                <a:r>
+                  <a:rPr lang="en-GB" sz="1400" dirty="0"/>
+                  <a:t>/</a:t>
+                </a:r>
+                <a:r>
+                  <a:rPr lang="en-GB" sz="1400" dirty="0" err="1"/>
+                  <a:t>rzepa</a:t>
+                </a:r>
+                <a:r>
+                  <a:rPr lang="en-GB" sz="1400" dirty="0"/>
+                  <a:t>/blog/?p=17483</a:t>
+                </a:r>
+              </a:p>
+            </p:txBody>
+          </p:sp>
+        </mc:Choice>
+        <mc:Fallback>
+          <p:sp>
+            <p:nvSpPr>
+              <p:cNvPr id="2" name="Rectangle 1">
+                <a:extLst>
+                  <a:ext uri="{FF2B5EF4-FFF2-40B4-BE49-F238E27FC236}">
+                    <a16:creationId xmlns:a16="http://schemas.microsoft.com/office/drawing/2014/main" id="{E583652D-3D87-F24D-9CB1-D8CAF6FBFBAE}"/>
+                  </a:ext>
+                </a:extLst>
+              </p:cNvPr>
+              <p:cNvSpPr>
+                <a:spLocks noRot="1" noChangeAspect="1" noMove="1" noResize="1" noEditPoints="1" noAdjustHandles="1" noChangeArrowheads="1" noChangeShapeType="1" noTextEdit="1"/>
+              </p:cNvSpPr>
+              <p:nvPr/>
+            </p:nvSpPr>
+            <p:spPr>
+              <a:xfrm>
+                <a:off x="5893453" y="6550223"/>
+                <a:ext cx="6383671" cy="307777"/>
+              </a:xfrm>
+              <a:prstGeom prst="rect">
+                <a:avLst/>
+              </a:prstGeom>
+              <a:blipFill>
+                <a:blip r:embed="rId11"/>
+                <a:stretch>
+                  <a:fillRect l="-398" t="-4167" b="-25000"/>
+                </a:stretch>
+              </a:blipFill>
+            </p:spPr>
+            <p:txBody>
+              <a:bodyPr/>
+              <a:lstStyle/>
+              <a:p>
+                <a:r>
+                  <a:rPr lang="en-GB">
+                    <a:noFill/>
+                  </a:rPr>
+                  <a:t> </a:t>
+                </a:r>
+              </a:p>
+            </p:txBody>
+          </p:sp>
+        </mc:Fallback>
+      </mc:AlternateContent>
     </p:spTree>
     <p:extLst>
       <p:ext uri="{BB962C8B-B14F-4D97-AF65-F5344CB8AC3E}">
@@ -13937,8 +14135,8 @@
           <a:chExt cx="0" cy="0"/>
         </a:xfrm>
       </p:grpSpPr>
-      <mc:AlternateContent xmlns:mc="http://schemas.openxmlformats.org/markup-compatibility/2006" xmlns:a14="http://schemas.microsoft.com/office/drawing/2010/main">
-        <mc:Choice Requires="a14">
+      <mc:AlternateContent xmlns:mc="http://schemas.openxmlformats.org/markup-compatibility/2006">
+        <mc:Choice xmlns:a14="http://schemas.microsoft.com/office/drawing/2010/main" Requires="a14">
           <p:sp>
             <p:nvSpPr>
               <p:cNvPr id="6" name="Title 1">
@@ -13957,8 +14155,8 @@
             </p:nvSpPr>
             <p:spPr>
               <a:xfrm>
-                <a:off x="115833" y="166950"/>
-                <a:ext cx="10515600" cy="442743"/>
+                <a:off x="115832" y="166950"/>
+                <a:ext cx="11361527" cy="442743"/>
               </a:xfrm>
             </p:spPr>
             <p:txBody>
@@ -14005,14 +14203,14 @@
                 </a14:m>
                 <a:r>
                   <a:rPr lang="en-SG" sz="2900" dirty="0"/>
-                  <a:t> using IBMQ Device Noise Models</a:t>
+                  <a:t> using various IBMQ Device Noise Models</a:t>
                 </a:r>
                 <a:endParaRPr lang="en-GB" sz="2900" dirty="0"/>
               </a:p>
             </p:txBody>
           </p:sp>
         </mc:Choice>
-        <mc:Fallback xmlns="">
+        <mc:Fallback>
           <p:sp>
             <p:nvSpPr>
               <p:cNvPr id="6" name="Title 1">
@@ -14031,13 +14229,13 @@
             </p:nvSpPr>
             <p:spPr>
               <a:xfrm>
-                <a:off x="115833" y="166950"/>
-                <a:ext cx="10515600" cy="442743"/>
+                <a:off x="115832" y="166950"/>
+                <a:ext cx="11361527" cy="442743"/>
               </a:xfrm>
               <a:blipFill>
                 <a:blip r:embed="rId2"/>
                 <a:stretch>
-                  <a:fillRect l="-1327" t="-27778" b="-47222"/>
+                  <a:fillRect l="-1229" t="-27778" b="-47222"/>
                 </a:stretch>
               </a:blipFill>
             </p:spPr>
@@ -14146,7 +14344,7 @@
           <a:p>
             <a:r>
               <a:rPr lang="en-SG" sz="2400" dirty="0"/>
-              <a:t>Open providers</a:t>
+              <a:t>Open Providers</a:t>
             </a:r>
             <a:endParaRPr lang="en-GB" sz="2400" dirty="0"/>
           </a:p>
@@ -14167,7 +14365,7 @@
         <p:spPr>
           <a:xfrm>
             <a:off x="8181449" y="753281"/>
-            <a:ext cx="2309500" cy="461665"/>
+            <a:ext cx="2636206" cy="461665"/>
           </a:xfrm>
           <a:prstGeom prst="rect">
             <a:avLst/>
@@ -14182,7 +14380,7 @@
           <a:p>
             <a:r>
               <a:rPr lang="en-SG" sz="2400" dirty="0"/>
-              <a:t>Paid providers</a:t>
+              <a:t>Exclusive providers</a:t>
             </a:r>
             <a:endParaRPr lang="en-GB" sz="2400" dirty="0"/>
           </a:p>
@@ -14392,8 +14590,8 @@
           </a:prstGeom>
         </p:spPr>
       </p:pic>
-      <mc:AlternateContent xmlns:mc="http://schemas.openxmlformats.org/markup-compatibility/2006">
-        <mc:Choice xmlns:a14="http://schemas.microsoft.com/office/drawing/2010/main" Requires="a14">
+      <mc:AlternateContent xmlns:mc="http://schemas.openxmlformats.org/markup-compatibility/2006" xmlns:a14="http://schemas.microsoft.com/office/drawing/2010/main">
+        <mc:Choice Requires="a14">
           <p:sp>
             <p:nvSpPr>
               <p:cNvPr id="20" name="TextBox 19">
@@ -14511,7 +14709,7 @@
             </p:txBody>
           </p:sp>
         </mc:Choice>
-        <mc:Fallback>
+        <mc:Fallback xmlns="">
           <p:sp>
             <p:nvSpPr>
               <p:cNvPr id="20" name="TextBox 19">
@@ -14799,8 +14997,8 @@
           </a:p>
         </p:txBody>
       </p:sp>
-      <mc:AlternateContent xmlns:mc="http://schemas.openxmlformats.org/markup-compatibility/2006">
-        <mc:Choice xmlns:a14="http://schemas.microsoft.com/office/drawing/2010/main" Requires="a14">
+      <mc:AlternateContent xmlns:mc="http://schemas.openxmlformats.org/markup-compatibility/2006" xmlns:a14="http://schemas.microsoft.com/office/drawing/2010/main">
+        <mc:Choice Requires="a14">
           <p:sp>
             <p:nvSpPr>
               <p:cNvPr id="22" name="TextBox 21">
@@ -14906,7 +15104,7 @@
             </p:txBody>
           </p:sp>
         </mc:Choice>
-        <mc:Fallback>
+        <mc:Fallback xmlns="">
           <p:sp>
             <p:nvSpPr>
               <p:cNvPr id="22" name="TextBox 21">

--- a/Qanything Results Presentation.pptx
+++ b/Qanything Results Presentation.pptx
@@ -3420,13 +3420,13 @@
             </a:r>
             <a:r>
               <a:rPr lang="en-GB" dirty="0"/>
-              <a:t> 2022</a:t>
+              <a:t> Open Hackathon 2022</a:t>
             </a:r>
           </a:p>
           <a:p>
             <a:r>
               <a:rPr lang="en-GB" dirty="0"/>
-              <a:t>26 Feb 2022 </a:t>
+              <a:t>21-25 Feb 2022 </a:t>
             </a:r>
           </a:p>
           <a:p>

--- a/Qanything Results Presentation.pptx
+++ b/Qanything Results Presentation.pptx
@@ -7969,7 +7969,7 @@
             </a:pPr>
             <a:r>
               <a:rPr lang="en-SG" dirty="0"/>
-              <a:t>Benjamin Tan (Proofreading, Curator)</a:t>
+              <a:t>Benjamin Tan (Proofreading, Assistant Curator)</a:t>
             </a:r>
           </a:p>
           <a:p>
